--- a/E-commerce_Presentation.pptx
+++ b/E-commerce_Presentation.pptx
@@ -7503,10 +7503,10 @@
         </p:nvGrpSpPr>
         <p:grpSpPr>
           <a:xfrm>
-            <a:off x="1201052" y="2176849"/>
-            <a:ext cx="5042125" cy="2780341"/>
-            <a:chOff x="1644425" y="2643564"/>
-            <a:chExt cx="5042125" cy="2780341"/>
+            <a:off x="1201051" y="1606798"/>
+            <a:ext cx="6211146" cy="3146950"/>
+            <a:chOff x="1644424" y="3315381"/>
+            <a:chExt cx="6211146" cy="3146950"/>
           </a:xfrm>
         </p:grpSpPr>
         <p:sp>
@@ -7523,8 +7523,8 @@
           </p:nvSpPr>
           <p:spPr>
             <a:xfrm>
-              <a:off x="1644425" y="2643564"/>
-              <a:ext cx="4742548" cy="707886"/>
+              <a:off x="1644424" y="3315381"/>
+              <a:ext cx="6211144" cy="707886"/>
             </a:xfrm>
             <a:prstGeom prst="rect">
               <a:avLst/>
@@ -7537,6 +7537,7 @@
             </a:bodyPr>
             <a:lstStyle/>
             <a:p>
+              <a:pPr algn="ctr"/>
               <a:r>
                 <a:rPr lang="en-US" sz="4000" b="1" i="0" dirty="0">
                   <a:solidFill>
@@ -7574,8 +7575,244 @@
           </p:nvSpPr>
           <p:spPr>
             <a:xfrm>
-              <a:off x="1644425" y="3429000"/>
-              <a:ext cx="5042125" cy="1994905"/>
+              <a:off x="1644424" y="4798093"/>
+              <a:ext cx="1715403" cy="1664238"/>
+            </a:xfrm>
+            <a:prstGeom prst="rect">
+              <a:avLst/>
+            </a:prstGeom>
+            <a:noFill/>
+          </p:spPr>
+          <p:txBody>
+            <a:bodyPr wrap="square">
+              <a:spAutoFit/>
+            </a:bodyPr>
+            <a:lstStyle/>
+            <a:p>
+              <a:pPr>
+                <a:lnSpc>
+                  <a:spcPct val="150000"/>
+                </a:lnSpc>
+              </a:pPr>
+              <a:r>
+                <a:rPr lang="en-US" sz="1400" b="0" i="0" dirty="0">
+                  <a:solidFill>
+                    <a:schemeClr val="tx1">
+                      <a:lumMod val="85000"/>
+                      <a:lumOff val="15000"/>
+                    </a:schemeClr>
+                  </a:solidFill>
+                  <a:effectLst/>
+                  <a:latin typeface="Tahoma" panose="020B0604030504040204" pitchFamily="34" charset="0"/>
+                  <a:ea typeface="Tahoma" panose="020B0604030504040204" pitchFamily="34" charset="0"/>
+                  <a:cs typeface="Tahoma" panose="020B0604030504040204" pitchFamily="34" charset="0"/>
+                </a:rPr>
+                <a:t>1- Python</a:t>
+              </a:r>
+            </a:p>
+            <a:p>
+              <a:pPr>
+                <a:lnSpc>
+                  <a:spcPct val="150000"/>
+                </a:lnSpc>
+              </a:pPr>
+              <a:r>
+                <a:rPr lang="en-US" sz="1400" dirty="0">
+                  <a:solidFill>
+                    <a:schemeClr val="tx1">
+                      <a:lumMod val="85000"/>
+                      <a:lumOff val="15000"/>
+                    </a:schemeClr>
+                  </a:solidFill>
+                  <a:latin typeface="Tahoma" panose="020B0604030504040204" pitchFamily="34" charset="0"/>
+                  <a:ea typeface="Tahoma" panose="020B0604030504040204" pitchFamily="34" charset="0"/>
+                  <a:cs typeface="Tahoma" panose="020B0604030504040204" pitchFamily="34" charset="0"/>
+                </a:rPr>
+                <a:t>2- Flask</a:t>
+              </a:r>
+            </a:p>
+            <a:p>
+              <a:pPr>
+                <a:lnSpc>
+                  <a:spcPct val="150000"/>
+                </a:lnSpc>
+              </a:pPr>
+              <a:r>
+                <a:rPr lang="en-US" sz="1400" dirty="0">
+                  <a:solidFill>
+                    <a:schemeClr val="tx1">
+                      <a:lumMod val="85000"/>
+                      <a:lumOff val="15000"/>
+                    </a:schemeClr>
+                  </a:solidFill>
+                  <a:latin typeface="Tahoma" panose="020B0604030504040204" pitchFamily="34" charset="0"/>
+                  <a:ea typeface="Tahoma" panose="020B0604030504040204" pitchFamily="34" charset="0"/>
+                  <a:cs typeface="Tahoma" panose="020B0604030504040204" pitchFamily="34" charset="0"/>
+                </a:rPr>
+                <a:t>3- </a:t>
+              </a:r>
+              <a:r>
+                <a:rPr lang="en-US" sz="1400" dirty="0" err="1">
+                  <a:solidFill>
+                    <a:schemeClr val="tx1">
+                      <a:lumMod val="85000"/>
+                      <a:lumOff val="15000"/>
+                    </a:schemeClr>
+                  </a:solidFill>
+                  <a:latin typeface="Tahoma" panose="020B0604030504040204" pitchFamily="34" charset="0"/>
+                  <a:ea typeface="Tahoma" panose="020B0604030504040204" pitchFamily="34" charset="0"/>
+                  <a:cs typeface="Tahoma" panose="020B0604030504040204" pitchFamily="34" charset="0"/>
+                </a:rPr>
+                <a:t>Flask_cors</a:t>
+              </a:r>
+              <a:endParaRPr lang="en-US" sz="1400" dirty="0">
+                <a:solidFill>
+                  <a:schemeClr val="tx1">
+                    <a:lumMod val="85000"/>
+                    <a:lumOff val="15000"/>
+                  </a:schemeClr>
+                </a:solidFill>
+                <a:latin typeface="Tahoma" panose="020B0604030504040204" pitchFamily="34" charset="0"/>
+                <a:ea typeface="Tahoma" panose="020B0604030504040204" pitchFamily="34" charset="0"/>
+                <a:cs typeface="Tahoma" panose="020B0604030504040204" pitchFamily="34" charset="0"/>
+              </a:endParaRPr>
+            </a:p>
+            <a:p>
+              <a:pPr>
+                <a:lnSpc>
+                  <a:spcPct val="150000"/>
+                </a:lnSpc>
+              </a:pPr>
+              <a:r>
+                <a:rPr lang="en-US" sz="1400" dirty="0">
+                  <a:solidFill>
+                    <a:schemeClr val="tx1">
+                      <a:lumMod val="85000"/>
+                      <a:lumOff val="15000"/>
+                    </a:schemeClr>
+                  </a:solidFill>
+                  <a:latin typeface="Tahoma" panose="020B0604030504040204" pitchFamily="34" charset="0"/>
+                  <a:ea typeface="Tahoma" panose="020B0604030504040204" pitchFamily="34" charset="0"/>
+                  <a:cs typeface="Tahoma" panose="020B0604030504040204" pitchFamily="34" charset="0"/>
+                </a:rPr>
+                <a:t>4- MySQL</a:t>
+              </a:r>
+            </a:p>
+            <a:p>
+              <a:pPr>
+                <a:lnSpc>
+                  <a:spcPct val="150000"/>
+                </a:lnSpc>
+              </a:pPr>
+              <a:r>
+                <a:rPr lang="en-US" sz="1400" dirty="0">
+                  <a:solidFill>
+                    <a:schemeClr val="tx1">
+                      <a:lumMod val="85000"/>
+                      <a:lumOff val="15000"/>
+                    </a:schemeClr>
+                  </a:solidFill>
+                  <a:latin typeface="Tahoma" panose="020B0604030504040204" pitchFamily="34" charset="0"/>
+                  <a:ea typeface="Tahoma" panose="020B0604030504040204" pitchFamily="34" charset="0"/>
+                  <a:cs typeface="Tahoma" panose="020B0604030504040204" pitchFamily="34" charset="0"/>
+                </a:rPr>
+                <a:t>5- </a:t>
+              </a:r>
+              <a:r>
+                <a:rPr lang="en-US" sz="1400" dirty="0" err="1">
+                  <a:solidFill>
+                    <a:schemeClr val="tx1">
+                      <a:lumMod val="85000"/>
+                      <a:lumOff val="15000"/>
+                    </a:schemeClr>
+                  </a:solidFill>
+                  <a:latin typeface="Tahoma" panose="020B0604030504040204" pitchFamily="34" charset="0"/>
+                  <a:ea typeface="Tahoma" panose="020B0604030504040204" pitchFamily="34" charset="0"/>
+                  <a:cs typeface="Tahoma" panose="020B0604030504040204" pitchFamily="34" charset="0"/>
+                </a:rPr>
+                <a:t>Sqlalchemy</a:t>
+              </a:r>
+              <a:endParaRPr lang="en-US" sz="1400" dirty="0">
+                <a:solidFill>
+                  <a:schemeClr val="tx1">
+                    <a:lumMod val="85000"/>
+                    <a:lumOff val="15000"/>
+                  </a:schemeClr>
+                </a:solidFill>
+                <a:latin typeface="Tahoma" panose="020B0604030504040204" pitchFamily="34" charset="0"/>
+                <a:ea typeface="Tahoma" panose="020B0604030504040204" pitchFamily="34" charset="0"/>
+                <a:cs typeface="Tahoma" panose="020B0604030504040204" pitchFamily="34" charset="0"/>
+              </a:endParaRPr>
+            </a:p>
+          </p:txBody>
+        </p:sp>
+        <p:sp>
+          <p:nvSpPr>
+            <p:cNvPr id="2" name="TextBox 1">
+              <a:extLst>
+                <a:ext uri="{FF2B5EF4-FFF2-40B4-BE49-F238E27FC236}">
+                  <a16:creationId xmlns:a16="http://schemas.microsoft.com/office/drawing/2014/main" id="{A167682D-508E-8356-D87E-142B1E8E3006}"/>
+                </a:ext>
+              </a:extLst>
+            </p:cNvPr>
+            <p:cNvSpPr txBox="1"/>
+            <p:nvPr/>
+          </p:nvSpPr>
+          <p:spPr>
+            <a:xfrm>
+              <a:off x="1644425" y="4274873"/>
+              <a:ext cx="2655840" cy="523220"/>
+            </a:xfrm>
+            <a:prstGeom prst="rect">
+              <a:avLst/>
+            </a:prstGeom>
+            <a:noFill/>
+          </p:spPr>
+          <p:txBody>
+            <a:bodyPr wrap="square">
+              <a:spAutoFit/>
+            </a:bodyPr>
+            <a:lstStyle/>
+            <a:p>
+              <a:r>
+                <a:rPr lang="en-US" sz="2800" b="1" i="0" dirty="0">
+                  <a:solidFill>
+                    <a:schemeClr val="accent3"/>
+                  </a:solidFill>
+                  <a:effectLst/>
+                  <a:latin typeface="Tahoma" panose="020B0604030504040204" pitchFamily="34" charset="0"/>
+                  <a:ea typeface="Tahoma" panose="020B0604030504040204" pitchFamily="34" charset="0"/>
+                  <a:cs typeface="Tahoma" panose="020B0604030504040204" pitchFamily="34" charset="0"/>
+                </a:rPr>
+                <a:t>Back-End:</a:t>
+              </a:r>
+              <a:endParaRPr lang="en-US" sz="2800" b="1" dirty="0">
+                <a:solidFill>
+                  <a:schemeClr val="accent3"/>
+                </a:solidFill>
+                <a:latin typeface="Tahoma" panose="020B0604030504040204" pitchFamily="34" charset="0"/>
+                <a:ea typeface="Tahoma" panose="020B0604030504040204" pitchFamily="34" charset="0"/>
+                <a:cs typeface="Tahoma" panose="020B0604030504040204" pitchFamily="34" charset="0"/>
+              </a:endParaRPr>
+            </a:p>
+          </p:txBody>
+        </p:sp>
+        <p:sp>
+          <p:nvSpPr>
+            <p:cNvPr id="4" name="TextBox 3">
+              <a:extLst>
+                <a:ext uri="{FF2B5EF4-FFF2-40B4-BE49-F238E27FC236}">
+                  <a16:creationId xmlns:a16="http://schemas.microsoft.com/office/drawing/2014/main" id="{2E3CACD7-8E23-EADB-B218-3FD6C8EA3973}"/>
+                </a:ext>
+              </a:extLst>
+            </p:cNvPr>
+            <p:cNvSpPr txBox="1"/>
+            <p:nvPr/>
+          </p:nvSpPr>
+          <p:spPr>
+            <a:xfrm>
+              <a:off x="5223176" y="4798093"/>
+              <a:ext cx="2632394" cy="1341073"/>
             </a:xfrm>
             <a:prstGeom prst="rect">
               <a:avLst/>
@@ -7608,6 +7845,33 @@
                 </a:rPr>
                 <a:t>1- </a:t>
               </a:r>
+              <a:r>
+                <a:rPr lang="en-US" sz="1400" b="0" i="0" dirty="0" err="1">
+                  <a:solidFill>
+                    <a:schemeClr val="tx1">
+                      <a:lumMod val="85000"/>
+                      <a:lumOff val="15000"/>
+                    </a:schemeClr>
+                  </a:solidFill>
+                  <a:effectLst/>
+                  <a:latin typeface="Tahoma" panose="020B0604030504040204" pitchFamily="34" charset="0"/>
+                  <a:ea typeface="Tahoma" panose="020B0604030504040204" pitchFamily="34" charset="0"/>
+                  <a:cs typeface="Tahoma" panose="020B0604030504040204" pitchFamily="34" charset="0"/>
+                </a:rPr>
+                <a:t>Nextjs</a:t>
+              </a:r>
+              <a:endParaRPr lang="en-US" sz="1400" b="0" i="0" dirty="0">
+                <a:solidFill>
+                  <a:schemeClr val="tx1">
+                    <a:lumMod val="85000"/>
+                    <a:lumOff val="15000"/>
+                  </a:schemeClr>
+                </a:solidFill>
+                <a:effectLst/>
+                <a:latin typeface="Tahoma" panose="020B0604030504040204" pitchFamily="34" charset="0"/>
+                <a:ea typeface="Tahoma" panose="020B0604030504040204" pitchFamily="34" charset="0"/>
+                <a:cs typeface="Tahoma" panose="020B0604030504040204" pitchFamily="34" charset="0"/>
+              </a:endParaRPr>
             </a:p>
             <a:p>
               <a:pPr>
@@ -7627,7 +7891,7 @@
                   <a:ea typeface="Tahoma" panose="020B0604030504040204" pitchFamily="34" charset="0"/>
                   <a:cs typeface="Tahoma" panose="020B0604030504040204" pitchFamily="34" charset="0"/>
                 </a:rPr>
-                <a:t>2- </a:t>
+                <a:t>2- Firebase (To store images)</a:t>
               </a:r>
             </a:p>
             <a:p>
@@ -7648,7 +7912,7 @@
                   <a:ea typeface="Tahoma" panose="020B0604030504040204" pitchFamily="34" charset="0"/>
                   <a:cs typeface="Tahoma" panose="020B0604030504040204" pitchFamily="34" charset="0"/>
                 </a:rPr>
-                <a:t>3- </a:t>
+                <a:t>3- Tailwind CSS</a:t>
               </a:r>
             </a:p>
             <a:p>
@@ -7671,15 +7935,8 @@
                 </a:rPr>
                 <a:t>4- </a:t>
               </a:r>
-            </a:p>
-            <a:p>
-              <a:pPr>
-                <a:lnSpc>
-                  <a:spcPct val="150000"/>
-                </a:lnSpc>
-              </a:pPr>
               <a:r>
-                <a:rPr lang="en-US" sz="1400" dirty="0">
+                <a:rPr lang="en-US" sz="1400" dirty="0" err="1">
                   <a:solidFill>
                     <a:schemeClr val="tx1">
                       <a:lumMod val="85000"/>
@@ -7690,29 +7947,70 @@
                   <a:ea typeface="Tahoma" panose="020B0604030504040204" pitchFamily="34" charset="0"/>
                   <a:cs typeface="Tahoma" panose="020B0604030504040204" pitchFamily="34" charset="0"/>
                 </a:rPr>
-                <a:t>5- </a:t>
+                <a:t>Axios</a:t>
               </a:r>
+              <a:endParaRPr lang="en-US" sz="1400" dirty="0">
+                <a:solidFill>
+                  <a:schemeClr val="tx1">
+                    <a:lumMod val="85000"/>
+                    <a:lumOff val="15000"/>
+                  </a:schemeClr>
+                </a:solidFill>
+                <a:latin typeface="Tahoma" panose="020B0604030504040204" pitchFamily="34" charset="0"/>
+                <a:ea typeface="Tahoma" panose="020B0604030504040204" pitchFamily="34" charset="0"/>
+                <a:cs typeface="Tahoma" panose="020B0604030504040204" pitchFamily="34" charset="0"/>
+              </a:endParaRPr>
             </a:p>
+          </p:txBody>
+        </p:sp>
+        <p:sp>
+          <p:nvSpPr>
+            <p:cNvPr id="5" name="TextBox 4">
+              <a:extLst>
+                <a:ext uri="{FF2B5EF4-FFF2-40B4-BE49-F238E27FC236}">
+                  <a16:creationId xmlns:a16="http://schemas.microsoft.com/office/drawing/2014/main" id="{DD00A755-8DAC-1292-60DA-1E9F08696B60}"/>
+                </a:ext>
+              </a:extLst>
+            </p:cNvPr>
+            <p:cNvSpPr txBox="1"/>
+            <p:nvPr/>
+          </p:nvSpPr>
+          <p:spPr>
+            <a:xfrm>
+              <a:off x="5223175" y="4274873"/>
+              <a:ext cx="2632394" cy="523220"/>
+            </a:xfrm>
+            <a:prstGeom prst="rect">
+              <a:avLst/>
+            </a:prstGeom>
+            <a:noFill/>
+          </p:spPr>
+          <p:txBody>
+            <a:bodyPr wrap="square">
+              <a:spAutoFit/>
+            </a:bodyPr>
+            <a:lstStyle/>
             <a:p>
-              <a:pPr>
-                <a:lnSpc>
-                  <a:spcPct val="150000"/>
-                </a:lnSpc>
-              </a:pPr>
               <a:r>
-                <a:rPr lang="en-US" sz="1400" dirty="0">
+                <a:rPr lang="en-US" sz="2800" b="1" i="0" dirty="0">
                   <a:solidFill>
-                    <a:schemeClr val="tx1">
-                      <a:lumMod val="85000"/>
-                      <a:lumOff val="15000"/>
-                    </a:schemeClr>
+                    <a:schemeClr val="accent3"/>
                   </a:solidFill>
+                  <a:effectLst/>
                   <a:latin typeface="Tahoma" panose="020B0604030504040204" pitchFamily="34" charset="0"/>
                   <a:ea typeface="Tahoma" panose="020B0604030504040204" pitchFamily="34" charset="0"/>
                   <a:cs typeface="Tahoma" panose="020B0604030504040204" pitchFamily="34" charset="0"/>
                 </a:rPr>
-                <a:t>6- </a:t>
+                <a:t>Front-End:</a:t>
               </a:r>
+              <a:endParaRPr lang="en-US" sz="2800" b="1" dirty="0">
+                <a:solidFill>
+                  <a:schemeClr val="accent3"/>
+                </a:solidFill>
+                <a:latin typeface="Tahoma" panose="020B0604030504040204" pitchFamily="34" charset="0"/>
+                <a:ea typeface="Tahoma" panose="020B0604030504040204" pitchFamily="34" charset="0"/>
+                <a:cs typeface="Tahoma" panose="020B0604030504040204" pitchFamily="34" charset="0"/>
+              </a:endParaRPr>
             </a:p>
           </p:txBody>
         </p:sp>
@@ -8142,10 +8440,10 @@
         </p:nvGrpSpPr>
         <p:grpSpPr>
           <a:xfrm>
-            <a:off x="443005" y="910217"/>
-            <a:ext cx="5548814" cy="2325023"/>
-            <a:chOff x="385262" y="1066800"/>
-            <a:chExt cx="5548814" cy="2325023"/>
+            <a:off x="328247" y="664032"/>
+            <a:ext cx="5985895" cy="2640687"/>
+            <a:chOff x="270504" y="1066800"/>
+            <a:chExt cx="5985895" cy="2640687"/>
           </a:xfrm>
         </p:grpSpPr>
         <p:sp>
@@ -8163,7 +8461,7 @@
           <p:spPr>
             <a:xfrm>
               <a:off x="385262" y="1720083"/>
-              <a:ext cx="5548814" cy="1671740"/>
+              <a:ext cx="2832149" cy="1987404"/>
             </a:xfrm>
             <a:prstGeom prst="rect">
               <a:avLst/>
@@ -8194,7 +8492,7 @@
                   <a:ea typeface="Tahoma" panose="020B0604030504040204" pitchFamily="34" charset="0"/>
                   <a:cs typeface="Tahoma" panose="020B0604030504040204" pitchFamily="34" charset="0"/>
                 </a:rPr>
-                <a:t>1- </a:t>
+                <a:t>1- Home</a:t>
               </a:r>
             </a:p>
             <a:p>
@@ -8215,7 +8513,7 @@
                   <a:ea typeface="Tahoma" panose="020B0604030504040204" pitchFamily="34" charset="0"/>
                   <a:cs typeface="Tahoma" panose="020B0604030504040204" pitchFamily="34" charset="0"/>
                 </a:rPr>
-                <a:t>2- </a:t>
+                <a:t>2- Products</a:t>
               </a:r>
             </a:p>
             <a:p>
@@ -8236,7 +8534,7 @@
                   <a:ea typeface="Tahoma" panose="020B0604030504040204" pitchFamily="34" charset="0"/>
                   <a:cs typeface="Tahoma" panose="020B0604030504040204" pitchFamily="34" charset="0"/>
                 </a:rPr>
-                <a:t>3- </a:t>
+                <a:t>3- About</a:t>
               </a:r>
             </a:p>
             <a:p>
@@ -8257,7 +8555,7 @@
                   <a:ea typeface="Tahoma" panose="020B0604030504040204" pitchFamily="34" charset="0"/>
                   <a:cs typeface="Tahoma" panose="020B0604030504040204" pitchFamily="34" charset="0"/>
                 </a:rPr>
-                <a:t>4- </a:t>
+                <a:t>4- Cart</a:t>
               </a:r>
             </a:p>
             <a:p>
@@ -8278,7 +8576,28 @@
                   <a:ea typeface="Tahoma" panose="020B0604030504040204" pitchFamily="34" charset="0"/>
                   <a:cs typeface="Tahoma" panose="020B0604030504040204" pitchFamily="34" charset="0"/>
                 </a:rPr>
-                <a:t>5- </a:t>
+                <a:t>5- Your Profile</a:t>
+              </a:r>
+            </a:p>
+            <a:p>
+              <a:pPr>
+                <a:lnSpc>
+                  <a:spcPct val="150000"/>
+                </a:lnSpc>
+              </a:pPr>
+              <a:r>
+                <a:rPr lang="en-US" sz="1400" dirty="0">
+                  <a:solidFill>
+                    <a:schemeClr val="tx1">
+                      <a:lumMod val="85000"/>
+                      <a:lumOff val="15000"/>
+                    </a:schemeClr>
+                  </a:solidFill>
+                  <a:latin typeface="Tahoma" panose="020B0604030504040204" pitchFamily="34" charset="0"/>
+                  <a:ea typeface="Tahoma" panose="020B0604030504040204" pitchFamily="34" charset="0"/>
+                  <a:cs typeface="Tahoma" panose="020B0604030504040204" pitchFamily="34" charset="0"/>
+                </a:rPr>
+                <a:t>6- Your Orders</a:t>
               </a:r>
             </a:p>
           </p:txBody>
@@ -8297,8 +8616,8 @@
           </p:nvSpPr>
           <p:spPr>
             <a:xfrm>
-              <a:off x="385262" y="1066800"/>
-              <a:ext cx="4605838" cy="646331"/>
+              <a:off x="270504" y="1066800"/>
+              <a:ext cx="4044462" cy="646331"/>
             </a:xfrm>
             <a:prstGeom prst="rect">
               <a:avLst/>
@@ -8311,6 +8630,7 @@
             </a:bodyPr>
             <a:lstStyle/>
             <a:p>
+              <a:pPr algn="ctr"/>
               <a:r>
                 <a:rPr lang="en-US" sz="3600" b="1" i="0" dirty="0">
                   <a:solidFill>
@@ -8331,6 +8651,161 @@
                 <a:ea typeface="Tahoma" panose="020B0604030504040204" pitchFamily="34" charset="0"/>
                 <a:cs typeface="Tahoma" panose="020B0604030504040204" pitchFamily="34" charset="0"/>
               </a:endParaRPr>
+            </a:p>
+          </p:txBody>
+        </p:sp>
+        <p:sp>
+          <p:nvSpPr>
+            <p:cNvPr id="2" name="TextBox 1">
+              <a:extLst>
+                <a:ext uri="{FF2B5EF4-FFF2-40B4-BE49-F238E27FC236}">
+                  <a16:creationId xmlns:a16="http://schemas.microsoft.com/office/drawing/2014/main" id="{8D03A256-0244-1AE2-7040-98DE138FFDEB}"/>
+                </a:ext>
+              </a:extLst>
+            </p:cNvPr>
+            <p:cNvSpPr txBox="1"/>
+            <p:nvPr/>
+          </p:nvSpPr>
+          <p:spPr>
+            <a:xfrm>
+              <a:off x="3424250" y="1720083"/>
+              <a:ext cx="2832149" cy="1987404"/>
+            </a:xfrm>
+            <a:prstGeom prst="rect">
+              <a:avLst/>
+            </a:prstGeom>
+            <a:noFill/>
+          </p:spPr>
+          <p:txBody>
+            <a:bodyPr wrap="square">
+              <a:spAutoFit/>
+            </a:bodyPr>
+            <a:lstStyle/>
+            <a:p>
+              <a:pPr>
+                <a:lnSpc>
+                  <a:spcPct val="150000"/>
+                </a:lnSpc>
+              </a:pPr>
+              <a:r>
+                <a:rPr lang="en-US" sz="1400" dirty="0">
+                  <a:solidFill>
+                    <a:schemeClr val="tx1">
+                      <a:lumMod val="85000"/>
+                      <a:lumOff val="15000"/>
+                    </a:schemeClr>
+                  </a:solidFill>
+                  <a:latin typeface="Tahoma" panose="020B0604030504040204" pitchFamily="34" charset="0"/>
+                  <a:ea typeface="Tahoma" panose="020B0604030504040204" pitchFamily="34" charset="0"/>
+                  <a:cs typeface="Tahoma" panose="020B0604030504040204" pitchFamily="34" charset="0"/>
+                </a:rPr>
+                <a:t>7- Sign In</a:t>
+              </a:r>
+            </a:p>
+            <a:p>
+              <a:pPr>
+                <a:lnSpc>
+                  <a:spcPct val="150000"/>
+                </a:lnSpc>
+              </a:pPr>
+              <a:r>
+                <a:rPr lang="en-US" sz="1400" dirty="0">
+                  <a:solidFill>
+                    <a:schemeClr val="tx1">
+                      <a:lumMod val="85000"/>
+                      <a:lumOff val="15000"/>
+                    </a:schemeClr>
+                  </a:solidFill>
+                  <a:latin typeface="Tahoma" panose="020B0604030504040204" pitchFamily="34" charset="0"/>
+                  <a:ea typeface="Tahoma" panose="020B0604030504040204" pitchFamily="34" charset="0"/>
+                  <a:cs typeface="Tahoma" panose="020B0604030504040204" pitchFamily="34" charset="0"/>
+                </a:rPr>
+                <a:t>8- Sign Out</a:t>
+              </a:r>
+            </a:p>
+            <a:p>
+              <a:pPr>
+                <a:lnSpc>
+                  <a:spcPct val="150000"/>
+                </a:lnSpc>
+              </a:pPr>
+              <a:r>
+                <a:rPr lang="en-US" sz="1400" dirty="0">
+                  <a:solidFill>
+                    <a:schemeClr val="tx1">
+                      <a:lumMod val="85000"/>
+                      <a:lumOff val="15000"/>
+                    </a:schemeClr>
+                  </a:solidFill>
+                  <a:latin typeface="Tahoma" panose="020B0604030504040204" pitchFamily="34" charset="0"/>
+                  <a:ea typeface="Tahoma" panose="020B0604030504040204" pitchFamily="34" charset="0"/>
+                  <a:cs typeface="Tahoma" panose="020B0604030504040204" pitchFamily="34" charset="0"/>
+                </a:rPr>
+                <a:t>9- Sign Up</a:t>
+              </a:r>
+            </a:p>
+            <a:p>
+              <a:pPr>
+                <a:lnSpc>
+                  <a:spcPct val="150000"/>
+                </a:lnSpc>
+              </a:pPr>
+              <a:r>
+                <a:rPr lang="en-US" sz="1400" dirty="0">
+                  <a:solidFill>
+                    <a:schemeClr val="tx1">
+                      <a:lumMod val="85000"/>
+                      <a:lumOff val="15000"/>
+                    </a:schemeClr>
+                  </a:solidFill>
+                  <a:latin typeface="Tahoma" panose="020B0604030504040204" pitchFamily="34" charset="0"/>
+                  <a:ea typeface="Tahoma" panose="020B0604030504040204" pitchFamily="34" charset="0"/>
+                  <a:cs typeface="Tahoma" panose="020B0604030504040204" pitchFamily="34" charset="0"/>
+                </a:rPr>
+                <a:t>10- Add Item (For Admin)</a:t>
+              </a:r>
+            </a:p>
+            <a:p>
+              <a:pPr>
+                <a:lnSpc>
+                  <a:spcPct val="150000"/>
+                </a:lnSpc>
+              </a:pPr>
+              <a:r>
+                <a:rPr lang="en-US" sz="1400" dirty="0">
+                  <a:solidFill>
+                    <a:schemeClr val="tx1">
+                      <a:lumMod val="85000"/>
+                      <a:lumOff val="15000"/>
+                    </a:schemeClr>
+                  </a:solidFill>
+                  <a:latin typeface="Tahoma" panose="020B0604030504040204" pitchFamily="34" charset="0"/>
+                  <a:ea typeface="Tahoma" panose="020B0604030504040204" pitchFamily="34" charset="0"/>
+                  <a:cs typeface="Tahoma" panose="020B0604030504040204" pitchFamily="34" charset="0"/>
+                </a:rPr>
+                <a:t>11- Remove Item (For Admin)</a:t>
+              </a:r>
+            </a:p>
+            <a:p>
+              <a:pPr>
+                <a:lnSpc>
+                  <a:spcPct val="150000"/>
+                </a:lnSpc>
+              </a:pPr>
+              <a:r>
+                <a:rPr lang="en-US" sz="1400" dirty="0">
+                  <a:solidFill>
+                    <a:schemeClr val="tx1">
+                      <a:lumMod val="85000"/>
+                      <a:lumOff val="15000"/>
+                    </a:schemeClr>
+                  </a:solidFill>
+                  <a:latin typeface="Tahoma" panose="020B0604030504040204" pitchFamily="34" charset="0"/>
+                  <a:ea typeface="Tahoma" panose="020B0604030504040204" pitchFamily="34" charset="0"/>
+                  <a:cs typeface="Tahoma" panose="020B0604030504040204" pitchFamily="34" charset="0"/>
+                </a:rPr>
+                <a:t>12- Update Item (For Admin)</a:t>
+              </a:r>
             </a:p>
           </p:txBody>
         </p:sp>

--- a/E-commerce_Presentation.pptx
+++ b/E-commerce_Presentation.pptx
@@ -13,11 +13,11 @@
     <p:sldId id="260" r:id="rId4"/>
     <p:sldId id="257" r:id="rId5"/>
     <p:sldId id="256" r:id="rId6"/>
-    <p:sldId id="261" r:id="rId7"/>
-    <p:sldId id="1055" r:id="rId8"/>
-    <p:sldId id="1056" r:id="rId9"/>
-    <p:sldId id="1057" r:id="rId10"/>
-    <p:sldId id="1054" r:id="rId11"/>
+    <p:sldId id="1054" r:id="rId7"/>
+    <p:sldId id="261" r:id="rId8"/>
+    <p:sldId id="1055" r:id="rId9"/>
+    <p:sldId id="1056" r:id="rId10"/>
+    <p:sldId id="1057" r:id="rId11"/>
     <p:sldId id="1058" r:id="rId12"/>
     <p:sldId id="1046" r:id="rId13"/>
   </p:sldIdLst>
@@ -5642,7 +5642,7 @@
         <p:spPr>
           <a:xfrm>
             <a:off x="0" y="0"/>
-            <a:ext cx="3727938" cy="6858000"/>
+            <a:ext cx="2168769" cy="6858000"/>
           </a:xfrm>
           <a:prstGeom prst="rect">
             <a:avLst/>
@@ -5690,10 +5690,10 @@
         </p:nvGrpSpPr>
         <p:grpSpPr>
           <a:xfrm>
-            <a:off x="4078166" y="2379399"/>
-            <a:ext cx="6096000" cy="1266316"/>
-            <a:chOff x="6096000" y="1148834"/>
-            <a:chExt cx="6096000" cy="1266316"/>
+            <a:off x="2461846" y="314609"/>
+            <a:ext cx="9482504" cy="2065013"/>
+            <a:chOff x="2709496" y="514260"/>
+            <a:chExt cx="9482504" cy="2065013"/>
           </a:xfrm>
         </p:grpSpPr>
         <p:sp>
@@ -5710,8 +5710,8 @@
           </p:nvSpPr>
           <p:spPr>
             <a:xfrm>
-              <a:off x="6096000" y="1995163"/>
-              <a:ext cx="5829300" cy="419987"/>
+              <a:off x="2803281" y="2159286"/>
+              <a:ext cx="9122019" cy="419987"/>
             </a:xfrm>
             <a:prstGeom prst="rect">
               <a:avLst/>
@@ -5741,9 +5741,8 @@
                   <a:latin typeface="Tahoma" panose="020B0604030504040204" pitchFamily="34" charset="0"/>
                   <a:ea typeface="Tahoma" panose="020B0604030504040204" pitchFamily="34" charset="0"/>
                   <a:cs typeface="Tahoma" panose="020B0604030504040204" pitchFamily="34" charset="0"/>
-                  <a:hlinkClick r:id="rId2"/>
                 </a:rPr>
-                <a:t>https://www.mahmoudeasa.tech/</a:t>
+                <a:t>1- </a:t>
               </a:r>
               <a:endParaRPr lang="en-US" sz="1600" dirty="0">
                 <a:solidFill>
@@ -5773,8 +5772,8 @@
           </p:nvSpPr>
           <p:spPr>
             <a:xfrm>
-              <a:off x="6096000" y="1148834"/>
-              <a:ext cx="6096000" cy="646331"/>
+              <a:off x="2709496" y="514260"/>
+              <a:ext cx="9482504" cy="1200329"/>
             </a:xfrm>
             <a:prstGeom prst="rect">
               <a:avLst/>
@@ -5797,7 +5796,7 @@
                   <a:ea typeface="Tahoma" panose="020B0604030504040204" pitchFamily="34" charset="0"/>
                   <a:cs typeface="Tahoma" panose="020B0604030504040204" pitchFamily="34" charset="0"/>
                 </a:rPr>
-                <a:t>Live Demo</a:t>
+                <a:t>Learnings about technical interests as a result of this project</a:t>
               </a:r>
               <a:endParaRPr lang="en-US" sz="3600" dirty="0">
                 <a:solidFill>
@@ -5811,91 +5810,10 @@
           </p:txBody>
         </p:sp>
       </p:grpSp>
-      <p:grpSp>
-        <p:nvGrpSpPr>
-          <p:cNvPr id="13" name="Group 12">
-            <a:extLst>
-              <a:ext uri="{FF2B5EF4-FFF2-40B4-BE49-F238E27FC236}">
-                <a16:creationId xmlns:a16="http://schemas.microsoft.com/office/drawing/2014/main" id="{3BE5B7FB-D91E-B11D-E3E9-EE77033E83F9}"/>
-              </a:ext>
-            </a:extLst>
-          </p:cNvPr>
-          <p:cNvGrpSpPr/>
-          <p:nvPr/>
-        </p:nvGrpSpPr>
-        <p:grpSpPr>
-          <a:xfrm>
-            <a:off x="-1" y="0"/>
-            <a:ext cx="3727937" cy="6841313"/>
-            <a:chOff x="2923613" y="0"/>
-            <a:chExt cx="2658036" cy="6625385"/>
-          </a:xfrm>
-        </p:grpSpPr>
-        <p:pic>
-          <p:nvPicPr>
-            <p:cNvPr id="5" name="Picture 4">
-              <a:extLst>
-                <a:ext uri="{FF2B5EF4-FFF2-40B4-BE49-F238E27FC236}">
-                  <a16:creationId xmlns:a16="http://schemas.microsoft.com/office/drawing/2014/main" id="{5CD751DB-593A-2002-8CCE-CC9D4ECCF52A}"/>
-                </a:ext>
-              </a:extLst>
-            </p:cNvPr>
-            <p:cNvPicPr>
-              <a:picLocks noChangeAspect="1"/>
-            </p:cNvPicPr>
-            <p:nvPr/>
-          </p:nvPicPr>
-          <p:blipFill>
-            <a:blip r:embed="rId3"/>
-            <a:stretch>
-              <a:fillRect/>
-            </a:stretch>
-          </p:blipFill>
-          <p:spPr>
-            <a:xfrm>
-              <a:off x="2923614" y="0"/>
-              <a:ext cx="2658035" cy="5744308"/>
-            </a:xfrm>
-            <a:prstGeom prst="rect">
-              <a:avLst/>
-            </a:prstGeom>
-          </p:spPr>
-        </p:pic>
-        <p:pic>
-          <p:nvPicPr>
-            <p:cNvPr id="10" name="Picture 9">
-              <a:extLst>
-                <a:ext uri="{FF2B5EF4-FFF2-40B4-BE49-F238E27FC236}">
-                  <a16:creationId xmlns:a16="http://schemas.microsoft.com/office/drawing/2014/main" id="{EB728D59-5564-08C2-BCC1-4152F0932ABA}"/>
-                </a:ext>
-              </a:extLst>
-            </p:cNvPr>
-            <p:cNvPicPr>
-              <a:picLocks noChangeAspect="1"/>
-            </p:cNvPicPr>
-            <p:nvPr/>
-          </p:nvPicPr>
-          <p:blipFill>
-            <a:blip r:embed="rId4"/>
-            <a:stretch>
-              <a:fillRect/>
-            </a:stretch>
-          </p:blipFill>
-          <p:spPr>
-            <a:xfrm>
-              <a:off x="2923613" y="5744309"/>
-              <a:ext cx="2658036" cy="881076"/>
-            </a:xfrm>
-            <a:prstGeom prst="rect">
-              <a:avLst/>
-            </a:prstGeom>
-          </p:spPr>
-        </p:pic>
-      </p:grpSp>
     </p:spTree>
     <p:extLst>
       <p:ext uri="{BB962C8B-B14F-4D97-AF65-F5344CB8AC3E}">
-        <p14:creationId xmlns:p14="http://schemas.microsoft.com/office/powerpoint/2010/main" val="1039402985"/>
+        <p14:creationId xmlns:p14="http://schemas.microsoft.com/office/powerpoint/2010/main" val="973948635"/>
       </p:ext>
     </p:extLst>
   </p:cSld>
@@ -8840,6 +8758,301 @@
           <a:chExt cx="0" cy="0"/>
         </a:xfrm>
       </p:grpSpPr>
+      <p:sp>
+        <p:nvSpPr>
+          <p:cNvPr id="2" name="Rectangle 1">
+            <a:extLst>
+              <a:ext uri="{FF2B5EF4-FFF2-40B4-BE49-F238E27FC236}">
+                <a16:creationId xmlns:a16="http://schemas.microsoft.com/office/drawing/2014/main" id="{E7067EB8-D5CC-DD70-8EF4-908CC2EE2E2C}"/>
+              </a:ext>
+            </a:extLst>
+          </p:cNvPr>
+          <p:cNvSpPr/>
+          <p:nvPr/>
+        </p:nvSpPr>
+        <p:spPr>
+          <a:xfrm>
+            <a:off x="0" y="0"/>
+            <a:ext cx="3727938" cy="6858000"/>
+          </a:xfrm>
+          <a:prstGeom prst="rect">
+            <a:avLst/>
+          </a:prstGeom>
+          <a:ln>
+            <a:noFill/>
+          </a:ln>
+        </p:spPr>
+        <p:style>
+          <a:lnRef idx="2">
+            <a:schemeClr val="accent1">
+              <a:shade val="15000"/>
+            </a:schemeClr>
+          </a:lnRef>
+          <a:fillRef idx="1">
+            <a:schemeClr val="accent1"/>
+          </a:fillRef>
+          <a:effectRef idx="0">
+            <a:schemeClr val="accent1"/>
+          </a:effectRef>
+          <a:fontRef idx="minor">
+            <a:schemeClr val="lt1"/>
+          </a:fontRef>
+        </p:style>
+        <p:txBody>
+          <a:bodyPr rtlCol="0" anchor="ctr"/>
+          <a:lstStyle/>
+          <a:p>
+            <a:pPr algn="ctr"/>
+            <a:endParaRPr lang="en-US"/>
+          </a:p>
+        </p:txBody>
+      </p:sp>
+      <p:grpSp>
+        <p:nvGrpSpPr>
+          <p:cNvPr id="9" name="Group 8">
+            <a:extLst>
+              <a:ext uri="{FF2B5EF4-FFF2-40B4-BE49-F238E27FC236}">
+                <a16:creationId xmlns:a16="http://schemas.microsoft.com/office/drawing/2014/main" id="{0DCD600D-2787-4AE5-8930-4472401E1896}"/>
+              </a:ext>
+            </a:extLst>
+          </p:cNvPr>
+          <p:cNvGrpSpPr/>
+          <p:nvPr/>
+        </p:nvGrpSpPr>
+        <p:grpSpPr>
+          <a:xfrm>
+            <a:off x="4078166" y="2379399"/>
+            <a:ext cx="6096000" cy="1266316"/>
+            <a:chOff x="6096000" y="1148834"/>
+            <a:chExt cx="6096000" cy="1266316"/>
+          </a:xfrm>
+        </p:grpSpPr>
+        <p:sp>
+          <p:nvSpPr>
+            <p:cNvPr id="4" name="TextBox 3">
+              <a:extLst>
+                <a:ext uri="{FF2B5EF4-FFF2-40B4-BE49-F238E27FC236}">
+                  <a16:creationId xmlns:a16="http://schemas.microsoft.com/office/drawing/2014/main" id="{76040480-6EB5-CE24-5716-9F94891D204A}"/>
+                </a:ext>
+              </a:extLst>
+            </p:cNvPr>
+            <p:cNvSpPr txBox="1"/>
+            <p:nvPr/>
+          </p:nvSpPr>
+          <p:spPr>
+            <a:xfrm>
+              <a:off x="6096000" y="1995163"/>
+              <a:ext cx="5829300" cy="419987"/>
+            </a:xfrm>
+            <a:prstGeom prst="rect">
+              <a:avLst/>
+            </a:prstGeom>
+            <a:noFill/>
+          </p:spPr>
+          <p:txBody>
+            <a:bodyPr wrap="square">
+              <a:spAutoFit/>
+            </a:bodyPr>
+            <a:lstStyle/>
+            <a:p>
+              <a:pPr>
+                <a:lnSpc>
+                  <a:spcPct val="150000"/>
+                </a:lnSpc>
+              </a:pPr>
+              <a:r>
+                <a:rPr lang="en-US" sz="1600" b="0" i="0" dirty="0">
+                  <a:solidFill>
+                    <a:schemeClr val="tx1">
+                      <a:lumMod val="85000"/>
+                      <a:lumOff val="15000"/>
+                    </a:schemeClr>
+                  </a:solidFill>
+                  <a:effectLst/>
+                  <a:latin typeface="Tahoma" panose="020B0604030504040204" pitchFamily="34" charset="0"/>
+                  <a:ea typeface="Tahoma" panose="020B0604030504040204" pitchFamily="34" charset="0"/>
+                  <a:cs typeface="Tahoma" panose="020B0604030504040204" pitchFamily="34" charset="0"/>
+                  <a:hlinkClick r:id="rId2"/>
+                </a:rPr>
+                <a:t>https://www.mahmoudeasa.tech/</a:t>
+              </a:r>
+              <a:endParaRPr lang="en-US" sz="1600" dirty="0">
+                <a:solidFill>
+                  <a:schemeClr val="tx1">
+                    <a:lumMod val="85000"/>
+                    <a:lumOff val="15000"/>
+                  </a:schemeClr>
+                </a:solidFill>
+                <a:latin typeface="Tahoma" panose="020B0604030504040204" pitchFamily="34" charset="0"/>
+                <a:ea typeface="Tahoma" panose="020B0604030504040204" pitchFamily="34" charset="0"/>
+                <a:cs typeface="Tahoma" panose="020B0604030504040204" pitchFamily="34" charset="0"/>
+              </a:endParaRPr>
+            </a:p>
+          </p:txBody>
+        </p:sp>
+        <p:sp>
+          <p:nvSpPr>
+            <p:cNvPr id="8" name="TextBox 7">
+              <a:extLst>
+                <a:ext uri="{FF2B5EF4-FFF2-40B4-BE49-F238E27FC236}">
+                  <a16:creationId xmlns:a16="http://schemas.microsoft.com/office/drawing/2014/main" id="{0DF75B55-0139-C2F4-FBCE-2CE3C9FBDA6D}"/>
+                </a:ext>
+              </a:extLst>
+            </p:cNvPr>
+            <p:cNvSpPr txBox="1"/>
+            <p:nvPr/>
+          </p:nvSpPr>
+          <p:spPr>
+            <a:xfrm>
+              <a:off x="6096000" y="1148834"/>
+              <a:ext cx="6096000" cy="646331"/>
+            </a:xfrm>
+            <a:prstGeom prst="rect">
+              <a:avLst/>
+            </a:prstGeom>
+            <a:noFill/>
+          </p:spPr>
+          <p:txBody>
+            <a:bodyPr wrap="square">
+              <a:spAutoFit/>
+            </a:bodyPr>
+            <a:lstStyle/>
+            <a:p>
+              <a:r>
+                <a:rPr lang="en-US" sz="3600" b="1" i="0" dirty="0">
+                  <a:solidFill>
+                    <a:schemeClr val="accent3"/>
+                  </a:solidFill>
+                  <a:effectLst/>
+                  <a:latin typeface="Tahoma" panose="020B0604030504040204" pitchFamily="34" charset="0"/>
+                  <a:ea typeface="Tahoma" panose="020B0604030504040204" pitchFamily="34" charset="0"/>
+                  <a:cs typeface="Tahoma" panose="020B0604030504040204" pitchFamily="34" charset="0"/>
+                </a:rPr>
+                <a:t>Live Demo</a:t>
+              </a:r>
+              <a:endParaRPr lang="en-US" sz="3600" dirty="0">
+                <a:solidFill>
+                  <a:schemeClr val="accent3"/>
+                </a:solidFill>
+                <a:latin typeface="Tahoma" panose="020B0604030504040204" pitchFamily="34" charset="0"/>
+                <a:ea typeface="Tahoma" panose="020B0604030504040204" pitchFamily="34" charset="0"/>
+                <a:cs typeface="Tahoma" panose="020B0604030504040204" pitchFamily="34" charset="0"/>
+              </a:endParaRPr>
+            </a:p>
+          </p:txBody>
+        </p:sp>
+      </p:grpSp>
+      <p:grpSp>
+        <p:nvGrpSpPr>
+          <p:cNvPr id="13" name="Group 12">
+            <a:extLst>
+              <a:ext uri="{FF2B5EF4-FFF2-40B4-BE49-F238E27FC236}">
+                <a16:creationId xmlns:a16="http://schemas.microsoft.com/office/drawing/2014/main" id="{3BE5B7FB-D91E-B11D-E3E9-EE77033E83F9}"/>
+              </a:ext>
+            </a:extLst>
+          </p:cNvPr>
+          <p:cNvGrpSpPr/>
+          <p:nvPr/>
+        </p:nvGrpSpPr>
+        <p:grpSpPr>
+          <a:xfrm>
+            <a:off x="-1" y="0"/>
+            <a:ext cx="3727937" cy="6841313"/>
+            <a:chOff x="2923613" y="0"/>
+            <a:chExt cx="2658036" cy="6625385"/>
+          </a:xfrm>
+        </p:grpSpPr>
+        <p:pic>
+          <p:nvPicPr>
+            <p:cNvPr id="5" name="Picture 4">
+              <a:extLst>
+                <a:ext uri="{FF2B5EF4-FFF2-40B4-BE49-F238E27FC236}">
+                  <a16:creationId xmlns:a16="http://schemas.microsoft.com/office/drawing/2014/main" id="{5CD751DB-593A-2002-8CCE-CC9D4ECCF52A}"/>
+                </a:ext>
+              </a:extLst>
+            </p:cNvPr>
+            <p:cNvPicPr>
+              <a:picLocks noChangeAspect="1"/>
+            </p:cNvPicPr>
+            <p:nvPr/>
+          </p:nvPicPr>
+          <p:blipFill>
+            <a:blip r:embed="rId3"/>
+            <a:stretch>
+              <a:fillRect/>
+            </a:stretch>
+          </p:blipFill>
+          <p:spPr>
+            <a:xfrm>
+              <a:off x="2923614" y="0"/>
+              <a:ext cx="2658035" cy="5744308"/>
+            </a:xfrm>
+            <a:prstGeom prst="rect">
+              <a:avLst/>
+            </a:prstGeom>
+          </p:spPr>
+        </p:pic>
+        <p:pic>
+          <p:nvPicPr>
+            <p:cNvPr id="10" name="Picture 9">
+              <a:extLst>
+                <a:ext uri="{FF2B5EF4-FFF2-40B4-BE49-F238E27FC236}">
+                  <a16:creationId xmlns:a16="http://schemas.microsoft.com/office/drawing/2014/main" id="{EB728D59-5564-08C2-BCC1-4152F0932ABA}"/>
+                </a:ext>
+              </a:extLst>
+            </p:cNvPr>
+            <p:cNvPicPr>
+              <a:picLocks noChangeAspect="1"/>
+            </p:cNvPicPr>
+            <p:nvPr/>
+          </p:nvPicPr>
+          <p:blipFill>
+            <a:blip r:embed="rId4"/>
+            <a:stretch>
+              <a:fillRect/>
+            </a:stretch>
+          </p:blipFill>
+          <p:spPr>
+            <a:xfrm>
+              <a:off x="2923613" y="5744309"/>
+              <a:ext cx="2658036" cy="881076"/>
+            </a:xfrm>
+            <a:prstGeom prst="rect">
+              <a:avLst/>
+            </a:prstGeom>
+          </p:spPr>
+        </p:pic>
+      </p:grpSp>
+    </p:spTree>
+    <p:extLst>
+      <p:ext uri="{BB962C8B-B14F-4D97-AF65-F5344CB8AC3E}">
+        <p14:creationId xmlns:p14="http://schemas.microsoft.com/office/powerpoint/2010/main" val="1039402985"/>
+      </p:ext>
+    </p:extLst>
+  </p:cSld>
+  <p:clrMapOvr>
+    <a:masterClrMapping/>
+  </p:clrMapOvr>
+</p:sld>
+</file>
+
+<file path=ppt/slides/slide7.xml><?xml version="1.0" encoding="utf-8"?>
+<p:sld xmlns:a="http://schemas.openxmlformats.org/drawingml/2006/main" xmlns:r="http://schemas.openxmlformats.org/officeDocument/2006/relationships" xmlns:p="http://schemas.openxmlformats.org/presentationml/2006/main">
+  <p:cSld>
+    <p:spTree>
+      <p:nvGrpSpPr>
+        <p:cNvPr id="1" name=""/>
+        <p:cNvGrpSpPr/>
+        <p:nvPr/>
+      </p:nvGrpSpPr>
+      <p:grpSpPr>
+        <a:xfrm>
+          <a:off x="0" y="0"/>
+          <a:ext cx="0" cy="0"/>
+          <a:chOff x="0" y="0"/>
+          <a:chExt cx="0" cy="0"/>
+        </a:xfrm>
+      </p:grpSpPr>
       <p:grpSp>
         <p:nvGrpSpPr>
           <p:cNvPr id="9" name="Group 8">
@@ -9036,7 +9249,7 @@
 </p:sld>
 </file>
 
-<file path=ppt/slides/slide7.xml><?xml version="1.0" encoding="utf-8"?>
+<file path=ppt/slides/slide8.xml><?xml version="1.0" encoding="utf-8"?>
 <p:sld xmlns:a="http://schemas.openxmlformats.org/drawingml/2006/main" xmlns:r="http://schemas.openxmlformats.org/officeDocument/2006/relationships" xmlns:p="http://schemas.openxmlformats.org/presentationml/2006/main">
   <p:cSld>
     <p:spTree>
@@ -9249,7 +9462,7 @@
 </p:sld>
 </file>
 
-<file path=ppt/slides/slide8.xml><?xml version="1.0" encoding="utf-8"?>
+<file path=ppt/slides/slide9.xml><?xml version="1.0" encoding="utf-8"?>
 <p:sld xmlns:a="http://schemas.openxmlformats.org/drawingml/2006/main" xmlns:r="http://schemas.openxmlformats.org/officeDocument/2006/relationships" xmlns:p="http://schemas.openxmlformats.org/presentationml/2006/main">
   <p:cSld>
     <p:spTree>
@@ -9453,219 +9666,6 @@
     <p:extLst>
       <p:ext uri="{BB962C8B-B14F-4D97-AF65-F5344CB8AC3E}">
         <p14:creationId xmlns:p14="http://schemas.microsoft.com/office/powerpoint/2010/main" val="3693579297"/>
-      </p:ext>
-    </p:extLst>
-  </p:cSld>
-  <p:clrMapOvr>
-    <a:masterClrMapping/>
-  </p:clrMapOvr>
-</p:sld>
-</file>
-
-<file path=ppt/slides/slide9.xml><?xml version="1.0" encoding="utf-8"?>
-<p:sld xmlns:a="http://schemas.openxmlformats.org/drawingml/2006/main" xmlns:r="http://schemas.openxmlformats.org/officeDocument/2006/relationships" xmlns:p="http://schemas.openxmlformats.org/presentationml/2006/main">
-  <p:cSld>
-    <p:spTree>
-      <p:nvGrpSpPr>
-        <p:cNvPr id="1" name=""/>
-        <p:cNvGrpSpPr/>
-        <p:nvPr/>
-      </p:nvGrpSpPr>
-      <p:grpSpPr>
-        <a:xfrm>
-          <a:off x="0" y="0"/>
-          <a:ext cx="0" cy="0"/>
-          <a:chOff x="0" y="0"/>
-          <a:chExt cx="0" cy="0"/>
-        </a:xfrm>
-      </p:grpSpPr>
-      <p:sp>
-        <p:nvSpPr>
-          <p:cNvPr id="2" name="Rectangle 1">
-            <a:extLst>
-              <a:ext uri="{FF2B5EF4-FFF2-40B4-BE49-F238E27FC236}">
-                <a16:creationId xmlns:a16="http://schemas.microsoft.com/office/drawing/2014/main" id="{E7067EB8-D5CC-DD70-8EF4-908CC2EE2E2C}"/>
-              </a:ext>
-            </a:extLst>
-          </p:cNvPr>
-          <p:cNvSpPr/>
-          <p:nvPr/>
-        </p:nvSpPr>
-        <p:spPr>
-          <a:xfrm>
-            <a:off x="0" y="0"/>
-            <a:ext cx="2168769" cy="6858000"/>
-          </a:xfrm>
-          <a:prstGeom prst="rect">
-            <a:avLst/>
-          </a:prstGeom>
-          <a:ln>
-            <a:noFill/>
-          </a:ln>
-        </p:spPr>
-        <p:style>
-          <a:lnRef idx="2">
-            <a:schemeClr val="accent1">
-              <a:shade val="15000"/>
-            </a:schemeClr>
-          </a:lnRef>
-          <a:fillRef idx="1">
-            <a:schemeClr val="accent1"/>
-          </a:fillRef>
-          <a:effectRef idx="0">
-            <a:schemeClr val="accent1"/>
-          </a:effectRef>
-          <a:fontRef idx="minor">
-            <a:schemeClr val="lt1"/>
-          </a:fontRef>
-        </p:style>
-        <p:txBody>
-          <a:bodyPr rtlCol="0" anchor="ctr"/>
-          <a:lstStyle/>
-          <a:p>
-            <a:pPr algn="ctr"/>
-            <a:endParaRPr lang="en-US"/>
-          </a:p>
-        </p:txBody>
-      </p:sp>
-      <p:grpSp>
-        <p:nvGrpSpPr>
-          <p:cNvPr id="9" name="Group 8">
-            <a:extLst>
-              <a:ext uri="{FF2B5EF4-FFF2-40B4-BE49-F238E27FC236}">
-                <a16:creationId xmlns:a16="http://schemas.microsoft.com/office/drawing/2014/main" id="{0DCD600D-2787-4AE5-8930-4472401E1896}"/>
-              </a:ext>
-            </a:extLst>
-          </p:cNvPr>
-          <p:cNvGrpSpPr/>
-          <p:nvPr/>
-        </p:nvGrpSpPr>
-        <p:grpSpPr>
-          <a:xfrm>
-            <a:off x="2461846" y="314609"/>
-            <a:ext cx="9482504" cy="2065013"/>
-            <a:chOff x="2709496" y="514260"/>
-            <a:chExt cx="9482504" cy="2065013"/>
-          </a:xfrm>
-        </p:grpSpPr>
-        <p:sp>
-          <p:nvSpPr>
-            <p:cNvPr id="4" name="TextBox 3">
-              <a:extLst>
-                <a:ext uri="{FF2B5EF4-FFF2-40B4-BE49-F238E27FC236}">
-                  <a16:creationId xmlns:a16="http://schemas.microsoft.com/office/drawing/2014/main" id="{76040480-6EB5-CE24-5716-9F94891D204A}"/>
-                </a:ext>
-              </a:extLst>
-            </p:cNvPr>
-            <p:cNvSpPr txBox="1"/>
-            <p:nvPr/>
-          </p:nvSpPr>
-          <p:spPr>
-            <a:xfrm>
-              <a:off x="2803281" y="2159286"/>
-              <a:ext cx="9122019" cy="419987"/>
-            </a:xfrm>
-            <a:prstGeom prst="rect">
-              <a:avLst/>
-            </a:prstGeom>
-            <a:noFill/>
-          </p:spPr>
-          <p:txBody>
-            <a:bodyPr wrap="square">
-              <a:spAutoFit/>
-            </a:bodyPr>
-            <a:lstStyle/>
-            <a:p>
-              <a:pPr>
-                <a:lnSpc>
-                  <a:spcPct val="150000"/>
-                </a:lnSpc>
-              </a:pPr>
-              <a:r>
-                <a:rPr lang="en-US" sz="1600" b="0" i="0" dirty="0">
-                  <a:solidFill>
-                    <a:schemeClr val="tx1">
-                      <a:lumMod val="85000"/>
-                      <a:lumOff val="15000"/>
-                    </a:schemeClr>
-                  </a:solidFill>
-                  <a:effectLst/>
-                  <a:latin typeface="Tahoma" panose="020B0604030504040204" pitchFamily="34" charset="0"/>
-                  <a:ea typeface="Tahoma" panose="020B0604030504040204" pitchFamily="34" charset="0"/>
-                  <a:cs typeface="Tahoma" panose="020B0604030504040204" pitchFamily="34" charset="0"/>
-                </a:rPr>
-                <a:t>1- </a:t>
-              </a:r>
-              <a:endParaRPr lang="en-US" sz="1600" dirty="0">
-                <a:solidFill>
-                  <a:schemeClr val="tx1">
-                    <a:lumMod val="85000"/>
-                    <a:lumOff val="15000"/>
-                  </a:schemeClr>
-                </a:solidFill>
-                <a:latin typeface="Tahoma" panose="020B0604030504040204" pitchFamily="34" charset="0"/>
-                <a:ea typeface="Tahoma" panose="020B0604030504040204" pitchFamily="34" charset="0"/>
-                <a:cs typeface="Tahoma" panose="020B0604030504040204" pitchFamily="34" charset="0"/>
-              </a:endParaRPr>
-            </a:p>
-          </p:txBody>
-        </p:sp>
-        <p:sp>
-          <p:nvSpPr>
-            <p:cNvPr id="8" name="TextBox 7">
-              <a:extLst>
-                <a:ext uri="{FF2B5EF4-FFF2-40B4-BE49-F238E27FC236}">
-                  <a16:creationId xmlns:a16="http://schemas.microsoft.com/office/drawing/2014/main" id="{0DF75B55-0139-C2F4-FBCE-2CE3C9FBDA6D}"/>
-                </a:ext>
-              </a:extLst>
-            </p:cNvPr>
-            <p:cNvSpPr txBox="1"/>
-            <p:nvPr/>
-          </p:nvSpPr>
-          <p:spPr>
-            <a:xfrm>
-              <a:off x="2709496" y="514260"/>
-              <a:ext cx="9482504" cy="1200329"/>
-            </a:xfrm>
-            <a:prstGeom prst="rect">
-              <a:avLst/>
-            </a:prstGeom>
-            <a:noFill/>
-          </p:spPr>
-          <p:txBody>
-            <a:bodyPr wrap="square">
-              <a:spAutoFit/>
-            </a:bodyPr>
-            <a:lstStyle/>
-            <a:p>
-              <a:r>
-                <a:rPr lang="en-US" sz="3600" b="1" i="0" dirty="0">
-                  <a:solidFill>
-                    <a:schemeClr val="accent3"/>
-                  </a:solidFill>
-                  <a:effectLst/>
-                  <a:latin typeface="Tahoma" panose="020B0604030504040204" pitchFamily="34" charset="0"/>
-                  <a:ea typeface="Tahoma" panose="020B0604030504040204" pitchFamily="34" charset="0"/>
-                  <a:cs typeface="Tahoma" panose="020B0604030504040204" pitchFamily="34" charset="0"/>
-                </a:rPr>
-                <a:t>Learnings about technical interests as a result of this project</a:t>
-              </a:r>
-              <a:endParaRPr lang="en-US" sz="3600" dirty="0">
-                <a:solidFill>
-                  <a:schemeClr val="accent3"/>
-                </a:solidFill>
-                <a:latin typeface="Tahoma" panose="020B0604030504040204" pitchFamily="34" charset="0"/>
-                <a:ea typeface="Tahoma" panose="020B0604030504040204" pitchFamily="34" charset="0"/>
-                <a:cs typeface="Tahoma" panose="020B0604030504040204" pitchFamily="34" charset="0"/>
-              </a:endParaRPr>
-            </a:p>
-          </p:txBody>
-        </p:sp>
-      </p:grpSp>
-    </p:spTree>
-    <p:extLst>
-      <p:ext uri="{BB962C8B-B14F-4D97-AF65-F5344CB8AC3E}">
-        <p14:creationId xmlns:p14="http://schemas.microsoft.com/office/powerpoint/2010/main" val="973948635"/>
       </p:ext>
     </p:extLst>
   </p:cSld>

--- a/E-commerce_Presentation.pptx
+++ b/E-commerce_Presentation.pptx
@@ -7421,10 +7421,10 @@
         </p:nvGrpSpPr>
         <p:grpSpPr>
           <a:xfrm>
-            <a:off x="1201051" y="1606798"/>
-            <a:ext cx="6211146" cy="3146950"/>
-            <a:chOff x="1644424" y="3315381"/>
-            <a:chExt cx="6211146" cy="3146950"/>
+            <a:off x="1302144" y="861933"/>
+            <a:ext cx="6211148" cy="5145078"/>
+            <a:chOff x="1644422" y="3315381"/>
+            <a:chExt cx="6211148" cy="5145078"/>
           </a:xfrm>
         </p:grpSpPr>
         <p:sp>
@@ -7920,6 +7920,262 @@
                   <a:cs typeface="Tahoma" panose="020B0604030504040204" pitchFamily="34" charset="0"/>
                 </a:rPr>
                 <a:t>Front-End:</a:t>
+              </a:r>
+              <a:endParaRPr lang="en-US" sz="2800" b="1" dirty="0">
+                <a:solidFill>
+                  <a:schemeClr val="accent3"/>
+                </a:solidFill>
+                <a:latin typeface="Tahoma" panose="020B0604030504040204" pitchFamily="34" charset="0"/>
+                <a:ea typeface="Tahoma" panose="020B0604030504040204" pitchFamily="34" charset="0"/>
+                <a:cs typeface="Tahoma" panose="020B0604030504040204" pitchFamily="34" charset="0"/>
+              </a:endParaRPr>
+            </a:p>
+          </p:txBody>
+        </p:sp>
+        <p:sp>
+          <p:nvSpPr>
+            <p:cNvPr id="6" name="TextBox 5">
+              <a:extLst>
+                <a:ext uri="{FF2B5EF4-FFF2-40B4-BE49-F238E27FC236}">
+                  <a16:creationId xmlns:a16="http://schemas.microsoft.com/office/drawing/2014/main" id="{756A05D3-5668-6B51-647E-FB05BFA985CE}"/>
+                </a:ext>
+              </a:extLst>
+            </p:cNvPr>
+            <p:cNvSpPr txBox="1"/>
+            <p:nvPr/>
+          </p:nvSpPr>
+          <p:spPr>
+            <a:xfrm>
+              <a:off x="3359827" y="7119386"/>
+              <a:ext cx="3432796" cy="1341073"/>
+            </a:xfrm>
+            <a:prstGeom prst="rect">
+              <a:avLst/>
+            </a:prstGeom>
+            <a:noFill/>
+          </p:spPr>
+          <p:txBody>
+            <a:bodyPr wrap="square">
+              <a:spAutoFit/>
+            </a:bodyPr>
+            <a:lstStyle/>
+            <a:p>
+              <a:pPr>
+                <a:lnSpc>
+                  <a:spcPct val="150000"/>
+                </a:lnSpc>
+              </a:pPr>
+              <a:r>
+                <a:rPr lang="en-US" sz="1400" b="0" i="0" dirty="0">
+                  <a:solidFill>
+                    <a:schemeClr val="tx1">
+                      <a:lumMod val="85000"/>
+                      <a:lumOff val="15000"/>
+                    </a:schemeClr>
+                  </a:solidFill>
+                  <a:effectLst/>
+                  <a:latin typeface="Tahoma" panose="020B0604030504040204" pitchFamily="34" charset="0"/>
+                  <a:ea typeface="Tahoma" panose="020B0604030504040204" pitchFamily="34" charset="0"/>
+                  <a:cs typeface="Tahoma" panose="020B0604030504040204" pitchFamily="34" charset="0"/>
+                </a:rPr>
+                <a:t>1- </a:t>
+              </a:r>
+              <a:r>
+                <a:rPr lang="en-US" sz="1400" dirty="0">
+                  <a:solidFill>
+                    <a:schemeClr val="tx1">
+                      <a:lumMod val="85000"/>
+                      <a:lumOff val="15000"/>
+                    </a:schemeClr>
+                  </a:solidFill>
+                  <a:latin typeface="Tahoma" panose="020B0604030504040204" pitchFamily="34" charset="0"/>
+                  <a:ea typeface="Tahoma" panose="020B0604030504040204" pitchFamily="34" charset="0"/>
+                  <a:cs typeface="Tahoma" panose="020B0604030504040204" pitchFamily="34" charset="0"/>
+                </a:rPr>
+                <a:t>Nginx</a:t>
+              </a:r>
+              <a:endParaRPr lang="en-US" sz="1400" b="0" i="0" dirty="0">
+                <a:solidFill>
+                  <a:schemeClr val="tx1">
+                    <a:lumMod val="85000"/>
+                    <a:lumOff val="15000"/>
+                  </a:schemeClr>
+                </a:solidFill>
+                <a:effectLst/>
+                <a:latin typeface="Tahoma" panose="020B0604030504040204" pitchFamily="34" charset="0"/>
+                <a:ea typeface="Tahoma" panose="020B0604030504040204" pitchFamily="34" charset="0"/>
+                <a:cs typeface="Tahoma" panose="020B0604030504040204" pitchFamily="34" charset="0"/>
+              </a:endParaRPr>
+            </a:p>
+            <a:p>
+              <a:pPr>
+                <a:lnSpc>
+                  <a:spcPct val="150000"/>
+                </a:lnSpc>
+              </a:pPr>
+              <a:r>
+                <a:rPr lang="en-US" sz="1400" dirty="0">
+                  <a:solidFill>
+                    <a:schemeClr val="tx1">
+                      <a:lumMod val="85000"/>
+                      <a:lumOff val="15000"/>
+                    </a:schemeClr>
+                  </a:solidFill>
+                  <a:latin typeface="Tahoma" panose="020B0604030504040204" pitchFamily="34" charset="0"/>
+                  <a:ea typeface="Tahoma" panose="020B0604030504040204" pitchFamily="34" charset="0"/>
+                  <a:cs typeface="Tahoma" panose="020B0604030504040204" pitchFamily="34" charset="0"/>
+                </a:rPr>
+                <a:t>2- </a:t>
+              </a:r>
+              <a:r>
+                <a:rPr lang="en-US" sz="1400" dirty="0" err="1">
+                  <a:solidFill>
+                    <a:schemeClr val="tx1">
+                      <a:lumMod val="85000"/>
+                      <a:lumOff val="15000"/>
+                    </a:schemeClr>
+                  </a:solidFill>
+                  <a:latin typeface="Tahoma" panose="020B0604030504040204" pitchFamily="34" charset="0"/>
+                  <a:ea typeface="Tahoma" panose="020B0604030504040204" pitchFamily="34" charset="0"/>
+                  <a:cs typeface="Tahoma" panose="020B0604030504040204" pitchFamily="34" charset="0"/>
+                </a:rPr>
+                <a:t>Gunicorn</a:t>
+              </a:r>
+              <a:endParaRPr lang="en-US" sz="1400" dirty="0">
+                <a:solidFill>
+                  <a:schemeClr val="tx1">
+                    <a:lumMod val="85000"/>
+                    <a:lumOff val="15000"/>
+                  </a:schemeClr>
+                </a:solidFill>
+                <a:latin typeface="Tahoma" panose="020B0604030504040204" pitchFamily="34" charset="0"/>
+                <a:ea typeface="Tahoma" panose="020B0604030504040204" pitchFamily="34" charset="0"/>
+                <a:cs typeface="Tahoma" panose="020B0604030504040204" pitchFamily="34" charset="0"/>
+              </a:endParaRPr>
+            </a:p>
+            <a:p>
+              <a:pPr>
+                <a:lnSpc>
+                  <a:spcPct val="150000"/>
+                </a:lnSpc>
+              </a:pPr>
+              <a:r>
+                <a:rPr lang="en-US" sz="1400" dirty="0">
+                  <a:solidFill>
+                    <a:schemeClr val="tx1">
+                      <a:lumMod val="85000"/>
+                      <a:lumOff val="15000"/>
+                    </a:schemeClr>
+                  </a:solidFill>
+                  <a:latin typeface="Tahoma" panose="020B0604030504040204" pitchFamily="34" charset="0"/>
+                  <a:ea typeface="Tahoma" panose="020B0604030504040204" pitchFamily="34" charset="0"/>
+                  <a:cs typeface="Tahoma" panose="020B0604030504040204" pitchFamily="34" charset="0"/>
+                </a:rPr>
+                <a:t>3- Firewall</a:t>
+              </a:r>
+            </a:p>
+            <a:p>
+              <a:pPr>
+                <a:lnSpc>
+                  <a:spcPct val="150000"/>
+                </a:lnSpc>
+              </a:pPr>
+              <a:r>
+                <a:rPr lang="en-US" sz="1400" dirty="0">
+                  <a:solidFill>
+                    <a:schemeClr val="tx1">
+                      <a:lumMod val="85000"/>
+                      <a:lumOff val="15000"/>
+                    </a:schemeClr>
+                  </a:solidFill>
+                  <a:latin typeface="Tahoma" panose="020B0604030504040204" pitchFamily="34" charset="0"/>
+                  <a:ea typeface="Tahoma" panose="020B0604030504040204" pitchFamily="34" charset="0"/>
+                  <a:cs typeface="Tahoma" panose="020B0604030504040204" pitchFamily="34" charset="0"/>
+                </a:rPr>
+                <a:t>4- Load balancer (</a:t>
+              </a:r>
+              <a:r>
+                <a:rPr lang="en-US" sz="1400" dirty="0" err="1">
+                  <a:solidFill>
+                    <a:schemeClr val="tx1">
+                      <a:lumMod val="85000"/>
+                      <a:lumOff val="15000"/>
+                    </a:schemeClr>
+                  </a:solidFill>
+                  <a:latin typeface="Tahoma" panose="020B0604030504040204" pitchFamily="34" charset="0"/>
+                  <a:ea typeface="Tahoma" panose="020B0604030504040204" pitchFamily="34" charset="0"/>
+                  <a:cs typeface="Tahoma" panose="020B0604030504040204" pitchFamily="34" charset="0"/>
+                </a:rPr>
+                <a:t>HAproxy</a:t>
+              </a:r>
+              <a:r>
+                <a:rPr lang="en-US" sz="1400">
+                  <a:solidFill>
+                    <a:schemeClr val="tx1">
+                      <a:lumMod val="85000"/>
+                      <a:lumOff val="15000"/>
+                    </a:schemeClr>
+                  </a:solidFill>
+                  <a:latin typeface="Tahoma" panose="020B0604030504040204" pitchFamily="34" charset="0"/>
+                  <a:ea typeface="Tahoma" panose="020B0604030504040204" pitchFamily="34" charset="0"/>
+                  <a:cs typeface="Tahoma" panose="020B0604030504040204" pitchFamily="34" charset="0"/>
+                </a:rPr>
+                <a:t>)</a:t>
+              </a:r>
+              <a:endParaRPr lang="en-US" sz="1400" dirty="0">
+                <a:solidFill>
+                  <a:schemeClr val="tx1">
+                    <a:lumMod val="85000"/>
+                    <a:lumOff val="15000"/>
+                  </a:schemeClr>
+                </a:solidFill>
+                <a:latin typeface="Tahoma" panose="020B0604030504040204" pitchFamily="34" charset="0"/>
+                <a:ea typeface="Tahoma" panose="020B0604030504040204" pitchFamily="34" charset="0"/>
+                <a:cs typeface="Tahoma" panose="020B0604030504040204" pitchFamily="34" charset="0"/>
+              </a:endParaRPr>
+            </a:p>
+          </p:txBody>
+        </p:sp>
+        <p:sp>
+          <p:nvSpPr>
+            <p:cNvPr id="7" name="TextBox 6">
+              <a:extLst>
+                <a:ext uri="{FF2B5EF4-FFF2-40B4-BE49-F238E27FC236}">
+                  <a16:creationId xmlns:a16="http://schemas.microsoft.com/office/drawing/2014/main" id="{42FBF275-2759-EE2D-84EF-0DF4B1E8FDDA}"/>
+                </a:ext>
+              </a:extLst>
+            </p:cNvPr>
+            <p:cNvSpPr txBox="1"/>
+            <p:nvPr/>
+          </p:nvSpPr>
+          <p:spPr>
+            <a:xfrm>
+              <a:off x="1644422" y="6527459"/>
+              <a:ext cx="6211145" cy="523220"/>
+            </a:xfrm>
+            <a:prstGeom prst="rect">
+              <a:avLst/>
+            </a:prstGeom>
+            <a:noFill/>
+          </p:spPr>
+          <p:txBody>
+            <a:bodyPr wrap="square">
+              <a:spAutoFit/>
+            </a:bodyPr>
+            <a:lstStyle/>
+            <a:p>
+              <a:pPr algn="ctr"/>
+              <a:r>
+                <a:rPr lang="en-US" sz="2800" b="1" i="0" dirty="0">
+                  <a:solidFill>
+                    <a:schemeClr val="accent3"/>
+                  </a:solidFill>
+                  <a:effectLst/>
+                  <a:latin typeface="Tahoma" panose="020B0604030504040204" pitchFamily="34" charset="0"/>
+                  <a:ea typeface="Tahoma" panose="020B0604030504040204" pitchFamily="34" charset="0"/>
+                  <a:cs typeface="Tahoma" panose="020B0604030504040204" pitchFamily="34" charset="0"/>
+                </a:rPr>
+                <a:t>Server: (ubuntu)</a:t>
               </a:r>
               <a:endParaRPr lang="en-US" sz="2800" b="1" dirty="0">
                 <a:solidFill>

--- a/E-commerce_Presentation.pptx
+++ b/E-commerce_Presentation.pptx
@@ -5,7 +5,7 @@
     <p:sldMasterId id="2147483648" r:id="rId1"/>
   </p:sldMasterIdLst>
   <p:notesMasterIdLst>
-    <p:notesMasterId r:id="rId14"/>
+    <p:notesMasterId r:id="rId13"/>
   </p:notesMasterIdLst>
   <p:sldIdLst>
     <p:sldId id="258" r:id="rId2"/>
@@ -13,13 +13,12 @@
     <p:sldId id="260" r:id="rId4"/>
     <p:sldId id="257" r:id="rId5"/>
     <p:sldId id="256" r:id="rId6"/>
-    <p:sldId id="1054" r:id="rId7"/>
-    <p:sldId id="261" r:id="rId8"/>
-    <p:sldId id="1055" r:id="rId9"/>
-    <p:sldId id="1056" r:id="rId10"/>
-    <p:sldId id="1057" r:id="rId11"/>
-    <p:sldId id="1058" r:id="rId12"/>
-    <p:sldId id="1046" r:id="rId13"/>
+    <p:sldId id="1055" r:id="rId7"/>
+    <p:sldId id="1056" r:id="rId8"/>
+    <p:sldId id="1057" r:id="rId9"/>
+    <p:sldId id="1054" r:id="rId10"/>
+    <p:sldId id="1058" r:id="rId11"/>
+    <p:sldId id="1046" r:id="rId12"/>
   </p:sldIdLst>
   <p:sldSz cx="12192000" cy="6858000"/>
   <p:notesSz cx="6858000" cy="9144000"/>
@@ -208,7 +207,7 @@
           <a:p>
             <a:fld id="{D4365C11-C22B-4E73-BA02-6E82495EF0DB}" type="datetimeFigureOut">
               <a:rPr lang="en-US" smtClean="0"/>
-              <a:t>12/7/2023</a:t>
+              <a:t>12/8/2023</a:t>
             </a:fld>
             <a:endParaRPr lang="en-US"/>
           </a:p>
@@ -622,7 +621,7 @@
           <a:p>
             <a:fld id="{F72D7134-1611-4EAD-B11D-B2AF89BF2437}" type="datetimeFigureOut">
               <a:rPr lang="en-US" smtClean="0"/>
-              <a:t>12/7/2023</a:t>
+              <a:t>12/8/2023</a:t>
             </a:fld>
             <a:endParaRPr lang="en-US"/>
           </a:p>
@@ -820,7 +819,7 @@
           <a:p>
             <a:fld id="{F72D7134-1611-4EAD-B11D-B2AF89BF2437}" type="datetimeFigureOut">
               <a:rPr lang="en-US" smtClean="0"/>
-              <a:t>12/7/2023</a:t>
+              <a:t>12/8/2023</a:t>
             </a:fld>
             <a:endParaRPr lang="en-US"/>
           </a:p>
@@ -1028,7 +1027,7 @@
           <a:p>
             <a:fld id="{F72D7134-1611-4EAD-B11D-B2AF89BF2437}" type="datetimeFigureOut">
               <a:rPr lang="en-US" smtClean="0"/>
-              <a:t>12/7/2023</a:t>
+              <a:t>12/8/2023</a:t>
             </a:fld>
             <a:endParaRPr lang="en-US"/>
           </a:p>
@@ -1226,7 +1225,7 @@
           <a:p>
             <a:fld id="{F72D7134-1611-4EAD-B11D-B2AF89BF2437}" type="datetimeFigureOut">
               <a:rPr lang="en-US" smtClean="0"/>
-              <a:t>12/7/2023</a:t>
+              <a:t>12/8/2023</a:t>
             </a:fld>
             <a:endParaRPr lang="en-US"/>
           </a:p>
@@ -1501,7 +1500,7 @@
           <a:p>
             <a:fld id="{F72D7134-1611-4EAD-B11D-B2AF89BF2437}" type="datetimeFigureOut">
               <a:rPr lang="en-US" smtClean="0"/>
-              <a:t>12/7/2023</a:t>
+              <a:t>12/8/2023</a:t>
             </a:fld>
             <a:endParaRPr lang="en-US"/>
           </a:p>
@@ -1766,7 +1765,7 @@
           <a:p>
             <a:fld id="{F72D7134-1611-4EAD-B11D-B2AF89BF2437}" type="datetimeFigureOut">
               <a:rPr lang="en-US" smtClean="0"/>
-              <a:t>12/7/2023</a:t>
+              <a:t>12/8/2023</a:t>
             </a:fld>
             <a:endParaRPr lang="en-US"/>
           </a:p>
@@ -2178,7 +2177,7 @@
           <a:p>
             <a:fld id="{F72D7134-1611-4EAD-B11D-B2AF89BF2437}" type="datetimeFigureOut">
               <a:rPr lang="en-US" smtClean="0"/>
-              <a:t>12/7/2023</a:t>
+              <a:t>12/8/2023</a:t>
             </a:fld>
             <a:endParaRPr lang="en-US"/>
           </a:p>
@@ -2319,7 +2318,7 @@
           <a:p>
             <a:fld id="{F72D7134-1611-4EAD-B11D-B2AF89BF2437}" type="datetimeFigureOut">
               <a:rPr lang="en-US" smtClean="0"/>
-              <a:t>12/7/2023</a:t>
+              <a:t>12/8/2023</a:t>
             </a:fld>
             <a:endParaRPr lang="en-US"/>
           </a:p>
@@ -2432,7 +2431,7 @@
           <a:p>
             <a:fld id="{F72D7134-1611-4EAD-B11D-B2AF89BF2437}" type="datetimeFigureOut">
               <a:rPr lang="en-US" smtClean="0"/>
-              <a:t>12/7/2023</a:t>
+              <a:t>12/8/2023</a:t>
             </a:fld>
             <a:endParaRPr lang="en-US"/>
           </a:p>
@@ -2743,7 +2742,7 @@
           <a:p>
             <a:fld id="{F72D7134-1611-4EAD-B11D-B2AF89BF2437}" type="datetimeFigureOut">
               <a:rPr lang="en-US" smtClean="0"/>
-              <a:t>12/7/2023</a:t>
+              <a:t>12/8/2023</a:t>
             </a:fld>
             <a:endParaRPr lang="en-US"/>
           </a:p>
@@ -3031,7 +3030,7 @@
           <a:p>
             <a:fld id="{F72D7134-1611-4EAD-B11D-B2AF89BF2437}" type="datetimeFigureOut">
               <a:rPr lang="en-US" smtClean="0"/>
-              <a:t>12/7/2023</a:t>
+              <a:t>12/8/2023</a:t>
             </a:fld>
             <a:endParaRPr lang="en-US"/>
           </a:p>
@@ -3272,7 +3271,7 @@
           <a:p>
             <a:fld id="{F72D7134-1611-4EAD-B11D-B2AF89BF2437}" type="datetimeFigureOut">
               <a:rPr lang="en-US" smtClean="0"/>
-              <a:t>12/7/2023</a:t>
+              <a:t>12/8/2023</a:t>
             </a:fld>
             <a:endParaRPr lang="en-US"/>
           </a:p>
@@ -5589,12 +5588,25 @@
         </p:blipFill>
         <p:spPr>
           <a:xfrm>
-            <a:off x="745308" y="823910"/>
-            <a:ext cx="2705478" cy="6020640"/>
+            <a:off x="745309" y="1152651"/>
+            <a:ext cx="1962722" cy="4367747"/>
           </a:xfrm>
-          <a:prstGeom prst="rect">
-            <a:avLst/>
+          <a:prstGeom prst="roundRect">
+            <a:avLst>
+              <a:gd name="adj" fmla="val 8594"/>
+            </a:avLst>
           </a:prstGeom>
+          <a:solidFill>
+            <a:srgbClr val="FFFFFF">
+              <a:shade val="85000"/>
+            </a:srgbClr>
+          </a:solidFill>
+          <a:ln>
+            <a:noFill/>
+          </a:ln>
+          <a:effectLst>
+            <a:reflection blurRad="12700" stA="38000" endPos="28000" dist="5000" dir="5400000" sy="-100000" algn="bl" rotWithShape="0"/>
+          </a:effectLst>
         </p:spPr>
       </p:pic>
     </p:spTree>
@@ -5627,225 +5639,12 @@
           <a:chExt cx="0" cy="0"/>
         </a:xfrm>
       </p:grpSpPr>
-      <p:sp>
-        <p:nvSpPr>
-          <p:cNvPr id="2" name="Rectangle 1">
+      <p:pic>
+        <p:nvPicPr>
+          <p:cNvPr id="4" name="Picture 3">
             <a:extLst>
               <a:ext uri="{FF2B5EF4-FFF2-40B4-BE49-F238E27FC236}">
-                <a16:creationId xmlns:a16="http://schemas.microsoft.com/office/drawing/2014/main" id="{E7067EB8-D5CC-DD70-8EF4-908CC2EE2E2C}"/>
-              </a:ext>
-            </a:extLst>
-          </p:cNvPr>
-          <p:cNvSpPr/>
-          <p:nvPr/>
-        </p:nvSpPr>
-        <p:spPr>
-          <a:xfrm>
-            <a:off x="0" y="0"/>
-            <a:ext cx="2168769" cy="6858000"/>
-          </a:xfrm>
-          <a:prstGeom prst="rect">
-            <a:avLst/>
-          </a:prstGeom>
-          <a:ln>
-            <a:noFill/>
-          </a:ln>
-        </p:spPr>
-        <p:style>
-          <a:lnRef idx="2">
-            <a:schemeClr val="accent1">
-              <a:shade val="15000"/>
-            </a:schemeClr>
-          </a:lnRef>
-          <a:fillRef idx="1">
-            <a:schemeClr val="accent1"/>
-          </a:fillRef>
-          <a:effectRef idx="0">
-            <a:schemeClr val="accent1"/>
-          </a:effectRef>
-          <a:fontRef idx="minor">
-            <a:schemeClr val="lt1"/>
-          </a:fontRef>
-        </p:style>
-        <p:txBody>
-          <a:bodyPr rtlCol="0" anchor="ctr"/>
-          <a:lstStyle/>
-          <a:p>
-            <a:pPr algn="ctr"/>
-            <a:endParaRPr lang="en-US"/>
-          </a:p>
-        </p:txBody>
-      </p:sp>
-      <p:grpSp>
-        <p:nvGrpSpPr>
-          <p:cNvPr id="9" name="Group 8">
-            <a:extLst>
-              <a:ext uri="{FF2B5EF4-FFF2-40B4-BE49-F238E27FC236}">
-                <a16:creationId xmlns:a16="http://schemas.microsoft.com/office/drawing/2014/main" id="{0DCD600D-2787-4AE5-8930-4472401E1896}"/>
-              </a:ext>
-            </a:extLst>
-          </p:cNvPr>
-          <p:cNvGrpSpPr/>
-          <p:nvPr/>
-        </p:nvGrpSpPr>
-        <p:grpSpPr>
-          <a:xfrm>
-            <a:off x="2461846" y="314609"/>
-            <a:ext cx="9482504" cy="2065013"/>
-            <a:chOff x="2709496" y="514260"/>
-            <a:chExt cx="9482504" cy="2065013"/>
-          </a:xfrm>
-        </p:grpSpPr>
-        <p:sp>
-          <p:nvSpPr>
-            <p:cNvPr id="4" name="TextBox 3">
-              <a:extLst>
-                <a:ext uri="{FF2B5EF4-FFF2-40B4-BE49-F238E27FC236}">
-                  <a16:creationId xmlns:a16="http://schemas.microsoft.com/office/drawing/2014/main" id="{76040480-6EB5-CE24-5716-9F94891D204A}"/>
-                </a:ext>
-              </a:extLst>
-            </p:cNvPr>
-            <p:cNvSpPr txBox="1"/>
-            <p:nvPr/>
-          </p:nvSpPr>
-          <p:spPr>
-            <a:xfrm>
-              <a:off x="2803281" y="2159286"/>
-              <a:ext cx="9122019" cy="419987"/>
-            </a:xfrm>
-            <a:prstGeom prst="rect">
-              <a:avLst/>
-            </a:prstGeom>
-            <a:noFill/>
-          </p:spPr>
-          <p:txBody>
-            <a:bodyPr wrap="square">
-              <a:spAutoFit/>
-            </a:bodyPr>
-            <a:lstStyle/>
-            <a:p>
-              <a:pPr>
-                <a:lnSpc>
-                  <a:spcPct val="150000"/>
-                </a:lnSpc>
-              </a:pPr>
-              <a:r>
-                <a:rPr lang="en-US" sz="1600" b="0" i="0" dirty="0">
-                  <a:solidFill>
-                    <a:schemeClr val="tx1">
-                      <a:lumMod val="85000"/>
-                      <a:lumOff val="15000"/>
-                    </a:schemeClr>
-                  </a:solidFill>
-                  <a:effectLst/>
-                  <a:latin typeface="Tahoma" panose="020B0604030504040204" pitchFamily="34" charset="0"/>
-                  <a:ea typeface="Tahoma" panose="020B0604030504040204" pitchFamily="34" charset="0"/>
-                  <a:cs typeface="Tahoma" panose="020B0604030504040204" pitchFamily="34" charset="0"/>
-                </a:rPr>
-                <a:t>1- </a:t>
-              </a:r>
-              <a:endParaRPr lang="en-US" sz="1600" dirty="0">
-                <a:solidFill>
-                  <a:schemeClr val="tx1">
-                    <a:lumMod val="85000"/>
-                    <a:lumOff val="15000"/>
-                  </a:schemeClr>
-                </a:solidFill>
-                <a:latin typeface="Tahoma" panose="020B0604030504040204" pitchFamily="34" charset="0"/>
-                <a:ea typeface="Tahoma" panose="020B0604030504040204" pitchFamily="34" charset="0"/>
-                <a:cs typeface="Tahoma" panose="020B0604030504040204" pitchFamily="34" charset="0"/>
-              </a:endParaRPr>
-            </a:p>
-          </p:txBody>
-        </p:sp>
-        <p:sp>
-          <p:nvSpPr>
-            <p:cNvPr id="8" name="TextBox 7">
-              <a:extLst>
-                <a:ext uri="{FF2B5EF4-FFF2-40B4-BE49-F238E27FC236}">
-                  <a16:creationId xmlns:a16="http://schemas.microsoft.com/office/drawing/2014/main" id="{0DF75B55-0139-C2F4-FBCE-2CE3C9FBDA6D}"/>
-                </a:ext>
-              </a:extLst>
-            </p:cNvPr>
-            <p:cNvSpPr txBox="1"/>
-            <p:nvPr/>
-          </p:nvSpPr>
-          <p:spPr>
-            <a:xfrm>
-              <a:off x="2709496" y="514260"/>
-              <a:ext cx="9482504" cy="1200329"/>
-            </a:xfrm>
-            <a:prstGeom prst="rect">
-              <a:avLst/>
-            </a:prstGeom>
-            <a:noFill/>
-          </p:spPr>
-          <p:txBody>
-            <a:bodyPr wrap="square">
-              <a:spAutoFit/>
-            </a:bodyPr>
-            <a:lstStyle/>
-            <a:p>
-              <a:r>
-                <a:rPr lang="en-US" sz="3600" b="1" i="0" dirty="0">
-                  <a:solidFill>
-                    <a:schemeClr val="accent3"/>
-                  </a:solidFill>
-                  <a:effectLst/>
-                  <a:latin typeface="Tahoma" panose="020B0604030504040204" pitchFamily="34" charset="0"/>
-                  <a:ea typeface="Tahoma" panose="020B0604030504040204" pitchFamily="34" charset="0"/>
-                  <a:cs typeface="Tahoma" panose="020B0604030504040204" pitchFamily="34" charset="0"/>
-                </a:rPr>
-                <a:t>Learnings about technical interests as a result of this project</a:t>
-              </a:r>
-              <a:endParaRPr lang="en-US" sz="3600" dirty="0">
-                <a:solidFill>
-                  <a:schemeClr val="accent3"/>
-                </a:solidFill>
-                <a:latin typeface="Tahoma" panose="020B0604030504040204" pitchFamily="34" charset="0"/>
-                <a:ea typeface="Tahoma" panose="020B0604030504040204" pitchFamily="34" charset="0"/>
-                <a:cs typeface="Tahoma" panose="020B0604030504040204" pitchFamily="34" charset="0"/>
-              </a:endParaRPr>
-            </a:p>
-          </p:txBody>
-        </p:sp>
-      </p:grpSp>
-    </p:spTree>
-    <p:extLst>
-      <p:ext uri="{BB962C8B-B14F-4D97-AF65-F5344CB8AC3E}">
-        <p14:creationId xmlns:p14="http://schemas.microsoft.com/office/powerpoint/2010/main" val="973948635"/>
-      </p:ext>
-    </p:extLst>
-  </p:cSld>
-  <p:clrMapOvr>
-    <a:masterClrMapping/>
-  </p:clrMapOvr>
-</p:sld>
-</file>
-
-<file path=ppt/slides/slide11.xml><?xml version="1.0" encoding="utf-8"?>
-<p:sld xmlns:a="http://schemas.openxmlformats.org/drawingml/2006/main" xmlns:r="http://schemas.openxmlformats.org/officeDocument/2006/relationships" xmlns:p="http://schemas.openxmlformats.org/presentationml/2006/main">
-  <p:cSld>
-    <p:spTree>
-      <p:nvGrpSpPr>
-        <p:cNvPr id="1" name=""/>
-        <p:cNvGrpSpPr/>
-        <p:nvPr/>
-      </p:nvGrpSpPr>
-      <p:grpSpPr>
-        <a:xfrm>
-          <a:off x="0" y="0"/>
-          <a:ext cx="0" cy="0"/>
-          <a:chOff x="0" y="0"/>
-          <a:chExt cx="0" cy="0"/>
-        </a:xfrm>
-      </p:grpSpPr>
-      <p:pic>
-        <p:nvPicPr>
-          <p:cNvPr id="3" name="Picture 2">
-            <a:extLst>
-              <a:ext uri="{FF2B5EF4-FFF2-40B4-BE49-F238E27FC236}">
-                <a16:creationId xmlns:a16="http://schemas.microsoft.com/office/drawing/2014/main" id="{783DB0C4-D2F2-95B0-AC40-CE3B311C31A6}"/>
+                <a16:creationId xmlns:a16="http://schemas.microsoft.com/office/drawing/2014/main" id="{33A629DA-5447-F14A-1649-AC7AA373647A}"/>
               </a:ext>
             </a:extLst>
           </p:cNvPr>
@@ -5862,8 +5661,8 @@
         </p:blipFill>
         <p:spPr>
           <a:xfrm>
-            <a:off x="1" y="-1"/>
-            <a:ext cx="12215446" cy="6873126"/>
+            <a:off x="0" y="0"/>
+            <a:ext cx="12192000" cy="6858000"/>
           </a:xfrm>
           <a:prstGeom prst="rect">
             <a:avLst/>
@@ -5883,7 +5682,7 @@
 </p:sld>
 </file>
 
-<file path=ppt/slides/slide12.xml><?xml version="1.0" encoding="utf-8"?>
+<file path=ppt/slides/slide11.xml><?xml version="1.0" encoding="utf-8"?>
 <p:sld xmlns:a="http://schemas.openxmlformats.org/drawingml/2006/main" xmlns:r="http://schemas.openxmlformats.org/officeDocument/2006/relationships" xmlns:p="http://schemas.openxmlformats.org/presentationml/2006/main">
   <p:cSld>
     <p:spTree>
@@ -6199,10 +5998,10 @@
         </p:nvGrpSpPr>
         <p:grpSpPr>
           <a:xfrm>
-            <a:off x="5465967" y="1730128"/>
-            <a:ext cx="5646940" cy="2382081"/>
+            <a:off x="4806779" y="498678"/>
+            <a:ext cx="6013622" cy="5868257"/>
             <a:chOff x="5465967" y="2225458"/>
-            <a:chExt cx="5646940" cy="2382081"/>
+            <a:chExt cx="5646940" cy="5868257"/>
           </a:xfrm>
         </p:grpSpPr>
         <p:sp>
@@ -6219,8 +6018,8 @@
           </p:nvSpPr>
           <p:spPr>
             <a:xfrm>
-              <a:off x="5465967" y="2987224"/>
-              <a:ext cx="5646940" cy="1620315"/>
+              <a:off x="5465967" y="3152298"/>
+              <a:ext cx="5646940" cy="4941417"/>
             </a:xfrm>
             <a:prstGeom prst="rect">
               <a:avLst/>
@@ -6239,7 +6038,7 @@
                 </a:lnSpc>
               </a:pPr>
               <a:r>
-                <a:rPr lang="en-US" b="1" i="0" dirty="0">
+                <a:rPr lang="en-US" sz="2800" b="1" i="0" dirty="0">
                   <a:solidFill>
                     <a:schemeClr val="tx1">
                       <a:lumMod val="85000"/>
@@ -6261,7 +6060,7 @@
                 </a:lnSpc>
               </a:pPr>
               <a:r>
-                <a:rPr lang="en-US" sz="1600" dirty="0">
+                <a:rPr lang="en-US" sz="2400" dirty="0">
                   <a:solidFill>
                     <a:schemeClr val="tx1">
                       <a:lumMod val="85000"/>
@@ -6276,13 +6075,69 @@
               </a:r>
             </a:p>
             <a:p>
+              <a:pPr marL="339725">
+                <a:lnSpc>
+                  <a:spcPct val="150000"/>
+                </a:lnSpc>
+              </a:pPr>
+              <a:r>
+                <a:rPr lang="en-US" sz="2400" dirty="0">
+                  <a:solidFill>
+                    <a:schemeClr val="tx1">
+                      <a:lumMod val="85000"/>
+                      <a:lumOff val="15000"/>
+                    </a:schemeClr>
+                  </a:solidFill>
+                  <a:latin typeface="Tahoma" panose="020B0604030504040204" pitchFamily="34" charset="0"/>
+                  <a:ea typeface="Tahoma" panose="020B0604030504040204" pitchFamily="34" charset="0"/>
+                  <a:cs typeface="Tahoma" panose="020B0604030504040204" pitchFamily="34" charset="0"/>
+                </a:rPr>
+                <a:t>33 years old software engineer</a:t>
+              </a:r>
+            </a:p>
+            <a:p>
+              <a:pPr marL="339725">
+                <a:lnSpc>
+                  <a:spcPct val="150000"/>
+                </a:lnSpc>
+              </a:pPr>
+              <a:r>
+                <a:rPr lang="en-US" sz="2400" dirty="0">
+                  <a:solidFill>
+                    <a:schemeClr val="tx1">
+                      <a:lumMod val="85000"/>
+                      <a:lumOff val="15000"/>
+                    </a:schemeClr>
+                  </a:solidFill>
+                  <a:latin typeface="Tahoma" panose="020B0604030504040204" pitchFamily="34" charset="0"/>
+                  <a:ea typeface="Tahoma" panose="020B0604030504040204" pitchFamily="34" charset="0"/>
+                  <a:cs typeface="Tahoma" panose="020B0604030504040204" pitchFamily="34" charset="0"/>
+                </a:rPr>
+                <a:t>A student at ALX</a:t>
+              </a:r>
+            </a:p>
+            <a:p>
+              <a:pPr marL="339725"/>
+              <a:endParaRPr lang="en-US" sz="1200" dirty="0">
+                <a:solidFill>
+                  <a:schemeClr val="tx1">
+                    <a:lumMod val="85000"/>
+                    <a:lumOff val="15000"/>
+                  </a:schemeClr>
+                </a:solidFill>
+                <a:latin typeface="Tahoma" panose="020B0604030504040204" pitchFamily="34" charset="0"/>
+                <a:ea typeface="Tahoma" panose="020B0604030504040204" pitchFamily="34" charset="0"/>
+                <a:cs typeface="Tahoma" panose="020B0604030504040204" pitchFamily="34" charset="0"/>
+              </a:endParaRPr>
+            </a:p>
+            <a:p>
               <a:pPr>
                 <a:lnSpc>
                   <a:spcPct val="150000"/>
                 </a:lnSpc>
               </a:pPr>
               <a:r>
-                <a:rPr lang="en-US" b="1" i="0" dirty="0">
+                <a:rPr lang="en-US" sz="2800" b="1" i="0" dirty="0">
                   <a:solidFill>
                     <a:schemeClr val="tx1">
                       <a:lumMod val="85000"/>
@@ -6298,13 +6153,13 @@
               </a:r>
             </a:p>
             <a:p>
-              <a:pPr marL="339725">
+              <a:pPr marL="339725" algn="just">
                 <a:lnSpc>
                   <a:spcPct val="150000"/>
                 </a:lnSpc>
               </a:pPr>
               <a:r>
-                <a:rPr lang="en-US" sz="1600" dirty="0">
+                <a:rPr lang="en-US" sz="2400" dirty="0">
                   <a:solidFill>
                     <a:schemeClr val="tx1">
                       <a:lumMod val="85000"/>
@@ -6315,7 +6170,7 @@
                   <a:ea typeface="Tahoma" panose="020B0604030504040204" pitchFamily="34" charset="0"/>
                   <a:cs typeface="Tahoma" panose="020B0604030504040204" pitchFamily="34" charset="0"/>
                 </a:rPr>
-                <a:t>All roles</a:t>
+                <a:t>I developed the entire project by myself, including the Front-End and Back-End. So, there is no other team member.</a:t>
               </a:r>
             </a:p>
           </p:txBody>
@@ -6335,7 +6190,7 @@
           <p:spPr>
             <a:xfrm>
               <a:off x="5465967" y="2225458"/>
-              <a:ext cx="3467100" cy="646331"/>
+              <a:ext cx="5646940" cy="830997"/>
             </a:xfrm>
             <a:prstGeom prst="rect">
               <a:avLst/>
@@ -6349,7 +6204,7 @@
             <a:lstStyle/>
             <a:p>
               <a:r>
-                <a:rPr lang="en-US" sz="3600" b="1" dirty="0">
+                <a:rPr lang="en-US" sz="4800" b="1" dirty="0">
                   <a:solidFill>
                     <a:schemeClr val="accent3"/>
                   </a:solidFill>
@@ -6407,8 +6262,8 @@
         </p:nvSpPr>
         <p:spPr>
           <a:xfrm>
-            <a:off x="7639050" y="0"/>
-            <a:ext cx="4552950" cy="6858000"/>
+            <a:off x="6055301" y="0"/>
+            <a:ext cx="6136699" cy="6858000"/>
           </a:xfrm>
           <a:prstGeom prst="rect">
             <a:avLst/>
@@ -6607,10 +6462,10 @@
       </p:pic>
       <p:pic>
         <p:nvPicPr>
-          <p:cNvPr id="5" name="Picture 4">
+          <p:cNvPr id="11" name="Picture 10">
             <a:extLst>
               <a:ext uri="{FF2B5EF4-FFF2-40B4-BE49-F238E27FC236}">
-                <a16:creationId xmlns:a16="http://schemas.microsoft.com/office/drawing/2014/main" id="{33942C86-F6A2-BED5-B274-2F428F9A2326}"/>
+                <a16:creationId xmlns:a16="http://schemas.microsoft.com/office/drawing/2014/main" id="{64F3412E-F7C9-C639-0ED6-1E46440525F7}"/>
               </a:ext>
             </a:extLst>
           </p:cNvPr>
@@ -6627,8 +6482,38 @@
         </p:blipFill>
         <p:spPr>
           <a:xfrm>
-            <a:off x="5648431" y="0"/>
-            <a:ext cx="6543569" cy="6858000"/>
+            <a:off x="6055302" y="0"/>
+            <a:ext cx="6136698" cy="3296181"/>
+          </a:xfrm>
+          <a:prstGeom prst="rect">
+            <a:avLst/>
+          </a:prstGeom>
+        </p:spPr>
+      </p:pic>
+      <p:pic>
+        <p:nvPicPr>
+          <p:cNvPr id="13" name="Picture 12">
+            <a:extLst>
+              <a:ext uri="{FF2B5EF4-FFF2-40B4-BE49-F238E27FC236}">
+                <a16:creationId xmlns:a16="http://schemas.microsoft.com/office/drawing/2014/main" id="{4A8DC541-A25E-AA8D-BD7D-EB517DCC8B39}"/>
+              </a:ext>
+            </a:extLst>
+          </p:cNvPr>
+          <p:cNvPicPr>
+            <a:picLocks noChangeAspect="1"/>
+          </p:cNvPicPr>
+          <p:nvPr/>
+        </p:nvPicPr>
+        <p:blipFill>
+          <a:blip r:embed="rId4"/>
+          <a:stretch>
+            <a:fillRect/>
+          </a:stretch>
+        </p:blipFill>
+        <p:spPr>
+          <a:xfrm>
+            <a:off x="6055300" y="3188368"/>
+            <a:ext cx="6136700" cy="3643096"/>
           </a:xfrm>
           <a:prstGeom prst="rect">
             <a:avLst/>
@@ -7421,10 +7306,10 @@
         </p:nvGrpSpPr>
         <p:grpSpPr>
           <a:xfrm>
-            <a:off x="1302144" y="861933"/>
-            <a:ext cx="6211148" cy="5145078"/>
-            <a:chOff x="1644422" y="3315381"/>
-            <a:chExt cx="6211148" cy="5145078"/>
+            <a:off x="1302145" y="605927"/>
+            <a:ext cx="7329493" cy="5886865"/>
+            <a:chOff x="1644424" y="3059375"/>
+            <a:chExt cx="6537372" cy="5886865"/>
           </a:xfrm>
         </p:grpSpPr>
         <p:sp>
@@ -7441,8 +7326,8 @@
           </p:nvSpPr>
           <p:spPr>
             <a:xfrm>
-              <a:off x="1644424" y="3315381"/>
-              <a:ext cx="6211144" cy="707886"/>
+              <a:off x="1644424" y="3059375"/>
+              <a:ext cx="6211144" cy="830997"/>
             </a:xfrm>
             <a:prstGeom prst="rect">
               <a:avLst/>
@@ -7457,7 +7342,7 @@
             <a:p>
               <a:pPr algn="ctr"/>
               <a:r>
-                <a:rPr lang="en-US" sz="4000" b="1" i="0" dirty="0">
+                <a:rPr lang="en-US" sz="4800" b="1" i="0" dirty="0">
                   <a:solidFill>
                     <a:schemeClr val="accent3"/>
                   </a:solidFill>
@@ -7468,7 +7353,7 @@
                 </a:rPr>
                 <a:t>Technology</a:t>
               </a:r>
-              <a:endParaRPr lang="en-US" sz="4000" b="1" dirty="0">
+              <a:endParaRPr lang="en-US" sz="4800" b="1" dirty="0">
                 <a:solidFill>
                   <a:schemeClr val="accent3"/>
                 </a:solidFill>
@@ -7493,8 +7378,8 @@
           </p:nvSpPr>
           <p:spPr>
             <a:xfrm>
-              <a:off x="1644424" y="4798093"/>
-              <a:ext cx="1715403" cy="1664238"/>
+              <a:off x="1644424" y="4481976"/>
+              <a:ext cx="1715403" cy="2113399"/>
             </a:xfrm>
             <a:prstGeom prst="rect">
               <a:avLst/>
@@ -7513,7 +7398,7 @@
                 </a:lnSpc>
               </a:pPr>
               <a:r>
-                <a:rPr lang="en-US" sz="1400" b="0" i="0" dirty="0">
+                <a:rPr lang="en-US" b="0" i="0" dirty="0">
                   <a:solidFill>
                     <a:schemeClr val="tx1">
                       <a:lumMod val="85000"/>
@@ -7535,7 +7420,7 @@
                 </a:lnSpc>
               </a:pPr>
               <a:r>
-                <a:rPr lang="en-US" sz="1400" dirty="0">
+                <a:rPr lang="en-US" dirty="0">
                   <a:solidFill>
                     <a:schemeClr val="tx1">
                       <a:lumMod val="85000"/>
@@ -7556,7 +7441,7 @@
                 </a:lnSpc>
               </a:pPr>
               <a:r>
-                <a:rPr lang="en-US" sz="1400" dirty="0">
+                <a:rPr lang="en-US" dirty="0">
                   <a:solidFill>
                     <a:schemeClr val="tx1">
                       <a:lumMod val="85000"/>
@@ -7570,7 +7455,7 @@
                 <a:t>3- </a:t>
               </a:r>
               <a:r>
-                <a:rPr lang="en-US" sz="1400" dirty="0" err="1">
+                <a:rPr lang="en-US" dirty="0" err="1">
                   <a:solidFill>
                     <a:schemeClr val="tx1">
                       <a:lumMod val="85000"/>
@@ -7583,7 +7468,7 @@
                 </a:rPr>
                 <a:t>Flask_cors</a:t>
               </a:r>
-              <a:endParaRPr lang="en-US" sz="1400" dirty="0">
+              <a:endParaRPr lang="en-US" dirty="0">
                 <a:solidFill>
                   <a:schemeClr val="tx1">
                     <a:lumMod val="85000"/>
@@ -7602,7 +7487,7 @@
                 </a:lnSpc>
               </a:pPr>
               <a:r>
-                <a:rPr lang="en-US" sz="1400" dirty="0">
+                <a:rPr lang="en-US" dirty="0">
                   <a:solidFill>
                     <a:schemeClr val="tx1">
                       <a:lumMod val="85000"/>
@@ -7623,7 +7508,7 @@
                 </a:lnSpc>
               </a:pPr>
               <a:r>
-                <a:rPr lang="en-US" sz="1400" dirty="0">
+                <a:rPr lang="en-US" dirty="0">
                   <a:solidFill>
                     <a:schemeClr val="tx1">
                       <a:lumMod val="85000"/>
@@ -7637,7 +7522,7 @@
                 <a:t>5- </a:t>
               </a:r>
               <a:r>
-                <a:rPr lang="en-US" sz="1400" dirty="0" err="1">
+                <a:rPr lang="en-US" dirty="0" err="1">
                   <a:solidFill>
                     <a:schemeClr val="tx1">
                       <a:lumMod val="85000"/>
@@ -7650,7 +7535,7 @@
                 </a:rPr>
                 <a:t>Sqlalchemy</a:t>
               </a:r>
-              <a:endParaRPr lang="en-US" sz="1400" dirty="0">
+              <a:endParaRPr lang="en-US" dirty="0">
                 <a:solidFill>
                   <a:schemeClr val="tx1">
                     <a:lumMod val="85000"/>
@@ -7678,8 +7563,8 @@
           </p:nvSpPr>
           <p:spPr>
             <a:xfrm>
-              <a:off x="1644425" y="4274873"/>
-              <a:ext cx="2655840" cy="523220"/>
+              <a:off x="1644425" y="3958756"/>
+              <a:ext cx="2655840" cy="646331"/>
             </a:xfrm>
             <a:prstGeom prst="rect">
               <a:avLst/>
@@ -7693,7 +7578,7 @@
             <a:lstStyle/>
             <a:p>
               <a:r>
-                <a:rPr lang="en-US" sz="2800" b="1" i="0" dirty="0">
+                <a:rPr lang="en-US" sz="3600" b="1" i="0" dirty="0">
                   <a:solidFill>
                     <a:schemeClr val="accent3"/>
                   </a:solidFill>
@@ -7704,7 +7589,7 @@
                 </a:rPr>
                 <a:t>Back-End:</a:t>
               </a:r>
-              <a:endParaRPr lang="en-US" sz="2800" b="1" dirty="0">
+              <a:endParaRPr lang="en-US" sz="3600" b="1" dirty="0">
                 <a:solidFill>
                   <a:schemeClr val="accent3"/>
                 </a:solidFill>
@@ -7729,8 +7614,8 @@
           </p:nvSpPr>
           <p:spPr>
             <a:xfrm>
-              <a:off x="5223176" y="4798093"/>
-              <a:ext cx="2632394" cy="1341073"/>
+              <a:off x="4685503" y="4481976"/>
+              <a:ext cx="3170067" cy="1697901"/>
             </a:xfrm>
             <a:prstGeom prst="rect">
               <a:avLst/>
@@ -7749,7 +7634,7 @@
                 </a:lnSpc>
               </a:pPr>
               <a:r>
-                <a:rPr lang="en-US" sz="1400" b="0" i="0" dirty="0">
+                <a:rPr lang="en-US" b="0" i="0" dirty="0">
                   <a:solidFill>
                     <a:schemeClr val="tx1">
                       <a:lumMod val="85000"/>
@@ -7764,7 +7649,7 @@
                 <a:t>1- </a:t>
               </a:r>
               <a:r>
-                <a:rPr lang="en-US" sz="1400" b="0" i="0" dirty="0" err="1">
+                <a:rPr lang="en-US" b="0" i="0" dirty="0" err="1">
                   <a:solidFill>
                     <a:schemeClr val="tx1">
                       <a:lumMod val="85000"/>
@@ -7778,7 +7663,7 @@
                 </a:rPr>
                 <a:t>Nextjs</a:t>
               </a:r>
-              <a:endParaRPr lang="en-US" sz="1400" b="0" i="0" dirty="0">
+              <a:endParaRPr lang="en-US" b="0" i="0" dirty="0">
                 <a:solidFill>
                   <a:schemeClr val="tx1">
                     <a:lumMod val="85000"/>
@@ -7798,7 +7683,7 @@
                 </a:lnSpc>
               </a:pPr>
               <a:r>
-                <a:rPr lang="en-US" sz="1400" dirty="0">
+                <a:rPr lang="en-US" dirty="0">
                   <a:solidFill>
                     <a:schemeClr val="tx1">
                       <a:lumMod val="85000"/>
@@ -7819,7 +7704,7 @@
                 </a:lnSpc>
               </a:pPr>
               <a:r>
-                <a:rPr lang="en-US" sz="1400" dirty="0">
+                <a:rPr lang="en-US" dirty="0">
                   <a:solidFill>
                     <a:schemeClr val="tx1">
                       <a:lumMod val="85000"/>
@@ -7840,7 +7725,7 @@
                 </a:lnSpc>
               </a:pPr>
               <a:r>
-                <a:rPr lang="en-US" sz="1400" dirty="0">
+                <a:rPr lang="en-US" dirty="0">
                   <a:solidFill>
                     <a:schemeClr val="tx1">
                       <a:lumMod val="85000"/>
@@ -7854,7 +7739,7 @@
                 <a:t>4- </a:t>
               </a:r>
               <a:r>
-                <a:rPr lang="en-US" sz="1400" dirty="0" err="1">
+                <a:rPr lang="en-US" dirty="0" err="1">
                   <a:solidFill>
                     <a:schemeClr val="tx1">
                       <a:lumMod val="85000"/>
@@ -7867,7 +7752,7 @@
                 </a:rPr>
                 <a:t>Axios</a:t>
               </a:r>
-              <a:endParaRPr lang="en-US" sz="1400" dirty="0">
+              <a:endParaRPr lang="en-US" dirty="0">
                 <a:solidFill>
                   <a:schemeClr val="tx1">
                     <a:lumMod val="85000"/>
@@ -7895,8 +7780,8 @@
           </p:nvSpPr>
           <p:spPr>
             <a:xfrm>
-              <a:off x="5223175" y="4274873"/>
-              <a:ext cx="2632394" cy="523220"/>
+              <a:off x="4685502" y="3958756"/>
+              <a:ext cx="3170067" cy="646331"/>
             </a:xfrm>
             <a:prstGeom prst="rect">
               <a:avLst/>
@@ -7910,7 +7795,7 @@
             <a:lstStyle/>
             <a:p>
               <a:r>
-                <a:rPr lang="en-US" sz="2800" b="1" i="0" dirty="0">
+                <a:rPr lang="en-US" sz="3600" b="1" i="0" dirty="0">
                   <a:solidFill>
                     <a:schemeClr val="accent3"/>
                   </a:solidFill>
@@ -7921,7 +7806,7 @@
                 </a:rPr>
                 <a:t>Front-End:</a:t>
               </a:r>
-              <a:endParaRPr lang="en-US" sz="2800" b="1" dirty="0">
+              <a:endParaRPr lang="en-US" sz="3600" b="1" dirty="0">
                 <a:solidFill>
                   <a:schemeClr val="accent3"/>
                 </a:solidFill>
@@ -7946,8 +7831,8 @@
           </p:nvSpPr>
           <p:spPr>
             <a:xfrm>
-              <a:off x="3359827" y="7119386"/>
-              <a:ext cx="3432796" cy="1341073"/>
+              <a:off x="4203794" y="7248339"/>
+              <a:ext cx="3432796" cy="1697901"/>
             </a:xfrm>
             <a:prstGeom prst="rect">
               <a:avLst/>
@@ -7966,7 +7851,7 @@
                 </a:lnSpc>
               </a:pPr>
               <a:r>
-                <a:rPr lang="en-US" sz="1400" b="0" i="0" dirty="0">
+                <a:rPr lang="en-US" b="0" i="0" dirty="0">
                   <a:solidFill>
                     <a:schemeClr val="tx1">
                       <a:lumMod val="85000"/>
@@ -7981,7 +7866,7 @@
                 <a:t>1- </a:t>
               </a:r>
               <a:r>
-                <a:rPr lang="en-US" sz="1400" dirty="0">
+                <a:rPr lang="en-US" dirty="0">
                   <a:solidFill>
                     <a:schemeClr val="tx1">
                       <a:lumMod val="85000"/>
@@ -7994,7 +7879,7 @@
                 </a:rPr>
                 <a:t>Nginx</a:t>
               </a:r>
-              <a:endParaRPr lang="en-US" sz="1400" b="0" i="0" dirty="0">
+              <a:endParaRPr lang="en-US" b="0" i="0" dirty="0">
                 <a:solidFill>
                   <a:schemeClr val="tx1">
                     <a:lumMod val="85000"/>
@@ -8014,7 +7899,7 @@
                 </a:lnSpc>
               </a:pPr>
               <a:r>
-                <a:rPr lang="en-US" sz="1400" dirty="0">
+                <a:rPr lang="en-US" dirty="0">
                   <a:solidFill>
                     <a:schemeClr val="tx1">
                       <a:lumMod val="85000"/>
@@ -8028,7 +7913,7 @@
                 <a:t>2- </a:t>
               </a:r>
               <a:r>
-                <a:rPr lang="en-US" sz="1400" dirty="0" err="1">
+                <a:rPr lang="en-US" dirty="0" err="1">
                   <a:solidFill>
                     <a:schemeClr val="tx1">
                       <a:lumMod val="85000"/>
@@ -8041,7 +7926,7 @@
                 </a:rPr>
                 <a:t>Gunicorn</a:t>
               </a:r>
-              <a:endParaRPr lang="en-US" sz="1400" dirty="0">
+              <a:endParaRPr lang="en-US" dirty="0">
                 <a:solidFill>
                   <a:schemeClr val="tx1">
                     <a:lumMod val="85000"/>
@@ -8060,7 +7945,7 @@
                 </a:lnSpc>
               </a:pPr>
               <a:r>
-                <a:rPr lang="en-US" sz="1400" dirty="0">
+                <a:rPr lang="en-US" dirty="0">
                   <a:solidFill>
                     <a:schemeClr val="tx1">
                       <a:lumMod val="85000"/>
@@ -8081,7 +7966,7 @@
                 </a:lnSpc>
               </a:pPr>
               <a:r>
-                <a:rPr lang="en-US" sz="1400" dirty="0">
+                <a:rPr lang="en-US" dirty="0">
                   <a:solidFill>
                     <a:schemeClr val="tx1">
                       <a:lumMod val="85000"/>
@@ -8095,7 +7980,7 @@
                 <a:t>4- Load balancer (</a:t>
               </a:r>
               <a:r>
-                <a:rPr lang="en-US" sz="1400" dirty="0" err="1">
+                <a:rPr lang="en-US" dirty="0" err="1">
                   <a:solidFill>
                     <a:schemeClr val="tx1">
                       <a:lumMod val="85000"/>
@@ -8109,7 +7994,7 @@
                 <a:t>HAproxy</a:t>
               </a:r>
               <a:r>
-                <a:rPr lang="en-US" sz="1400">
+                <a:rPr lang="en-US" dirty="0">
                   <a:solidFill>
                     <a:schemeClr val="tx1">
                       <a:lumMod val="85000"/>
@@ -8122,17 +8007,6 @@
                 </a:rPr>
                 <a:t>)</a:t>
               </a:r>
-              <a:endParaRPr lang="en-US" sz="1400" dirty="0">
-                <a:solidFill>
-                  <a:schemeClr val="tx1">
-                    <a:lumMod val="85000"/>
-                    <a:lumOff val="15000"/>
-                  </a:schemeClr>
-                </a:solidFill>
-                <a:latin typeface="Tahoma" panose="020B0604030504040204" pitchFamily="34" charset="0"/>
-                <a:ea typeface="Tahoma" panose="020B0604030504040204" pitchFamily="34" charset="0"/>
-                <a:cs typeface="Tahoma" panose="020B0604030504040204" pitchFamily="34" charset="0"/>
-              </a:endParaRPr>
             </a:p>
           </p:txBody>
         </p:sp>
@@ -8150,8 +8024,8 @@
           </p:nvSpPr>
           <p:spPr>
             <a:xfrm>
-              <a:off x="1644422" y="6527459"/>
-              <a:ext cx="6211145" cy="523220"/>
+              <a:off x="1970651" y="6656412"/>
+              <a:ext cx="6211145" cy="646331"/>
             </a:xfrm>
             <a:prstGeom prst="rect">
               <a:avLst/>
@@ -8166,7 +8040,7 @@
             <a:p>
               <a:pPr algn="ctr"/>
               <a:r>
-                <a:rPr lang="en-US" sz="2800" b="1" i="0" dirty="0">
+                <a:rPr lang="en-US" sz="3600" b="1" i="0" dirty="0">
                   <a:solidFill>
                     <a:schemeClr val="accent3"/>
                   </a:solidFill>
@@ -8177,7 +8051,7 @@
                 </a:rPr>
                 <a:t>Server: (ubuntu)</a:t>
               </a:r>
-              <a:endParaRPr lang="en-US" sz="2800" b="1" dirty="0">
+              <a:endParaRPr lang="en-US" sz="3600" b="1" dirty="0">
                 <a:solidFill>
                   <a:schemeClr val="accent3"/>
                 </a:solidFill>
@@ -8246,12 +8120,25 @@
         </p:blipFill>
         <p:spPr>
           <a:xfrm>
-            <a:off x="7659002" y="209210"/>
-            <a:ext cx="3432796" cy="5844074"/>
+            <a:off x="8265885" y="209211"/>
+            <a:ext cx="2825911" cy="4810898"/>
           </a:xfrm>
-          <a:prstGeom prst="rect">
-            <a:avLst/>
+          <a:prstGeom prst="roundRect">
+            <a:avLst>
+              <a:gd name="adj" fmla="val 8594"/>
+            </a:avLst>
           </a:prstGeom>
+          <a:solidFill>
+            <a:srgbClr val="FFFFFF">
+              <a:shade val="85000"/>
+            </a:srgbClr>
+          </a:solidFill>
+          <a:ln>
+            <a:noFill/>
+          </a:ln>
+          <a:effectLst>
+            <a:reflection blurRad="12700" stA="38000" endPos="28000" dist="5000" dir="5400000" sy="-100000" algn="bl" rotWithShape="0"/>
+          </a:effectLst>
         </p:spPr>
       </p:pic>
     </p:spTree>
@@ -8614,10 +8501,10 @@
         </p:nvGrpSpPr>
         <p:grpSpPr>
           <a:xfrm>
-            <a:off x="328247" y="664032"/>
-            <a:ext cx="5985895" cy="2640687"/>
+            <a:off x="328246" y="664032"/>
+            <a:ext cx="6118993" cy="4013177"/>
             <a:chOff x="270504" y="1066800"/>
-            <a:chExt cx="5985895" cy="2640687"/>
+            <a:chExt cx="5336782" cy="4013177"/>
           </a:xfrm>
         </p:grpSpPr>
         <p:sp>
@@ -8634,8 +8521,8 @@
           </p:nvSpPr>
           <p:spPr>
             <a:xfrm>
-              <a:off x="385262" y="1720083"/>
-              <a:ext cx="2832149" cy="1987404"/>
+              <a:off x="820359" y="1720083"/>
+              <a:ext cx="1686584" cy="2528897"/>
             </a:xfrm>
             <a:prstGeom prst="rect">
               <a:avLst/>
@@ -8654,7 +8541,7 @@
                 </a:lnSpc>
               </a:pPr>
               <a:r>
-                <a:rPr lang="en-US" sz="1400" b="0" i="0" dirty="0">
+                <a:rPr lang="en-US" b="0" i="0" dirty="0">
                   <a:solidFill>
                     <a:schemeClr val="tx1">
                       <a:lumMod val="85000"/>
@@ -8676,7 +8563,7 @@
                 </a:lnSpc>
               </a:pPr>
               <a:r>
-                <a:rPr lang="en-US" sz="1400" dirty="0">
+                <a:rPr lang="en-US" dirty="0">
                   <a:solidFill>
                     <a:schemeClr val="tx1">
                       <a:lumMod val="85000"/>
@@ -8697,7 +8584,7 @@
                 </a:lnSpc>
               </a:pPr>
               <a:r>
-                <a:rPr lang="en-US" sz="1400" dirty="0">
+                <a:rPr lang="en-US" dirty="0">
                   <a:solidFill>
                     <a:schemeClr val="tx1">
                       <a:lumMod val="85000"/>
@@ -8718,7 +8605,7 @@
                 </a:lnSpc>
               </a:pPr>
               <a:r>
-                <a:rPr lang="en-US" sz="1400" dirty="0">
+                <a:rPr lang="en-US" dirty="0">
                   <a:solidFill>
                     <a:schemeClr val="tx1">
                       <a:lumMod val="85000"/>
@@ -8739,7 +8626,7 @@
                 </a:lnSpc>
               </a:pPr>
               <a:r>
-                <a:rPr lang="en-US" sz="1400" dirty="0">
+                <a:rPr lang="en-US" dirty="0">
                   <a:solidFill>
                     <a:schemeClr val="tx1">
                       <a:lumMod val="85000"/>
@@ -8760,7 +8647,7 @@
                 </a:lnSpc>
               </a:pPr>
               <a:r>
-                <a:rPr lang="en-US" sz="1400" dirty="0">
+                <a:rPr lang="en-US" dirty="0">
                   <a:solidFill>
                     <a:schemeClr val="tx1">
                       <a:lumMod val="85000"/>
@@ -8791,7 +8678,7 @@
           <p:spPr>
             <a:xfrm>
               <a:off x="270504" y="1066800"/>
-              <a:ext cx="4044462" cy="646331"/>
+              <a:ext cx="4044462" cy="769441"/>
             </a:xfrm>
             <a:prstGeom prst="rect">
               <a:avLst/>
@@ -8806,7 +8693,7 @@
             <a:p>
               <a:pPr algn="ctr"/>
               <a:r>
-                <a:rPr lang="en-US" sz="3600" b="1" i="0" dirty="0">
+                <a:rPr lang="en-US" sz="4400" b="1" i="0" dirty="0">
                   <a:solidFill>
                     <a:schemeClr val="accent3"/>
                   </a:solidFill>
@@ -8817,7 +8704,7 @@
                 </a:rPr>
                 <a:t>Architecture</a:t>
               </a:r>
-              <a:endParaRPr lang="en-US" sz="3600" b="1" dirty="0">
+              <a:endParaRPr lang="en-US" sz="4400" b="1" dirty="0">
                 <a:solidFill>
                   <a:schemeClr val="accent3"/>
                 </a:solidFill>
@@ -8842,8 +8729,8 @@
           </p:nvSpPr>
           <p:spPr>
             <a:xfrm>
-              <a:off x="3424250" y="1720083"/>
-              <a:ext cx="2832149" cy="1987404"/>
+              <a:off x="2775137" y="1720083"/>
+              <a:ext cx="2832149" cy="3359894"/>
             </a:xfrm>
             <a:prstGeom prst="rect">
               <a:avLst/>
@@ -8862,7 +8749,7 @@
                 </a:lnSpc>
               </a:pPr>
               <a:r>
-                <a:rPr lang="en-US" sz="1400" dirty="0">
+                <a:rPr lang="en-US" dirty="0">
                   <a:solidFill>
                     <a:schemeClr val="tx1">
                       <a:lumMod val="85000"/>
@@ -8883,7 +8770,7 @@
                 </a:lnSpc>
               </a:pPr>
               <a:r>
-                <a:rPr lang="en-US" sz="1400" dirty="0">
+                <a:rPr lang="en-US" dirty="0">
                   <a:solidFill>
                     <a:schemeClr val="tx1">
                       <a:lumMod val="85000"/>
@@ -8904,7 +8791,7 @@
                 </a:lnSpc>
               </a:pPr>
               <a:r>
-                <a:rPr lang="en-US" sz="1400" dirty="0">
+                <a:rPr lang="en-US" dirty="0">
                   <a:solidFill>
                     <a:schemeClr val="tx1">
                       <a:lumMod val="85000"/>
@@ -8925,7 +8812,7 @@
                 </a:lnSpc>
               </a:pPr>
               <a:r>
-                <a:rPr lang="en-US" sz="1400" dirty="0">
+                <a:rPr lang="en-US" dirty="0">
                   <a:solidFill>
                     <a:schemeClr val="tx1">
                       <a:lumMod val="85000"/>
@@ -8946,7 +8833,7 @@
                 </a:lnSpc>
               </a:pPr>
               <a:r>
-                <a:rPr lang="en-US" sz="1400" dirty="0">
+                <a:rPr lang="en-US" dirty="0">
                   <a:solidFill>
                     <a:schemeClr val="tx1">
                       <a:lumMod val="85000"/>
@@ -8967,7 +8854,7 @@
                 </a:lnSpc>
               </a:pPr>
               <a:r>
-                <a:rPr lang="en-US" sz="1400" dirty="0">
+                <a:rPr lang="en-US" dirty="0">
                   <a:solidFill>
                     <a:schemeClr val="tx1">
                       <a:lumMod val="85000"/>
@@ -9014,55 +8901,6 @@
           <a:chExt cx="0" cy="0"/>
         </a:xfrm>
       </p:grpSpPr>
-      <p:sp>
-        <p:nvSpPr>
-          <p:cNvPr id="2" name="Rectangle 1">
-            <a:extLst>
-              <a:ext uri="{FF2B5EF4-FFF2-40B4-BE49-F238E27FC236}">
-                <a16:creationId xmlns:a16="http://schemas.microsoft.com/office/drawing/2014/main" id="{E7067EB8-D5CC-DD70-8EF4-908CC2EE2E2C}"/>
-              </a:ext>
-            </a:extLst>
-          </p:cNvPr>
-          <p:cNvSpPr/>
-          <p:nvPr/>
-        </p:nvSpPr>
-        <p:spPr>
-          <a:xfrm>
-            <a:off x="0" y="0"/>
-            <a:ext cx="3727938" cy="6858000"/>
-          </a:xfrm>
-          <a:prstGeom prst="rect">
-            <a:avLst/>
-          </a:prstGeom>
-          <a:ln>
-            <a:noFill/>
-          </a:ln>
-        </p:spPr>
-        <p:style>
-          <a:lnRef idx="2">
-            <a:schemeClr val="accent1">
-              <a:shade val="15000"/>
-            </a:schemeClr>
-          </a:lnRef>
-          <a:fillRef idx="1">
-            <a:schemeClr val="accent1"/>
-          </a:fillRef>
-          <a:effectRef idx="0">
-            <a:schemeClr val="accent1"/>
-          </a:effectRef>
-          <a:fontRef idx="minor">
-            <a:schemeClr val="lt1"/>
-          </a:fontRef>
-        </p:style>
-        <p:txBody>
-          <a:bodyPr rtlCol="0" anchor="ctr"/>
-          <a:lstStyle/>
-          <a:p>
-            <a:pPr algn="ctr"/>
-            <a:endParaRPr lang="en-US"/>
-          </a:p>
-        </p:txBody>
-      </p:sp>
       <p:grpSp>
         <p:nvGrpSpPr>
           <p:cNvPr id="9" name="Group 8">
@@ -9077,10 +8915,10 @@
         </p:nvGrpSpPr>
         <p:grpSpPr>
           <a:xfrm>
-            <a:off x="4078166" y="2379399"/>
-            <a:ext cx="6096000" cy="1266316"/>
-            <a:chOff x="6096000" y="1148834"/>
-            <a:chExt cx="6096000" cy="1266316"/>
+            <a:off x="1735015" y="314609"/>
+            <a:ext cx="10209335" cy="4625694"/>
+            <a:chOff x="2709496" y="514260"/>
+            <a:chExt cx="9482504" cy="4625694"/>
           </a:xfrm>
         </p:grpSpPr>
         <p:sp>
@@ -9097,8 +8935,8 @@
           </p:nvSpPr>
           <p:spPr>
             <a:xfrm>
-              <a:off x="6096000" y="1995163"/>
-              <a:ext cx="5829300" cy="419987"/>
+              <a:off x="2803281" y="2112394"/>
+              <a:ext cx="9122019" cy="3027560"/>
             </a:xfrm>
             <a:prstGeom prst="rect">
               <a:avLst/>
@@ -9111,10 +8949,15 @@
             </a:bodyPr>
             <a:lstStyle/>
             <a:p>
-              <a:pPr>
+              <a:pPr marL="342900" indent="-342900">
                 <a:lnSpc>
                   <a:spcPct val="150000"/>
                 </a:lnSpc>
+                <a:spcBef>
+                  <a:spcPts val="1200"/>
+                </a:spcBef>
+                <a:buFont typeface="+mj-lt"/>
+                <a:buAutoNum type="arabicParenR"/>
               </a:pPr>
               <a:r>
                 <a:rPr lang="en-US" sz="1600" b="0" i="0" dirty="0">
@@ -9128,9 +8971,173 @@
                   <a:latin typeface="Tahoma" panose="020B0604030504040204" pitchFamily="34" charset="0"/>
                   <a:ea typeface="Tahoma" panose="020B0604030504040204" pitchFamily="34" charset="0"/>
                   <a:cs typeface="Tahoma" panose="020B0604030504040204" pitchFamily="34" charset="0"/>
-                  <a:hlinkClick r:id="rId2"/>
                 </a:rPr>
-                <a:t>https://www.mahmoudeasa.tech/</a:t>
+                <a:t>Started by the Back-End models, engine, app flask</a:t>
+              </a:r>
+            </a:p>
+            <a:p>
+              <a:pPr marL="342900" indent="-342900">
+                <a:lnSpc>
+                  <a:spcPct val="150000"/>
+                </a:lnSpc>
+                <a:spcBef>
+                  <a:spcPts val="1200"/>
+                </a:spcBef>
+                <a:buFont typeface="+mj-lt"/>
+                <a:buAutoNum type="arabicParenR"/>
+              </a:pPr>
+              <a:r>
+                <a:rPr lang="en-US" sz="1600" b="0" i="0" dirty="0">
+                  <a:solidFill>
+                    <a:schemeClr val="tx1">
+                      <a:lumMod val="85000"/>
+                      <a:lumOff val="15000"/>
+                    </a:schemeClr>
+                  </a:solidFill>
+                  <a:effectLst/>
+                  <a:latin typeface="Tahoma" panose="020B0604030504040204" pitchFamily="34" charset="0"/>
+                  <a:ea typeface="Tahoma" panose="020B0604030504040204" pitchFamily="34" charset="0"/>
+                  <a:cs typeface="Tahoma" panose="020B0604030504040204" pitchFamily="34" charset="0"/>
+                </a:rPr>
+                <a:t>Create API endpoints to handle requests.</a:t>
+              </a:r>
+            </a:p>
+            <a:p>
+              <a:pPr marL="342900" indent="-342900">
+                <a:lnSpc>
+                  <a:spcPct val="150000"/>
+                </a:lnSpc>
+                <a:spcBef>
+                  <a:spcPts val="1200"/>
+                </a:spcBef>
+                <a:buFont typeface="+mj-lt"/>
+                <a:buAutoNum type="arabicParenR"/>
+              </a:pPr>
+              <a:r>
+                <a:rPr lang="en-US" sz="1600" b="0" i="0" dirty="0">
+                  <a:solidFill>
+                    <a:schemeClr val="tx1">
+                      <a:lumMod val="85000"/>
+                      <a:lumOff val="15000"/>
+                    </a:schemeClr>
+                  </a:solidFill>
+                  <a:effectLst/>
+                  <a:latin typeface="Tahoma" panose="020B0604030504040204" pitchFamily="34" charset="0"/>
+                  <a:ea typeface="Tahoma" panose="020B0604030504040204" pitchFamily="34" charset="0"/>
+                  <a:cs typeface="Tahoma" panose="020B0604030504040204" pitchFamily="34" charset="0"/>
+                </a:rPr>
+                <a:t>Create A simple Front-End.</a:t>
+              </a:r>
+            </a:p>
+            <a:p>
+              <a:pPr marL="342900" indent="-342900">
+                <a:lnSpc>
+                  <a:spcPct val="150000"/>
+                </a:lnSpc>
+                <a:spcBef>
+                  <a:spcPts val="1200"/>
+                </a:spcBef>
+                <a:buFont typeface="+mj-lt"/>
+                <a:buAutoNum type="arabicParenR"/>
+              </a:pPr>
+              <a:r>
+                <a:rPr lang="en-US" sz="1600" b="0" i="0" dirty="0">
+                  <a:solidFill>
+                    <a:schemeClr val="tx1">
+                      <a:lumMod val="85000"/>
+                      <a:lumOff val="15000"/>
+                    </a:schemeClr>
+                  </a:solidFill>
+                  <a:effectLst/>
+                  <a:latin typeface="Tahoma" panose="020B0604030504040204" pitchFamily="34" charset="0"/>
+                  <a:ea typeface="Tahoma" panose="020B0604030504040204" pitchFamily="34" charset="0"/>
+                  <a:cs typeface="Tahoma" panose="020B0604030504040204" pitchFamily="34" charset="0"/>
+                </a:rPr>
+                <a:t>Add more features.</a:t>
+              </a:r>
+            </a:p>
+            <a:p>
+              <a:pPr marL="342900" indent="-342900">
+                <a:lnSpc>
+                  <a:spcPct val="150000"/>
+                </a:lnSpc>
+                <a:spcBef>
+                  <a:spcPts val="1200"/>
+                </a:spcBef>
+                <a:buFont typeface="+mj-lt"/>
+                <a:buAutoNum type="arabicParenR"/>
+              </a:pPr>
+              <a:r>
+                <a:rPr lang="en-US" sz="1600" b="0" i="0" dirty="0">
+                  <a:solidFill>
+                    <a:schemeClr val="tx1">
+                      <a:lumMod val="85000"/>
+                      <a:lumOff val="15000"/>
+                    </a:schemeClr>
+                  </a:solidFill>
+                  <a:effectLst/>
+                  <a:latin typeface="Tahoma" panose="020B0604030504040204" pitchFamily="34" charset="0"/>
+                  <a:ea typeface="Tahoma" panose="020B0604030504040204" pitchFamily="34" charset="0"/>
+                  <a:cs typeface="Tahoma" panose="020B0604030504040204" pitchFamily="34" charset="0"/>
+                </a:rPr>
+                <a:t>Deploy the Back-End on the server.</a:t>
+              </a:r>
+            </a:p>
+            <a:p>
+              <a:pPr marL="342900" indent="-342900">
+                <a:lnSpc>
+                  <a:spcPct val="150000"/>
+                </a:lnSpc>
+                <a:spcBef>
+                  <a:spcPts val="1200"/>
+                </a:spcBef>
+                <a:buFont typeface="+mj-lt"/>
+                <a:buAutoNum type="arabicParenR"/>
+              </a:pPr>
+              <a:r>
+                <a:rPr lang="en-US" sz="1600" b="0" i="0" dirty="0">
+                  <a:solidFill>
+                    <a:schemeClr val="tx1">
+                      <a:lumMod val="85000"/>
+                      <a:lumOff val="15000"/>
+                    </a:schemeClr>
+                  </a:solidFill>
+                  <a:effectLst/>
+                  <a:latin typeface="Tahoma" panose="020B0604030504040204" pitchFamily="34" charset="0"/>
+                  <a:ea typeface="Tahoma" panose="020B0604030504040204" pitchFamily="34" charset="0"/>
+                  <a:cs typeface="Tahoma" panose="020B0604030504040204" pitchFamily="34" charset="0"/>
+                </a:rPr>
+                <a:t>Deploy the Front-End on the </a:t>
+              </a:r>
+              <a:r>
+                <a:rPr lang="en-US" sz="1600" b="0" i="0" dirty="0" err="1">
+                  <a:solidFill>
+                    <a:schemeClr val="tx1">
+                      <a:lumMod val="85000"/>
+                      <a:lumOff val="15000"/>
+                    </a:schemeClr>
+                  </a:solidFill>
+                  <a:effectLst/>
+                  <a:latin typeface="Tahoma" panose="020B0604030504040204" pitchFamily="34" charset="0"/>
+                  <a:ea typeface="Tahoma" panose="020B0604030504040204" pitchFamily="34" charset="0"/>
+                  <a:cs typeface="Tahoma" panose="020B0604030504040204" pitchFamily="34" charset="0"/>
+                </a:rPr>
+                <a:t>Vercel</a:t>
+              </a:r>
+              <a:r>
+                <a:rPr lang="en-US" sz="1600" b="0" i="0" dirty="0">
+                  <a:solidFill>
+                    <a:schemeClr val="tx1">
+                      <a:lumMod val="85000"/>
+                      <a:lumOff val="15000"/>
+                    </a:schemeClr>
+                  </a:solidFill>
+                  <a:effectLst/>
+                  <a:latin typeface="Tahoma" panose="020B0604030504040204" pitchFamily="34" charset="0"/>
+                  <a:ea typeface="Tahoma" panose="020B0604030504040204" pitchFamily="34" charset="0"/>
+                  <a:cs typeface="Tahoma" panose="020B0604030504040204" pitchFamily="34" charset="0"/>
+                </a:rPr>
+                <a:t> Platform.</a:t>
               </a:r>
               <a:endParaRPr lang="en-US" sz="1600" dirty="0">
                 <a:solidFill>
@@ -9160,8 +9167,8 @@
           </p:nvSpPr>
           <p:spPr>
             <a:xfrm>
-              <a:off x="6096000" y="1148834"/>
-              <a:ext cx="6096000" cy="646331"/>
+              <a:off x="2709496" y="514260"/>
+              <a:ext cx="9482504" cy="1323439"/>
             </a:xfrm>
             <a:prstGeom prst="rect">
               <a:avLst/>
@@ -9175,270 +9182,16 @@
             <a:lstStyle/>
             <a:p>
               <a:r>
-                <a:rPr lang="en-US" sz="3600" b="1" i="0" dirty="0">
+                <a:rPr lang="en-US" sz="4000" b="1" dirty="0">
                   <a:solidFill>
                     <a:schemeClr val="accent3"/>
                   </a:solidFill>
-                  <a:effectLst/>
                   <a:latin typeface="Tahoma" panose="020B0604030504040204" pitchFamily="34" charset="0"/>
                   <a:ea typeface="Tahoma" panose="020B0604030504040204" pitchFamily="34" charset="0"/>
                   <a:cs typeface="Tahoma" panose="020B0604030504040204" pitchFamily="34" charset="0"/>
                 </a:rPr>
-                <a:t>Live Demo</a:t>
+                <a:t>Discussion of process, collaboration and timeline</a:t>
               </a:r>
-              <a:endParaRPr lang="en-US" sz="3600" dirty="0">
-                <a:solidFill>
-                  <a:schemeClr val="accent3"/>
-                </a:solidFill>
-                <a:latin typeface="Tahoma" panose="020B0604030504040204" pitchFamily="34" charset="0"/>
-                <a:ea typeface="Tahoma" panose="020B0604030504040204" pitchFamily="34" charset="0"/>
-                <a:cs typeface="Tahoma" panose="020B0604030504040204" pitchFamily="34" charset="0"/>
-              </a:endParaRPr>
-            </a:p>
-          </p:txBody>
-        </p:sp>
-      </p:grpSp>
-      <p:grpSp>
-        <p:nvGrpSpPr>
-          <p:cNvPr id="13" name="Group 12">
-            <a:extLst>
-              <a:ext uri="{FF2B5EF4-FFF2-40B4-BE49-F238E27FC236}">
-                <a16:creationId xmlns:a16="http://schemas.microsoft.com/office/drawing/2014/main" id="{3BE5B7FB-D91E-B11D-E3E9-EE77033E83F9}"/>
-              </a:ext>
-            </a:extLst>
-          </p:cNvPr>
-          <p:cNvGrpSpPr/>
-          <p:nvPr/>
-        </p:nvGrpSpPr>
-        <p:grpSpPr>
-          <a:xfrm>
-            <a:off x="-1" y="0"/>
-            <a:ext cx="3727937" cy="6841313"/>
-            <a:chOff x="2923613" y="0"/>
-            <a:chExt cx="2658036" cy="6625385"/>
-          </a:xfrm>
-        </p:grpSpPr>
-        <p:pic>
-          <p:nvPicPr>
-            <p:cNvPr id="5" name="Picture 4">
-              <a:extLst>
-                <a:ext uri="{FF2B5EF4-FFF2-40B4-BE49-F238E27FC236}">
-                  <a16:creationId xmlns:a16="http://schemas.microsoft.com/office/drawing/2014/main" id="{5CD751DB-593A-2002-8CCE-CC9D4ECCF52A}"/>
-                </a:ext>
-              </a:extLst>
-            </p:cNvPr>
-            <p:cNvPicPr>
-              <a:picLocks noChangeAspect="1"/>
-            </p:cNvPicPr>
-            <p:nvPr/>
-          </p:nvPicPr>
-          <p:blipFill>
-            <a:blip r:embed="rId3"/>
-            <a:stretch>
-              <a:fillRect/>
-            </a:stretch>
-          </p:blipFill>
-          <p:spPr>
-            <a:xfrm>
-              <a:off x="2923614" y="0"/>
-              <a:ext cx="2658035" cy="5744308"/>
-            </a:xfrm>
-            <a:prstGeom prst="rect">
-              <a:avLst/>
-            </a:prstGeom>
-          </p:spPr>
-        </p:pic>
-        <p:pic>
-          <p:nvPicPr>
-            <p:cNvPr id="10" name="Picture 9">
-              <a:extLst>
-                <a:ext uri="{FF2B5EF4-FFF2-40B4-BE49-F238E27FC236}">
-                  <a16:creationId xmlns:a16="http://schemas.microsoft.com/office/drawing/2014/main" id="{EB728D59-5564-08C2-BCC1-4152F0932ABA}"/>
-                </a:ext>
-              </a:extLst>
-            </p:cNvPr>
-            <p:cNvPicPr>
-              <a:picLocks noChangeAspect="1"/>
-            </p:cNvPicPr>
-            <p:nvPr/>
-          </p:nvPicPr>
-          <p:blipFill>
-            <a:blip r:embed="rId4"/>
-            <a:stretch>
-              <a:fillRect/>
-            </a:stretch>
-          </p:blipFill>
-          <p:spPr>
-            <a:xfrm>
-              <a:off x="2923613" y="5744309"/>
-              <a:ext cx="2658036" cy="881076"/>
-            </a:xfrm>
-            <a:prstGeom prst="rect">
-              <a:avLst/>
-            </a:prstGeom>
-          </p:spPr>
-        </p:pic>
-      </p:grpSp>
-    </p:spTree>
-    <p:extLst>
-      <p:ext uri="{BB962C8B-B14F-4D97-AF65-F5344CB8AC3E}">
-        <p14:creationId xmlns:p14="http://schemas.microsoft.com/office/powerpoint/2010/main" val="1039402985"/>
-      </p:ext>
-    </p:extLst>
-  </p:cSld>
-  <p:clrMapOvr>
-    <a:masterClrMapping/>
-  </p:clrMapOvr>
-</p:sld>
-</file>
-
-<file path=ppt/slides/slide7.xml><?xml version="1.0" encoding="utf-8"?>
-<p:sld xmlns:a="http://schemas.openxmlformats.org/drawingml/2006/main" xmlns:r="http://schemas.openxmlformats.org/officeDocument/2006/relationships" xmlns:p="http://schemas.openxmlformats.org/presentationml/2006/main">
-  <p:cSld>
-    <p:spTree>
-      <p:nvGrpSpPr>
-        <p:cNvPr id="1" name=""/>
-        <p:cNvGrpSpPr/>
-        <p:nvPr/>
-      </p:nvGrpSpPr>
-      <p:grpSpPr>
-        <a:xfrm>
-          <a:off x="0" y="0"/>
-          <a:ext cx="0" cy="0"/>
-          <a:chOff x="0" y="0"/>
-          <a:chExt cx="0" cy="0"/>
-        </a:xfrm>
-      </p:grpSpPr>
-      <p:grpSp>
-        <p:nvGrpSpPr>
-          <p:cNvPr id="9" name="Group 8">
-            <a:extLst>
-              <a:ext uri="{FF2B5EF4-FFF2-40B4-BE49-F238E27FC236}">
-                <a16:creationId xmlns:a16="http://schemas.microsoft.com/office/drawing/2014/main" id="{0DCD600D-2787-4AE5-8930-4472401E1896}"/>
-              </a:ext>
-            </a:extLst>
-          </p:cNvPr>
-          <p:cNvGrpSpPr/>
-          <p:nvPr/>
-        </p:nvGrpSpPr>
-        <p:grpSpPr>
-          <a:xfrm>
-            <a:off x="2520462" y="467009"/>
-            <a:ext cx="9423888" cy="1279567"/>
-            <a:chOff x="2768112" y="666660"/>
-            <a:chExt cx="9423888" cy="1279567"/>
-          </a:xfrm>
-        </p:grpSpPr>
-        <p:sp>
-          <p:nvSpPr>
-            <p:cNvPr id="4" name="TextBox 3">
-              <a:extLst>
-                <a:ext uri="{FF2B5EF4-FFF2-40B4-BE49-F238E27FC236}">
-                  <a16:creationId xmlns:a16="http://schemas.microsoft.com/office/drawing/2014/main" id="{76040480-6EB5-CE24-5716-9F94891D204A}"/>
-                </a:ext>
-              </a:extLst>
-            </p:cNvPr>
-            <p:cNvSpPr txBox="1"/>
-            <p:nvPr/>
-          </p:nvSpPr>
-          <p:spPr>
-            <a:xfrm>
-              <a:off x="2768112" y="1526240"/>
-              <a:ext cx="9157188" cy="419987"/>
-            </a:xfrm>
-            <a:prstGeom prst="rect">
-              <a:avLst/>
-            </a:prstGeom>
-            <a:noFill/>
-          </p:spPr>
-          <p:txBody>
-            <a:bodyPr wrap="square">
-              <a:spAutoFit/>
-            </a:bodyPr>
-            <a:lstStyle/>
-            <a:p>
-              <a:pPr>
-                <a:lnSpc>
-                  <a:spcPct val="150000"/>
-                </a:lnSpc>
-              </a:pPr>
-              <a:r>
-                <a:rPr lang="en-US" sz="1600" b="0" i="0" dirty="0">
-                  <a:solidFill>
-                    <a:schemeClr val="tx1">
-                      <a:lumMod val="85000"/>
-                      <a:lumOff val="15000"/>
-                    </a:schemeClr>
-                  </a:solidFill>
-                  <a:effectLst/>
-                  <a:latin typeface="Tahoma" panose="020B0604030504040204" pitchFamily="34" charset="0"/>
-                  <a:ea typeface="Tahoma" panose="020B0604030504040204" pitchFamily="34" charset="0"/>
-                  <a:cs typeface="Tahoma" panose="020B0604030504040204" pitchFamily="34" charset="0"/>
-                </a:rPr>
-                <a:t>1- </a:t>
-              </a:r>
-              <a:endParaRPr lang="en-US" sz="1600" dirty="0">
-                <a:solidFill>
-                  <a:schemeClr val="tx1">
-                    <a:lumMod val="85000"/>
-                    <a:lumOff val="15000"/>
-                  </a:schemeClr>
-                </a:solidFill>
-                <a:latin typeface="Tahoma" panose="020B0604030504040204" pitchFamily="34" charset="0"/>
-                <a:ea typeface="Tahoma" panose="020B0604030504040204" pitchFamily="34" charset="0"/>
-                <a:cs typeface="Tahoma" panose="020B0604030504040204" pitchFamily="34" charset="0"/>
-              </a:endParaRPr>
-            </a:p>
-          </p:txBody>
-        </p:sp>
-        <p:sp>
-          <p:nvSpPr>
-            <p:cNvPr id="8" name="TextBox 7">
-              <a:extLst>
-                <a:ext uri="{FF2B5EF4-FFF2-40B4-BE49-F238E27FC236}">
-                  <a16:creationId xmlns:a16="http://schemas.microsoft.com/office/drawing/2014/main" id="{0DF75B55-0139-C2F4-FBCE-2CE3C9FBDA6D}"/>
-                </a:ext>
-              </a:extLst>
-            </p:cNvPr>
-            <p:cNvSpPr txBox="1"/>
-            <p:nvPr/>
-          </p:nvSpPr>
-          <p:spPr>
-            <a:xfrm>
-              <a:off x="2768112" y="666660"/>
-              <a:ext cx="9423888" cy="646331"/>
-            </a:xfrm>
-            <a:prstGeom prst="rect">
-              <a:avLst/>
-            </a:prstGeom>
-            <a:noFill/>
-          </p:spPr>
-          <p:txBody>
-            <a:bodyPr wrap="square">
-              <a:spAutoFit/>
-            </a:bodyPr>
-            <a:lstStyle/>
-            <a:p>
-              <a:r>
-                <a:rPr lang="en-US" sz="3600" b="1" i="0" dirty="0">
-                  <a:solidFill>
-                    <a:schemeClr val="accent3"/>
-                  </a:solidFill>
-                  <a:effectLst/>
-                  <a:latin typeface="Tahoma" panose="020B0604030504040204" pitchFamily="34" charset="0"/>
-                  <a:ea typeface="Tahoma" panose="020B0604030504040204" pitchFamily="34" charset="0"/>
-                  <a:cs typeface="Tahoma" panose="020B0604030504040204" pitchFamily="34" charset="0"/>
-                </a:rPr>
-                <a:t>Core algorithms and code snippet</a:t>
-              </a:r>
-              <a:endParaRPr lang="en-US" sz="3600" dirty="0">
-                <a:solidFill>
-                  <a:schemeClr val="accent3"/>
-                </a:solidFill>
-                <a:latin typeface="Tahoma" panose="020B0604030504040204" pitchFamily="34" charset="0"/>
-                <a:ea typeface="Tahoma" panose="020B0604030504040204" pitchFamily="34" charset="0"/>
-                <a:cs typeface="Tahoma" panose="020B0604030504040204" pitchFamily="34" charset="0"/>
-              </a:endParaRPr>
             </a:p>
           </p:txBody>
         </p:sp>
@@ -9448,7 +9201,7 @@
           <p:cNvPr id="3" name="Rectangle 2">
             <a:extLst>
               <a:ext uri="{FF2B5EF4-FFF2-40B4-BE49-F238E27FC236}">
-                <a16:creationId xmlns:a16="http://schemas.microsoft.com/office/drawing/2014/main" id="{84E0A82E-EF49-A107-410E-6F72F88608CE}"/>
+                <a16:creationId xmlns:a16="http://schemas.microsoft.com/office/drawing/2014/main" id="{61A8D685-5CD9-66C1-1929-9290FF356317}"/>
               </a:ext>
             </a:extLst>
           </p:cNvPr>
@@ -9458,7 +9211,7 @@
         <p:spPr>
           <a:xfrm>
             <a:off x="0" y="0"/>
-            <a:ext cx="2168769" cy="6858000"/>
+            <a:ext cx="1465385" cy="6858000"/>
           </a:xfrm>
           <a:prstGeom prst="rect">
             <a:avLst/>
@@ -9495,7 +9248,7 @@
     </p:spTree>
     <p:extLst>
       <p:ext uri="{BB962C8B-B14F-4D97-AF65-F5344CB8AC3E}">
-        <p14:creationId xmlns:p14="http://schemas.microsoft.com/office/powerpoint/2010/main" val="3743754080"/>
+        <p14:creationId xmlns:p14="http://schemas.microsoft.com/office/powerpoint/2010/main" val="2180814512"/>
       </p:ext>
     </p:extLst>
   </p:cSld>
@@ -9505,7 +9258,7 @@
 </p:sld>
 </file>
 
-<file path=ppt/slides/slide8.xml><?xml version="1.0" encoding="utf-8"?>
+<file path=ppt/slides/slide7.xml><?xml version="1.0" encoding="utf-8"?>
 <p:sld xmlns:a="http://schemas.openxmlformats.org/drawingml/2006/main" xmlns:r="http://schemas.openxmlformats.org/officeDocument/2006/relationships" xmlns:p="http://schemas.openxmlformats.org/presentationml/2006/main">
   <p:cSld>
     <p:spTree>
@@ -9537,7 +9290,7 @@
         <p:spPr>
           <a:xfrm>
             <a:off x="0" y="0"/>
-            <a:ext cx="2168769" cy="6858000"/>
+            <a:ext cx="1465385" cy="6858000"/>
           </a:xfrm>
           <a:prstGeom prst="rect">
             <a:avLst/>
@@ -9585,10 +9338,10 @@
         </p:nvGrpSpPr>
         <p:grpSpPr>
           <a:xfrm>
-            <a:off x="2461846" y="314609"/>
-            <a:ext cx="9482504" cy="2065013"/>
+            <a:off x="1465385" y="314609"/>
+            <a:ext cx="10582605" cy="5676635"/>
             <a:chOff x="2709496" y="514260"/>
-            <a:chExt cx="9482504" cy="2065013"/>
+            <a:chExt cx="9576289" cy="5676635"/>
           </a:xfrm>
         </p:grpSpPr>
         <p:sp>
@@ -9605,8 +9358,8 @@
           </p:nvSpPr>
           <p:spPr>
             <a:xfrm>
-              <a:off x="2803281" y="2159286"/>
-              <a:ext cx="9122019" cy="419987"/>
+              <a:off x="2803281" y="1409009"/>
+              <a:ext cx="9482504" cy="4781886"/>
             </a:xfrm>
             <a:prstGeom prst="rect">
               <a:avLst/>
@@ -9618,6 +9371,553 @@
               <a:spAutoFit/>
             </a:bodyPr>
             <a:lstStyle/>
+            <a:p>
+              <a:pPr algn="just">
+                <a:lnSpc>
+                  <a:spcPct val="150000"/>
+                </a:lnSpc>
+              </a:pPr>
+              <a:r>
+                <a:rPr lang="en-US" sz="1600" dirty="0">
+                  <a:solidFill>
+                    <a:schemeClr val="tx1">
+                      <a:lumMod val="85000"/>
+                      <a:lumOff val="15000"/>
+                    </a:schemeClr>
+                  </a:solidFill>
+                  <a:latin typeface="Tahoma" panose="020B0604030504040204" pitchFamily="34" charset="0"/>
+                  <a:ea typeface="Tahoma" panose="020B0604030504040204" pitchFamily="34" charset="0"/>
+                  <a:cs typeface="Tahoma" panose="020B0604030504040204" pitchFamily="34" charset="0"/>
+                </a:rPr>
+                <a:t>When I first deployed my application to the server, I was using Next.js for the first time. I was familiar with React.js, but I chose Next.js for its easy routes.</a:t>
+              </a:r>
+            </a:p>
+            <a:p>
+              <a:pPr algn="just">
+                <a:lnSpc>
+                  <a:spcPct val="150000"/>
+                </a:lnSpc>
+                <a:spcBef>
+                  <a:spcPts val="600"/>
+                </a:spcBef>
+              </a:pPr>
+              <a:r>
+                <a:rPr lang="en-US" sz="1600" dirty="0">
+                  <a:solidFill>
+                    <a:schemeClr val="tx1">
+                      <a:lumMod val="85000"/>
+                      <a:lumOff val="15000"/>
+                    </a:schemeClr>
+                  </a:solidFill>
+                  <a:latin typeface="Tahoma" panose="020B0604030504040204" pitchFamily="34" charset="0"/>
+                  <a:ea typeface="Tahoma" panose="020B0604030504040204" pitchFamily="34" charset="0"/>
+                  <a:cs typeface="Tahoma" panose="020B0604030504040204" pitchFamily="34" charset="0"/>
+                </a:rPr>
+                <a:t>Integrating Flask with Next.js: I initially tried to integrate Flask with Next.js, In the end, I decided to keep them separate and call the APIs from the front-end. This was a more straightforward solution and it worked perfectly.</a:t>
+              </a:r>
+            </a:p>
+            <a:p>
+              <a:pPr algn="just">
+                <a:lnSpc>
+                  <a:spcPct val="150000"/>
+                </a:lnSpc>
+                <a:spcBef>
+                  <a:spcPts val="600"/>
+                </a:spcBef>
+              </a:pPr>
+              <a:r>
+                <a:rPr lang="en-US" sz="1600" dirty="0">
+                  <a:solidFill>
+                    <a:schemeClr val="tx1">
+                      <a:lumMod val="85000"/>
+                      <a:lumOff val="15000"/>
+                    </a:schemeClr>
+                  </a:solidFill>
+                  <a:latin typeface="Tahoma" panose="020B0604030504040204" pitchFamily="34" charset="0"/>
+                  <a:ea typeface="Tahoma" panose="020B0604030504040204" pitchFamily="34" charset="0"/>
+                  <a:cs typeface="Tahoma" panose="020B0604030504040204" pitchFamily="34" charset="0"/>
+                </a:rPr>
+                <a:t>Deploying the application: When I first deployed the entire application to the server, it was too heavy and would crash. This was because the back-end and front-end were both running on the same server. In the end, I moved the Front-End to </a:t>
+              </a:r>
+              <a:r>
+                <a:rPr lang="en-US" sz="1600" dirty="0" err="1">
+                  <a:solidFill>
+                    <a:schemeClr val="tx1">
+                      <a:lumMod val="85000"/>
+                      <a:lumOff val="15000"/>
+                    </a:schemeClr>
+                  </a:solidFill>
+                  <a:latin typeface="Tahoma" panose="020B0604030504040204" pitchFamily="34" charset="0"/>
+                  <a:ea typeface="Tahoma" panose="020B0604030504040204" pitchFamily="34" charset="0"/>
+                  <a:cs typeface="Tahoma" panose="020B0604030504040204" pitchFamily="34" charset="0"/>
+                </a:rPr>
+                <a:t>Vercel</a:t>
+              </a:r>
+              <a:r>
+                <a:rPr lang="en-US" sz="1600" dirty="0">
+                  <a:solidFill>
+                    <a:schemeClr val="tx1">
+                      <a:lumMod val="85000"/>
+                      <a:lumOff val="15000"/>
+                    </a:schemeClr>
+                  </a:solidFill>
+                  <a:latin typeface="Tahoma" panose="020B0604030504040204" pitchFamily="34" charset="0"/>
+                  <a:ea typeface="Tahoma" panose="020B0604030504040204" pitchFamily="34" charset="0"/>
+                  <a:cs typeface="Tahoma" panose="020B0604030504040204" pitchFamily="34" charset="0"/>
+                </a:rPr>
+                <a:t>, which is a cloud-based hosting platform that is optimized for static websites. This solved the problem and the website now works perfectly.</a:t>
+              </a:r>
+            </a:p>
+            <a:p>
+              <a:pPr algn="just">
+                <a:lnSpc>
+                  <a:spcPct val="150000"/>
+                </a:lnSpc>
+                <a:spcBef>
+                  <a:spcPts val="600"/>
+                </a:spcBef>
+              </a:pPr>
+              <a:r>
+                <a:rPr lang="en-US" sz="1600" dirty="0">
+                  <a:solidFill>
+                    <a:schemeClr val="tx1">
+                      <a:lumMod val="85000"/>
+                      <a:lumOff val="15000"/>
+                    </a:schemeClr>
+                  </a:solidFill>
+                  <a:latin typeface="Tahoma" panose="020B0604030504040204" pitchFamily="34" charset="0"/>
+                  <a:ea typeface="Tahoma" panose="020B0604030504040204" pitchFamily="34" charset="0"/>
+                  <a:cs typeface="Tahoma" panose="020B0604030504040204" pitchFamily="34" charset="0"/>
+                </a:rPr>
+                <a:t>When I moved the Front-End to </a:t>
+              </a:r>
+              <a:r>
+                <a:rPr lang="en-US" sz="1600" dirty="0" err="1">
+                  <a:solidFill>
+                    <a:schemeClr val="tx1">
+                      <a:lumMod val="85000"/>
+                      <a:lumOff val="15000"/>
+                    </a:schemeClr>
+                  </a:solidFill>
+                  <a:latin typeface="Tahoma" panose="020B0604030504040204" pitchFamily="34" charset="0"/>
+                  <a:ea typeface="Tahoma" panose="020B0604030504040204" pitchFamily="34" charset="0"/>
+                  <a:cs typeface="Tahoma" panose="020B0604030504040204" pitchFamily="34" charset="0"/>
+                </a:rPr>
+                <a:t>Vercel</a:t>
+              </a:r>
+              <a:r>
+                <a:rPr lang="en-US" sz="1600" dirty="0">
+                  <a:solidFill>
+                    <a:schemeClr val="tx1">
+                      <a:lumMod val="85000"/>
+                      <a:lumOff val="15000"/>
+                    </a:schemeClr>
+                  </a:solidFill>
+                  <a:latin typeface="Tahoma" panose="020B0604030504040204" pitchFamily="34" charset="0"/>
+                  <a:ea typeface="Tahoma" panose="020B0604030504040204" pitchFamily="34" charset="0"/>
+                  <a:cs typeface="Tahoma" panose="020B0604030504040204" pitchFamily="34" charset="0"/>
+                </a:rPr>
+                <a:t> and left the Back-End on the server, the problem was solved and the website worked efficiently and quickly.</a:t>
+              </a:r>
+            </a:p>
+            <a:p>
+              <a:pPr algn="just">
+                <a:lnSpc>
+                  <a:spcPct val="150000"/>
+                </a:lnSpc>
+                <a:spcBef>
+                  <a:spcPts val="600"/>
+                </a:spcBef>
+              </a:pPr>
+              <a:r>
+                <a:rPr lang="en-US" sz="1600" dirty="0">
+                  <a:solidFill>
+                    <a:schemeClr val="tx1">
+                      <a:lumMod val="85000"/>
+                      <a:lumOff val="15000"/>
+                    </a:schemeClr>
+                  </a:solidFill>
+                  <a:latin typeface="Tahoma" panose="020B0604030504040204" pitchFamily="34" charset="0"/>
+                  <a:ea typeface="Tahoma" panose="020B0604030504040204" pitchFamily="34" charset="0"/>
+                  <a:cs typeface="Tahoma" panose="020B0604030504040204" pitchFamily="34" charset="0"/>
+                </a:rPr>
+                <a:t>I am happy that I was able to overcome these challenges and successfully deploy my application. This experience has taught me a lot about integrating different technologies and deploying applications to the server.</a:t>
+              </a:r>
+            </a:p>
+          </p:txBody>
+        </p:sp>
+        <p:sp>
+          <p:nvSpPr>
+            <p:cNvPr id="8" name="TextBox 7">
+              <a:extLst>
+                <a:ext uri="{FF2B5EF4-FFF2-40B4-BE49-F238E27FC236}">
+                  <a16:creationId xmlns:a16="http://schemas.microsoft.com/office/drawing/2014/main" id="{0DF75B55-0139-C2F4-FBCE-2CE3C9FBDA6D}"/>
+                </a:ext>
+              </a:extLst>
+            </p:cNvPr>
+            <p:cNvSpPr txBox="1"/>
+            <p:nvPr/>
+          </p:nvSpPr>
+          <p:spPr>
+            <a:xfrm>
+              <a:off x="2709496" y="514260"/>
+              <a:ext cx="9482504" cy="707886"/>
+            </a:xfrm>
+            <a:prstGeom prst="rect">
+              <a:avLst/>
+            </a:prstGeom>
+            <a:noFill/>
+          </p:spPr>
+          <p:txBody>
+            <a:bodyPr wrap="square">
+              <a:spAutoFit/>
+            </a:bodyPr>
+            <a:lstStyle/>
+            <a:p>
+              <a:r>
+                <a:rPr lang="en-US" sz="4000" b="1" dirty="0">
+                  <a:solidFill>
+                    <a:schemeClr val="accent3"/>
+                  </a:solidFill>
+                  <a:latin typeface="Tahoma" panose="020B0604030504040204" pitchFamily="34" charset="0"/>
+                  <a:ea typeface="Tahoma" panose="020B0604030504040204" pitchFamily="34" charset="0"/>
+                  <a:cs typeface="Tahoma" panose="020B0604030504040204" pitchFamily="34" charset="0"/>
+                </a:rPr>
+                <a:t>Challenge(s) overcome</a:t>
+              </a:r>
+            </a:p>
+          </p:txBody>
+        </p:sp>
+      </p:grpSp>
+    </p:spTree>
+    <p:extLst>
+      <p:ext uri="{BB962C8B-B14F-4D97-AF65-F5344CB8AC3E}">
+        <p14:creationId xmlns:p14="http://schemas.microsoft.com/office/powerpoint/2010/main" val="3693579297"/>
+      </p:ext>
+    </p:extLst>
+  </p:cSld>
+  <p:clrMapOvr>
+    <a:masterClrMapping/>
+  </p:clrMapOvr>
+</p:sld>
+</file>
+
+<file path=ppt/slides/slide8.xml><?xml version="1.0" encoding="utf-8"?>
+<p:sld xmlns:a="http://schemas.openxmlformats.org/drawingml/2006/main" xmlns:r="http://schemas.openxmlformats.org/officeDocument/2006/relationships" xmlns:p="http://schemas.openxmlformats.org/presentationml/2006/main">
+  <p:cSld>
+    <p:spTree>
+      <p:nvGrpSpPr>
+        <p:cNvPr id="1" name=""/>
+        <p:cNvGrpSpPr/>
+        <p:nvPr/>
+      </p:nvGrpSpPr>
+      <p:grpSpPr>
+        <a:xfrm>
+          <a:off x="0" y="0"/>
+          <a:ext cx="0" cy="0"/>
+          <a:chOff x="0" y="0"/>
+          <a:chExt cx="0" cy="0"/>
+        </a:xfrm>
+      </p:grpSpPr>
+      <p:grpSp>
+        <p:nvGrpSpPr>
+          <p:cNvPr id="9" name="Group 8">
+            <a:extLst>
+              <a:ext uri="{FF2B5EF4-FFF2-40B4-BE49-F238E27FC236}">
+                <a16:creationId xmlns:a16="http://schemas.microsoft.com/office/drawing/2014/main" id="{0DCD600D-2787-4AE5-8930-4472401E1896}"/>
+              </a:ext>
+            </a:extLst>
+          </p:cNvPr>
+          <p:cNvGrpSpPr/>
+          <p:nvPr/>
+        </p:nvGrpSpPr>
+        <p:grpSpPr>
+          <a:xfrm>
+            <a:off x="1629508" y="138763"/>
+            <a:ext cx="10314842" cy="6536213"/>
+            <a:chOff x="2709496" y="338414"/>
+            <a:chExt cx="9482504" cy="6536213"/>
+          </a:xfrm>
+        </p:grpSpPr>
+        <p:sp>
+          <p:nvSpPr>
+            <p:cNvPr id="4" name="TextBox 3">
+              <a:extLst>
+                <a:ext uri="{FF2B5EF4-FFF2-40B4-BE49-F238E27FC236}">
+                  <a16:creationId xmlns:a16="http://schemas.microsoft.com/office/drawing/2014/main" id="{76040480-6EB5-CE24-5716-9F94891D204A}"/>
+                </a:ext>
+              </a:extLst>
+            </p:cNvPr>
+            <p:cNvSpPr txBox="1"/>
+            <p:nvPr/>
+          </p:nvSpPr>
+          <p:spPr>
+            <a:xfrm>
+              <a:off x="2803281" y="1661853"/>
+              <a:ext cx="9122019" cy="5212774"/>
+            </a:xfrm>
+            <a:prstGeom prst="rect">
+              <a:avLst/>
+            </a:prstGeom>
+            <a:noFill/>
+          </p:spPr>
+          <p:txBody>
+            <a:bodyPr wrap="square">
+              <a:spAutoFit/>
+            </a:bodyPr>
+            <a:lstStyle/>
+            <a:p>
+              <a:pPr marL="342900" indent="-342900">
+                <a:lnSpc>
+                  <a:spcPct val="150000"/>
+                </a:lnSpc>
+                <a:buFont typeface="+mj-lt"/>
+                <a:buAutoNum type="arabicParenR"/>
+              </a:pPr>
+              <a:r>
+                <a:rPr lang="en-US" sz="1600" b="0" i="0" dirty="0">
+                  <a:solidFill>
+                    <a:schemeClr val="tx1">
+                      <a:lumMod val="85000"/>
+                      <a:lumOff val="15000"/>
+                    </a:schemeClr>
+                  </a:solidFill>
+                  <a:effectLst/>
+                  <a:latin typeface="Tahoma" panose="020B0604030504040204" pitchFamily="34" charset="0"/>
+                  <a:ea typeface="Tahoma" panose="020B0604030504040204" pitchFamily="34" charset="0"/>
+                  <a:cs typeface="Tahoma" panose="020B0604030504040204" pitchFamily="34" charset="0"/>
+                </a:rPr>
+                <a:t>Learn </a:t>
+              </a:r>
+              <a:r>
+                <a:rPr lang="en-US" sz="1600" b="0" i="0" dirty="0" err="1">
+                  <a:solidFill>
+                    <a:schemeClr val="tx1">
+                      <a:lumMod val="85000"/>
+                      <a:lumOff val="15000"/>
+                    </a:schemeClr>
+                  </a:solidFill>
+                  <a:effectLst/>
+                  <a:latin typeface="Tahoma" panose="020B0604030504040204" pitchFamily="34" charset="0"/>
+                  <a:ea typeface="Tahoma" panose="020B0604030504040204" pitchFamily="34" charset="0"/>
+                  <a:cs typeface="Tahoma" panose="020B0604030504040204" pitchFamily="34" charset="0"/>
+                </a:rPr>
+                <a:t>Nextjs</a:t>
+              </a:r>
+              <a:r>
+                <a:rPr lang="en-US" sz="1600" b="0" i="0" dirty="0">
+                  <a:solidFill>
+                    <a:schemeClr val="tx1">
+                      <a:lumMod val="85000"/>
+                      <a:lumOff val="15000"/>
+                    </a:schemeClr>
+                  </a:solidFill>
+                  <a:effectLst/>
+                  <a:latin typeface="Tahoma" panose="020B0604030504040204" pitchFamily="34" charset="0"/>
+                  <a:ea typeface="Tahoma" panose="020B0604030504040204" pitchFamily="34" charset="0"/>
+                  <a:cs typeface="Tahoma" panose="020B0604030504040204" pitchFamily="34" charset="0"/>
+                </a:rPr>
+                <a:t>.</a:t>
+              </a:r>
+            </a:p>
+            <a:p>
+              <a:pPr marL="342900" indent="-342900">
+                <a:lnSpc>
+                  <a:spcPct val="150000"/>
+                </a:lnSpc>
+                <a:buFont typeface="+mj-lt"/>
+                <a:buAutoNum type="arabicParenR"/>
+              </a:pPr>
+              <a:r>
+                <a:rPr lang="en-US" sz="1600" b="0" i="0" dirty="0">
+                  <a:solidFill>
+                    <a:schemeClr val="tx1">
+                      <a:lumMod val="85000"/>
+                      <a:lumOff val="15000"/>
+                    </a:schemeClr>
+                  </a:solidFill>
+                  <a:effectLst/>
+                  <a:latin typeface="Tahoma" panose="020B0604030504040204" pitchFamily="34" charset="0"/>
+                  <a:ea typeface="Tahoma" panose="020B0604030504040204" pitchFamily="34" charset="0"/>
+                  <a:cs typeface="Tahoma" panose="020B0604030504040204" pitchFamily="34" charset="0"/>
+                </a:rPr>
+                <a:t>Learn Flask.</a:t>
+              </a:r>
+            </a:p>
+            <a:p>
+              <a:pPr marL="342900" indent="-342900">
+                <a:lnSpc>
+                  <a:spcPct val="150000"/>
+                </a:lnSpc>
+                <a:buFont typeface="+mj-lt"/>
+                <a:buAutoNum type="arabicParenR"/>
+              </a:pPr>
+              <a:r>
+                <a:rPr lang="en-US" sz="1600" b="0" i="0" dirty="0">
+                  <a:solidFill>
+                    <a:schemeClr val="tx1">
+                      <a:lumMod val="85000"/>
+                      <a:lumOff val="15000"/>
+                    </a:schemeClr>
+                  </a:solidFill>
+                  <a:effectLst/>
+                  <a:latin typeface="Tahoma" panose="020B0604030504040204" pitchFamily="34" charset="0"/>
+                  <a:ea typeface="Tahoma" panose="020B0604030504040204" pitchFamily="34" charset="0"/>
+                  <a:cs typeface="Tahoma" panose="020B0604030504040204" pitchFamily="34" charset="0"/>
+                </a:rPr>
+                <a:t>Learn Python.</a:t>
+              </a:r>
+            </a:p>
+            <a:p>
+              <a:pPr marL="342900" indent="-342900">
+                <a:lnSpc>
+                  <a:spcPct val="150000"/>
+                </a:lnSpc>
+                <a:buFont typeface="+mj-lt"/>
+                <a:buAutoNum type="arabicParenR"/>
+              </a:pPr>
+              <a:r>
+                <a:rPr lang="en-US" sz="1600" b="0" i="0" dirty="0">
+                  <a:solidFill>
+                    <a:schemeClr val="tx1">
+                      <a:lumMod val="85000"/>
+                      <a:lumOff val="15000"/>
+                    </a:schemeClr>
+                  </a:solidFill>
+                  <a:effectLst/>
+                  <a:latin typeface="Tahoma" panose="020B0604030504040204" pitchFamily="34" charset="0"/>
+                  <a:ea typeface="Tahoma" panose="020B0604030504040204" pitchFamily="34" charset="0"/>
+                  <a:cs typeface="Tahoma" panose="020B0604030504040204" pitchFamily="34" charset="0"/>
+                </a:rPr>
+                <a:t>Learn APIs.</a:t>
+              </a:r>
+            </a:p>
+            <a:p>
+              <a:pPr marL="342900" indent="-342900">
+                <a:lnSpc>
+                  <a:spcPct val="150000"/>
+                </a:lnSpc>
+                <a:buFont typeface="+mj-lt"/>
+                <a:buAutoNum type="arabicParenR"/>
+              </a:pPr>
+              <a:r>
+                <a:rPr lang="en-US" sz="1600" b="0" i="0" dirty="0">
+                  <a:solidFill>
+                    <a:schemeClr val="tx1">
+                      <a:lumMod val="85000"/>
+                      <a:lumOff val="15000"/>
+                    </a:schemeClr>
+                  </a:solidFill>
+                  <a:effectLst/>
+                  <a:latin typeface="Tahoma" panose="020B0604030504040204" pitchFamily="34" charset="0"/>
+                  <a:ea typeface="Tahoma" panose="020B0604030504040204" pitchFamily="34" charset="0"/>
+                  <a:cs typeface="Tahoma" panose="020B0604030504040204" pitchFamily="34" charset="0"/>
+                </a:rPr>
+                <a:t>Learn MySQL.</a:t>
+              </a:r>
+            </a:p>
+            <a:p>
+              <a:pPr marL="342900" indent="-342900">
+                <a:lnSpc>
+                  <a:spcPct val="150000"/>
+                </a:lnSpc>
+                <a:buFont typeface="+mj-lt"/>
+                <a:buAutoNum type="arabicParenR"/>
+              </a:pPr>
+              <a:r>
+                <a:rPr lang="en-US" sz="1600" b="0" i="0" dirty="0">
+                  <a:solidFill>
+                    <a:schemeClr val="tx1">
+                      <a:lumMod val="85000"/>
+                      <a:lumOff val="15000"/>
+                    </a:schemeClr>
+                  </a:solidFill>
+                  <a:effectLst/>
+                  <a:latin typeface="Tahoma" panose="020B0604030504040204" pitchFamily="34" charset="0"/>
+                  <a:ea typeface="Tahoma" panose="020B0604030504040204" pitchFamily="34" charset="0"/>
+                  <a:cs typeface="Tahoma" panose="020B0604030504040204" pitchFamily="34" charset="0"/>
+                </a:rPr>
+                <a:t>Learn </a:t>
+              </a:r>
+              <a:r>
+                <a:rPr lang="en-US" sz="1600" b="0" i="0" dirty="0" err="1">
+                  <a:solidFill>
+                    <a:schemeClr val="tx1">
+                      <a:lumMod val="85000"/>
+                      <a:lumOff val="15000"/>
+                    </a:schemeClr>
+                  </a:solidFill>
+                  <a:effectLst/>
+                  <a:latin typeface="Tahoma" panose="020B0604030504040204" pitchFamily="34" charset="0"/>
+                  <a:ea typeface="Tahoma" panose="020B0604030504040204" pitchFamily="34" charset="0"/>
+                  <a:cs typeface="Tahoma" panose="020B0604030504040204" pitchFamily="34" charset="0"/>
+                </a:rPr>
+                <a:t>Sqlalchemy</a:t>
+              </a:r>
+              <a:r>
+                <a:rPr lang="en-US" sz="1600" b="0" i="0" dirty="0">
+                  <a:solidFill>
+                    <a:schemeClr val="tx1">
+                      <a:lumMod val="85000"/>
+                      <a:lumOff val="15000"/>
+                    </a:schemeClr>
+                  </a:solidFill>
+                  <a:effectLst/>
+                  <a:latin typeface="Tahoma" panose="020B0604030504040204" pitchFamily="34" charset="0"/>
+                  <a:ea typeface="Tahoma" panose="020B0604030504040204" pitchFamily="34" charset="0"/>
+                  <a:cs typeface="Tahoma" panose="020B0604030504040204" pitchFamily="34" charset="0"/>
+                </a:rPr>
+                <a:t> to handle databases.</a:t>
+              </a:r>
+            </a:p>
+            <a:p>
+              <a:pPr marL="342900" indent="-342900">
+                <a:lnSpc>
+                  <a:spcPct val="150000"/>
+                </a:lnSpc>
+                <a:buFont typeface="+mj-lt"/>
+                <a:buAutoNum type="arabicParenR"/>
+              </a:pPr>
+              <a:r>
+                <a:rPr lang="en-US" sz="1600" b="0" i="0" dirty="0">
+                  <a:solidFill>
+                    <a:schemeClr val="tx1">
+                      <a:lumMod val="85000"/>
+                      <a:lumOff val="15000"/>
+                    </a:schemeClr>
+                  </a:solidFill>
+                  <a:effectLst/>
+                  <a:latin typeface="Tahoma" panose="020B0604030504040204" pitchFamily="34" charset="0"/>
+                  <a:ea typeface="Tahoma" panose="020B0604030504040204" pitchFamily="34" charset="0"/>
+                  <a:cs typeface="Tahoma" panose="020B0604030504040204" pitchFamily="34" charset="0"/>
+                </a:rPr>
+                <a:t>Learn more about requests model and http headers usage.</a:t>
+              </a:r>
+            </a:p>
+            <a:p>
+              <a:pPr marL="342900" indent="-342900">
+                <a:lnSpc>
+                  <a:spcPct val="150000"/>
+                </a:lnSpc>
+                <a:buFont typeface="+mj-lt"/>
+                <a:buAutoNum type="arabicParenR"/>
+              </a:pPr>
+              <a:r>
+                <a:rPr lang="en-US" sz="1600" b="0" i="0" dirty="0">
+                  <a:solidFill>
+                    <a:schemeClr val="tx1">
+                      <a:lumMod val="85000"/>
+                      <a:lumOff val="15000"/>
+                    </a:schemeClr>
+                  </a:solidFill>
+                  <a:effectLst/>
+                  <a:latin typeface="Tahoma" panose="020B0604030504040204" pitchFamily="34" charset="0"/>
+                  <a:ea typeface="Tahoma" panose="020B0604030504040204" pitchFamily="34" charset="0"/>
+                  <a:cs typeface="Tahoma" panose="020B0604030504040204" pitchFamily="34" charset="0"/>
+                </a:rPr>
+                <a:t>Learn more about handling servers (Ubuntu) using:</a:t>
+              </a:r>
+            </a:p>
             <a:p>
               <a:pPr>
                 <a:lnSpc>
@@ -9637,19 +9937,209 @@
                   <a:ea typeface="Tahoma" panose="020B0604030504040204" pitchFamily="34" charset="0"/>
                   <a:cs typeface="Tahoma" panose="020B0604030504040204" pitchFamily="34" charset="0"/>
                 </a:rPr>
-                <a:t>1- </a:t>
+                <a:t>	Nginx, </a:t>
               </a:r>
-              <a:endParaRPr lang="en-US" sz="1600" dirty="0">
-                <a:solidFill>
-                  <a:schemeClr val="tx1">
-                    <a:lumMod val="85000"/>
-                    <a:lumOff val="15000"/>
-                  </a:schemeClr>
-                </a:solidFill>
-                <a:latin typeface="Tahoma" panose="020B0604030504040204" pitchFamily="34" charset="0"/>
-                <a:ea typeface="Tahoma" panose="020B0604030504040204" pitchFamily="34" charset="0"/>
-                <a:cs typeface="Tahoma" panose="020B0604030504040204" pitchFamily="34" charset="0"/>
-              </a:endParaRPr>
+              <a:r>
+                <a:rPr lang="en-US" sz="1600" b="0" i="0" dirty="0" err="1">
+                  <a:solidFill>
+                    <a:schemeClr val="tx1">
+                      <a:lumMod val="85000"/>
+                      <a:lumOff val="15000"/>
+                    </a:schemeClr>
+                  </a:solidFill>
+                  <a:effectLst/>
+                  <a:latin typeface="Tahoma" panose="020B0604030504040204" pitchFamily="34" charset="0"/>
+                  <a:ea typeface="Tahoma" panose="020B0604030504040204" pitchFamily="34" charset="0"/>
+                  <a:cs typeface="Tahoma" panose="020B0604030504040204" pitchFamily="34" charset="0"/>
+                </a:rPr>
+                <a:t>Gunicorn</a:t>
+              </a:r>
+              <a:r>
+                <a:rPr lang="en-US" sz="1600" b="0" i="0" dirty="0">
+                  <a:solidFill>
+                    <a:schemeClr val="tx1">
+                      <a:lumMod val="85000"/>
+                      <a:lumOff val="15000"/>
+                    </a:schemeClr>
+                  </a:solidFill>
+                  <a:effectLst/>
+                  <a:latin typeface="Tahoma" panose="020B0604030504040204" pitchFamily="34" charset="0"/>
+                  <a:ea typeface="Tahoma" panose="020B0604030504040204" pitchFamily="34" charset="0"/>
+                  <a:cs typeface="Tahoma" panose="020B0604030504040204" pitchFamily="34" charset="0"/>
+                </a:rPr>
+                <a:t>, Firewall, and Load balancer.</a:t>
+              </a:r>
+            </a:p>
+            <a:p>
+              <a:pPr marL="342900" indent="-342900">
+                <a:lnSpc>
+                  <a:spcPct val="150000"/>
+                </a:lnSpc>
+                <a:buFont typeface="+mj-lt"/>
+                <a:buAutoNum type="arabicParenR" startAt="9"/>
+              </a:pPr>
+              <a:r>
+                <a:rPr lang="en-US" sz="1600" dirty="0">
+                  <a:solidFill>
+                    <a:schemeClr val="tx1">
+                      <a:lumMod val="85000"/>
+                      <a:lumOff val="15000"/>
+                    </a:schemeClr>
+                  </a:solidFill>
+                  <a:latin typeface="Tahoma" panose="020B0604030504040204" pitchFamily="34" charset="0"/>
+                  <a:ea typeface="Tahoma" panose="020B0604030504040204" pitchFamily="34" charset="0"/>
+                  <a:cs typeface="Tahoma" panose="020B0604030504040204" pitchFamily="34" charset="0"/>
+                </a:rPr>
+                <a:t>Learn </a:t>
+              </a:r>
+              <a:r>
+                <a:rPr lang="en-US" sz="1600" dirty="0" err="1">
+                  <a:solidFill>
+                    <a:schemeClr val="tx1">
+                      <a:lumMod val="85000"/>
+                      <a:lumOff val="15000"/>
+                    </a:schemeClr>
+                  </a:solidFill>
+                  <a:latin typeface="Tahoma" panose="020B0604030504040204" pitchFamily="34" charset="0"/>
+                  <a:ea typeface="Tahoma" panose="020B0604030504040204" pitchFamily="34" charset="0"/>
+                  <a:cs typeface="Tahoma" panose="020B0604030504040204" pitchFamily="34" charset="0"/>
+                </a:rPr>
+                <a:t>Nextjs</a:t>
+              </a:r>
+              <a:r>
+                <a:rPr lang="en-US" sz="1600" dirty="0">
+                  <a:solidFill>
+                    <a:schemeClr val="tx1">
+                      <a:lumMod val="85000"/>
+                      <a:lumOff val="15000"/>
+                    </a:schemeClr>
+                  </a:solidFill>
+                  <a:latin typeface="Tahoma" panose="020B0604030504040204" pitchFamily="34" charset="0"/>
+                  <a:ea typeface="Tahoma" panose="020B0604030504040204" pitchFamily="34" charset="0"/>
+                  <a:cs typeface="Tahoma" panose="020B0604030504040204" pitchFamily="34" charset="0"/>
+                </a:rPr>
+                <a:t>.</a:t>
+              </a:r>
+            </a:p>
+            <a:p>
+              <a:pPr marL="342900" indent="-342900">
+                <a:lnSpc>
+                  <a:spcPct val="150000"/>
+                </a:lnSpc>
+                <a:buFont typeface="+mj-lt"/>
+                <a:buAutoNum type="arabicParenR" startAt="9"/>
+              </a:pPr>
+              <a:r>
+                <a:rPr lang="en-US" sz="1600" dirty="0">
+                  <a:solidFill>
+                    <a:schemeClr val="tx1">
+                      <a:lumMod val="85000"/>
+                      <a:lumOff val="15000"/>
+                    </a:schemeClr>
+                  </a:solidFill>
+                  <a:latin typeface="Tahoma" panose="020B0604030504040204" pitchFamily="34" charset="0"/>
+                  <a:ea typeface="Tahoma" panose="020B0604030504040204" pitchFamily="34" charset="0"/>
+                  <a:cs typeface="Tahoma" panose="020B0604030504040204" pitchFamily="34" charset="0"/>
+                </a:rPr>
+                <a:t>Learn Firebase Storage to store images.</a:t>
+              </a:r>
+            </a:p>
+            <a:p>
+              <a:pPr marL="342900" indent="-342900">
+                <a:lnSpc>
+                  <a:spcPct val="150000"/>
+                </a:lnSpc>
+                <a:buFont typeface="+mj-lt"/>
+                <a:buAutoNum type="arabicParenR" startAt="9"/>
+              </a:pPr>
+              <a:r>
+                <a:rPr lang="en-US" sz="1600" dirty="0">
+                  <a:solidFill>
+                    <a:schemeClr val="tx1">
+                      <a:lumMod val="85000"/>
+                      <a:lumOff val="15000"/>
+                    </a:schemeClr>
+                  </a:solidFill>
+                  <a:latin typeface="Tahoma" panose="020B0604030504040204" pitchFamily="34" charset="0"/>
+                  <a:ea typeface="Tahoma" panose="020B0604030504040204" pitchFamily="34" charset="0"/>
+                  <a:cs typeface="Tahoma" panose="020B0604030504040204" pitchFamily="34" charset="0"/>
+                </a:rPr>
+                <a:t>Learn Tailwind CSS.</a:t>
+              </a:r>
+            </a:p>
+            <a:p>
+              <a:pPr marL="342900" indent="-342900">
+                <a:lnSpc>
+                  <a:spcPct val="150000"/>
+                </a:lnSpc>
+                <a:buFont typeface="+mj-lt"/>
+                <a:buAutoNum type="arabicParenR" startAt="9"/>
+              </a:pPr>
+              <a:r>
+                <a:rPr lang="en-US" sz="1600" dirty="0">
+                  <a:solidFill>
+                    <a:schemeClr val="tx1">
+                      <a:lumMod val="85000"/>
+                      <a:lumOff val="15000"/>
+                    </a:schemeClr>
+                  </a:solidFill>
+                  <a:latin typeface="Tahoma" panose="020B0604030504040204" pitchFamily="34" charset="0"/>
+                  <a:ea typeface="Tahoma" panose="020B0604030504040204" pitchFamily="34" charset="0"/>
+                  <a:cs typeface="Tahoma" panose="020B0604030504040204" pitchFamily="34" charset="0"/>
+                </a:rPr>
+                <a:t>Learn </a:t>
+              </a:r>
+              <a:r>
+                <a:rPr lang="en-US" sz="1600" dirty="0" err="1">
+                  <a:solidFill>
+                    <a:schemeClr val="tx1">
+                      <a:lumMod val="85000"/>
+                      <a:lumOff val="15000"/>
+                    </a:schemeClr>
+                  </a:solidFill>
+                  <a:latin typeface="Tahoma" panose="020B0604030504040204" pitchFamily="34" charset="0"/>
+                  <a:ea typeface="Tahoma" panose="020B0604030504040204" pitchFamily="34" charset="0"/>
+                  <a:cs typeface="Tahoma" panose="020B0604030504040204" pitchFamily="34" charset="0"/>
+                </a:rPr>
+                <a:t>Axios</a:t>
+              </a:r>
+              <a:r>
+                <a:rPr lang="en-US" sz="1600" dirty="0">
+                  <a:solidFill>
+                    <a:schemeClr val="tx1">
+                      <a:lumMod val="85000"/>
+                      <a:lumOff val="15000"/>
+                    </a:schemeClr>
+                  </a:solidFill>
+                  <a:latin typeface="Tahoma" panose="020B0604030504040204" pitchFamily="34" charset="0"/>
+                  <a:ea typeface="Tahoma" panose="020B0604030504040204" pitchFamily="34" charset="0"/>
+                  <a:cs typeface="Tahoma" panose="020B0604030504040204" pitchFamily="34" charset="0"/>
+                </a:rPr>
+                <a:t> to handle requests from Front-End to Back-End.</a:t>
+              </a:r>
+            </a:p>
+            <a:p>
+              <a:pPr marL="342900" indent="-342900">
+                <a:lnSpc>
+                  <a:spcPct val="150000"/>
+                </a:lnSpc>
+                <a:buFont typeface="+mj-lt"/>
+                <a:buAutoNum type="arabicParenR" startAt="9"/>
+              </a:pPr>
+              <a:r>
+                <a:rPr lang="en-US" sz="1600" dirty="0">
+                  <a:solidFill>
+                    <a:schemeClr val="tx1">
+                      <a:lumMod val="85000"/>
+                      <a:lumOff val="15000"/>
+                    </a:schemeClr>
+                  </a:solidFill>
+                  <a:latin typeface="Tahoma" panose="020B0604030504040204" pitchFamily="34" charset="0"/>
+                  <a:ea typeface="Tahoma" panose="020B0604030504040204" pitchFamily="34" charset="0"/>
+                  <a:cs typeface="Tahoma" panose="020B0604030504040204" pitchFamily="34" charset="0"/>
+                </a:rPr>
+                <a:t>Learn a little about E-Commerce business. </a:t>
+              </a:r>
             </a:p>
           </p:txBody>
         </p:sp>
@@ -9667,8 +10157,8 @@
           </p:nvSpPr>
           <p:spPr>
             <a:xfrm>
-              <a:off x="2709496" y="514260"/>
-              <a:ext cx="9482504" cy="1200329"/>
+              <a:off x="2709496" y="338414"/>
+              <a:ext cx="9482504" cy="1323439"/>
             </a:xfrm>
             <a:prstGeom prst="rect">
               <a:avLst/>
@@ -9682,7 +10172,7 @@
             <a:lstStyle/>
             <a:p>
               <a:r>
-                <a:rPr lang="en-US" sz="3600" b="1" i="0" dirty="0">
+                <a:rPr lang="en-US" sz="4000" b="1" i="0" dirty="0">
                   <a:solidFill>
                     <a:schemeClr val="accent3"/>
                   </a:solidFill>
@@ -9691,9 +10181,9 @@
                   <a:ea typeface="Tahoma" panose="020B0604030504040204" pitchFamily="34" charset="0"/>
                   <a:cs typeface="Tahoma" panose="020B0604030504040204" pitchFamily="34" charset="0"/>
                 </a:rPr>
-                <a:t>Discussion of process, collaboration and timeline</a:t>
+                <a:t>Learnings about technical interests as a result of this project</a:t>
               </a:r>
-              <a:endParaRPr lang="en-US" sz="3600" dirty="0">
+              <a:endParaRPr lang="en-US" sz="4000" dirty="0">
                 <a:solidFill>
                   <a:schemeClr val="accent3"/>
                 </a:solidFill>
@@ -9705,10 +10195,59 @@
           </p:txBody>
         </p:sp>
       </p:grpSp>
+      <p:sp>
+        <p:nvSpPr>
+          <p:cNvPr id="3" name="Rectangle 2">
+            <a:extLst>
+              <a:ext uri="{FF2B5EF4-FFF2-40B4-BE49-F238E27FC236}">
+                <a16:creationId xmlns:a16="http://schemas.microsoft.com/office/drawing/2014/main" id="{DEB929E4-895C-5A62-E681-892F42E85794}"/>
+              </a:ext>
+            </a:extLst>
+          </p:cNvPr>
+          <p:cNvSpPr/>
+          <p:nvPr/>
+        </p:nvSpPr>
+        <p:spPr>
+          <a:xfrm>
+            <a:off x="0" y="0"/>
+            <a:ext cx="1465385" cy="6858000"/>
+          </a:xfrm>
+          <a:prstGeom prst="rect">
+            <a:avLst/>
+          </a:prstGeom>
+          <a:ln>
+            <a:noFill/>
+          </a:ln>
+        </p:spPr>
+        <p:style>
+          <a:lnRef idx="2">
+            <a:schemeClr val="accent1">
+              <a:shade val="15000"/>
+            </a:schemeClr>
+          </a:lnRef>
+          <a:fillRef idx="1">
+            <a:schemeClr val="accent1"/>
+          </a:fillRef>
+          <a:effectRef idx="0">
+            <a:schemeClr val="accent1"/>
+          </a:effectRef>
+          <a:fontRef idx="minor">
+            <a:schemeClr val="lt1"/>
+          </a:fontRef>
+        </p:style>
+        <p:txBody>
+          <a:bodyPr rtlCol="0" anchor="ctr"/>
+          <a:lstStyle/>
+          <a:p>
+            <a:pPr algn="ctr"/>
+            <a:endParaRPr lang="en-US"/>
+          </a:p>
+        </p:txBody>
+      </p:sp>
     </p:spTree>
     <p:extLst>
       <p:ext uri="{BB962C8B-B14F-4D97-AF65-F5344CB8AC3E}">
-        <p14:creationId xmlns:p14="http://schemas.microsoft.com/office/powerpoint/2010/main" val="2180814512"/>
+        <p14:creationId xmlns:p14="http://schemas.microsoft.com/office/powerpoint/2010/main" val="973948635"/>
       </p:ext>
     </p:extLst>
   </p:cSld>
@@ -9750,7 +10289,7 @@
         <p:spPr>
           <a:xfrm>
             <a:off x="0" y="0"/>
-            <a:ext cx="2168769" cy="6858000"/>
+            <a:ext cx="3111016" cy="6858000"/>
           </a:xfrm>
           <a:prstGeom prst="rect">
             <a:avLst/>
@@ -9798,10 +10337,10 @@
         </p:nvGrpSpPr>
         <p:grpSpPr>
           <a:xfrm>
-            <a:off x="2461846" y="314609"/>
-            <a:ext cx="9482504" cy="2065013"/>
-            <a:chOff x="2709496" y="514260"/>
-            <a:chExt cx="9482504" cy="2065013"/>
+            <a:off x="3492011" y="1573481"/>
+            <a:ext cx="7996603" cy="3099357"/>
+            <a:chOff x="6096000" y="537153"/>
+            <a:chExt cx="6096000" cy="3099357"/>
           </a:xfrm>
         </p:grpSpPr>
         <p:sp>
@@ -9818,8 +10357,8 @@
           </p:nvSpPr>
           <p:spPr>
             <a:xfrm>
-              <a:off x="2803281" y="2159286"/>
-              <a:ext cx="9122019" cy="419987"/>
+              <a:off x="6096000" y="1995163"/>
+              <a:ext cx="5829300" cy="1641347"/>
             </a:xfrm>
             <a:prstGeom prst="rect">
               <a:avLst/>
@@ -9838,7 +10377,7 @@
                 </a:lnSpc>
               </a:pPr>
               <a:r>
-                <a:rPr lang="en-US" sz="1600" b="0" i="0" dirty="0">
+                <a:rPr lang="en-US" sz="3600" b="0" i="0" dirty="0">
                   <a:solidFill>
                     <a:schemeClr val="tx1">
                       <a:lumMod val="85000"/>
@@ -9849,10 +10388,11 @@
                   <a:latin typeface="Tahoma" panose="020B0604030504040204" pitchFamily="34" charset="0"/>
                   <a:ea typeface="Tahoma" panose="020B0604030504040204" pitchFamily="34" charset="0"/>
                   <a:cs typeface="Tahoma" panose="020B0604030504040204" pitchFamily="34" charset="0"/>
+                  <a:hlinkClick r:id="rId2"/>
                 </a:rPr>
-                <a:t>1- </a:t>
+                <a:t>https://www.mahmoudeasa.tech/</a:t>
               </a:r>
-              <a:endParaRPr lang="en-US" sz="1600" dirty="0">
+              <a:endParaRPr lang="en-US" sz="3600" dirty="0">
                 <a:solidFill>
                   <a:schemeClr val="tx1">
                     <a:lumMod val="85000"/>
@@ -9880,8 +10420,8 @@
           </p:nvSpPr>
           <p:spPr>
             <a:xfrm>
-              <a:off x="2709496" y="514260"/>
-              <a:ext cx="9482504" cy="646331"/>
+              <a:off x="6096000" y="537153"/>
+              <a:ext cx="6096000" cy="1107996"/>
             </a:xfrm>
             <a:prstGeom prst="rect">
               <a:avLst/>
@@ -9895,7 +10435,7 @@
             <a:lstStyle/>
             <a:p>
               <a:r>
-                <a:rPr lang="en-US" sz="3600" b="1" i="0" dirty="0">
+                <a:rPr lang="en-US" sz="6600" b="1" i="0" dirty="0">
                   <a:solidFill>
                     <a:schemeClr val="accent3"/>
                   </a:solidFill>
@@ -9904,9 +10444,9 @@
                   <a:ea typeface="Tahoma" panose="020B0604030504040204" pitchFamily="34" charset="0"/>
                   <a:cs typeface="Tahoma" panose="020B0604030504040204" pitchFamily="34" charset="0"/>
                 </a:rPr>
-                <a:t>Challenge(s) overcome</a:t>
+                <a:t>Live Demo</a:t>
               </a:r>
-              <a:endParaRPr lang="en-US" sz="3600" dirty="0">
+              <a:endParaRPr lang="en-US" sz="6600" dirty="0">
                 <a:solidFill>
                   <a:schemeClr val="accent3"/>
                 </a:solidFill>
@@ -9918,10 +10458,53 @@
           </p:txBody>
         </p:sp>
       </p:grpSp>
+      <p:pic>
+        <p:nvPicPr>
+          <p:cNvPr id="11" name="Picture 10">
+            <a:extLst>
+              <a:ext uri="{FF2B5EF4-FFF2-40B4-BE49-F238E27FC236}">
+                <a16:creationId xmlns:a16="http://schemas.microsoft.com/office/drawing/2014/main" id="{FDCFA835-2D93-6A2B-6C0E-CE368C9F496F}"/>
+              </a:ext>
+            </a:extLst>
+          </p:cNvPr>
+          <p:cNvPicPr>
+            <a:picLocks noChangeAspect="1"/>
+          </p:cNvPicPr>
+          <p:nvPr/>
+        </p:nvPicPr>
+        <p:blipFill>
+          <a:blip r:embed="rId3"/>
+          <a:stretch>
+            <a:fillRect/>
+          </a:stretch>
+        </p:blipFill>
+        <p:spPr>
+          <a:xfrm>
+            <a:off x="24064" y="24064"/>
+            <a:ext cx="3068052" cy="5314827"/>
+          </a:xfrm>
+          <a:prstGeom prst="roundRect">
+            <a:avLst>
+              <a:gd name="adj" fmla="val 8594"/>
+            </a:avLst>
+          </a:prstGeom>
+          <a:solidFill>
+            <a:srgbClr val="FFFFFF">
+              <a:shade val="85000"/>
+            </a:srgbClr>
+          </a:solidFill>
+          <a:ln>
+            <a:noFill/>
+          </a:ln>
+          <a:effectLst>
+            <a:reflection blurRad="12700" stA="38000" endPos="28000" dist="5000" dir="5400000" sy="-100000" algn="bl" rotWithShape="0"/>
+          </a:effectLst>
+        </p:spPr>
+      </p:pic>
     </p:spTree>
     <p:extLst>
       <p:ext uri="{BB962C8B-B14F-4D97-AF65-F5344CB8AC3E}">
-        <p14:creationId xmlns:p14="http://schemas.microsoft.com/office/powerpoint/2010/main" val="3693579297"/>
+        <p14:creationId xmlns:p14="http://schemas.microsoft.com/office/powerpoint/2010/main" val="1039402985"/>
       </p:ext>
     </p:extLst>
   </p:cSld>

--- a/E-commerce_Presentation.pptx
+++ b/E-commerce_Presentation.pptx
@@ -207,7 +207,7 @@
           <a:p>
             <a:fld id="{D4365C11-C22B-4E73-BA02-6E82495EF0DB}" type="datetimeFigureOut">
               <a:rPr lang="en-US" smtClean="0"/>
-              <a:t>12/8/2023</a:t>
+              <a:t>12/9/2023</a:t>
             </a:fld>
             <a:endParaRPr lang="en-US"/>
           </a:p>
@@ -621,7 +621,7 @@
           <a:p>
             <a:fld id="{F72D7134-1611-4EAD-B11D-B2AF89BF2437}" type="datetimeFigureOut">
               <a:rPr lang="en-US" smtClean="0"/>
-              <a:t>12/8/2023</a:t>
+              <a:t>12/9/2023</a:t>
             </a:fld>
             <a:endParaRPr lang="en-US"/>
           </a:p>
@@ -819,7 +819,7 @@
           <a:p>
             <a:fld id="{F72D7134-1611-4EAD-B11D-B2AF89BF2437}" type="datetimeFigureOut">
               <a:rPr lang="en-US" smtClean="0"/>
-              <a:t>12/8/2023</a:t>
+              <a:t>12/9/2023</a:t>
             </a:fld>
             <a:endParaRPr lang="en-US"/>
           </a:p>
@@ -1027,7 +1027,7 @@
           <a:p>
             <a:fld id="{F72D7134-1611-4EAD-B11D-B2AF89BF2437}" type="datetimeFigureOut">
               <a:rPr lang="en-US" smtClean="0"/>
-              <a:t>12/8/2023</a:t>
+              <a:t>12/9/2023</a:t>
             </a:fld>
             <a:endParaRPr lang="en-US"/>
           </a:p>
@@ -1225,7 +1225,7 @@
           <a:p>
             <a:fld id="{F72D7134-1611-4EAD-B11D-B2AF89BF2437}" type="datetimeFigureOut">
               <a:rPr lang="en-US" smtClean="0"/>
-              <a:t>12/8/2023</a:t>
+              <a:t>12/9/2023</a:t>
             </a:fld>
             <a:endParaRPr lang="en-US"/>
           </a:p>
@@ -1500,7 +1500,7 @@
           <a:p>
             <a:fld id="{F72D7134-1611-4EAD-B11D-B2AF89BF2437}" type="datetimeFigureOut">
               <a:rPr lang="en-US" smtClean="0"/>
-              <a:t>12/8/2023</a:t>
+              <a:t>12/9/2023</a:t>
             </a:fld>
             <a:endParaRPr lang="en-US"/>
           </a:p>
@@ -1765,7 +1765,7 @@
           <a:p>
             <a:fld id="{F72D7134-1611-4EAD-B11D-B2AF89BF2437}" type="datetimeFigureOut">
               <a:rPr lang="en-US" smtClean="0"/>
-              <a:t>12/8/2023</a:t>
+              <a:t>12/9/2023</a:t>
             </a:fld>
             <a:endParaRPr lang="en-US"/>
           </a:p>
@@ -2177,7 +2177,7 @@
           <a:p>
             <a:fld id="{F72D7134-1611-4EAD-B11D-B2AF89BF2437}" type="datetimeFigureOut">
               <a:rPr lang="en-US" smtClean="0"/>
-              <a:t>12/8/2023</a:t>
+              <a:t>12/9/2023</a:t>
             </a:fld>
             <a:endParaRPr lang="en-US"/>
           </a:p>
@@ -2318,7 +2318,7 @@
           <a:p>
             <a:fld id="{F72D7134-1611-4EAD-B11D-B2AF89BF2437}" type="datetimeFigureOut">
               <a:rPr lang="en-US" smtClean="0"/>
-              <a:t>12/8/2023</a:t>
+              <a:t>12/9/2023</a:t>
             </a:fld>
             <a:endParaRPr lang="en-US"/>
           </a:p>
@@ -2431,7 +2431,7 @@
           <a:p>
             <a:fld id="{F72D7134-1611-4EAD-B11D-B2AF89BF2437}" type="datetimeFigureOut">
               <a:rPr lang="en-US" smtClean="0"/>
-              <a:t>12/8/2023</a:t>
+              <a:t>12/9/2023</a:t>
             </a:fld>
             <a:endParaRPr lang="en-US"/>
           </a:p>
@@ -2742,7 +2742,7 @@
           <a:p>
             <a:fld id="{F72D7134-1611-4EAD-B11D-B2AF89BF2437}" type="datetimeFigureOut">
               <a:rPr lang="en-US" smtClean="0"/>
-              <a:t>12/8/2023</a:t>
+              <a:t>12/9/2023</a:t>
             </a:fld>
             <a:endParaRPr lang="en-US"/>
           </a:p>
@@ -3030,7 +3030,7 @@
           <a:p>
             <a:fld id="{F72D7134-1611-4EAD-B11D-B2AF89BF2437}" type="datetimeFigureOut">
               <a:rPr lang="en-US" smtClean="0"/>
-              <a:t>12/8/2023</a:t>
+              <a:t>12/9/2023</a:t>
             </a:fld>
             <a:endParaRPr lang="en-US"/>
           </a:p>
@@ -3271,7 +3271,7 @@
           <a:p>
             <a:fld id="{F72D7134-1611-4EAD-B11D-B2AF89BF2437}" type="datetimeFigureOut">
               <a:rPr lang="en-US" smtClean="0"/>
-              <a:t>12/8/2023</a:t>
+              <a:t>12/9/2023</a:t>
             </a:fld>
             <a:endParaRPr lang="en-US"/>
           </a:p>
@@ -5641,10 +5641,10 @@
       </p:grpSpPr>
       <p:pic>
         <p:nvPicPr>
-          <p:cNvPr id="4" name="Picture 3">
+          <p:cNvPr id="3" name="Picture 2">
             <a:extLst>
               <a:ext uri="{FF2B5EF4-FFF2-40B4-BE49-F238E27FC236}">
-                <a16:creationId xmlns:a16="http://schemas.microsoft.com/office/drawing/2014/main" id="{33A629DA-5447-F14A-1649-AC7AA373647A}"/>
+                <a16:creationId xmlns:a16="http://schemas.microsoft.com/office/drawing/2014/main" id="{AF112675-0A36-9233-A9CB-2CA577B20B3E}"/>
               </a:ext>
             </a:extLst>
           </p:cNvPr>
@@ -6248,56 +6248,6 @@
           <a:chExt cx="0" cy="0"/>
         </a:xfrm>
       </p:grpSpPr>
-      <p:sp>
-        <p:nvSpPr>
-          <p:cNvPr id="2" name="Rectangle 1">
-            <a:extLst>
-              <a:ext uri="{FF2B5EF4-FFF2-40B4-BE49-F238E27FC236}">
-                <a16:creationId xmlns:a16="http://schemas.microsoft.com/office/drawing/2014/main" id="{3D8D90D8-042E-4CF9-5789-EDEB831FF41C}"/>
-              </a:ext>
-            </a:extLst>
-          </p:cNvPr>
-          <p:cNvSpPr/>
-          <p:nvPr/>
-        </p:nvSpPr>
-        <p:spPr>
-          <a:xfrm>
-            <a:off x="6055301" y="0"/>
-            <a:ext cx="6136699" cy="6858000"/>
-          </a:xfrm>
-          <a:prstGeom prst="rect">
-            <a:avLst/>
-          </a:prstGeom>
-        </p:spPr>
-        <p:style>
-          <a:lnRef idx="2">
-            <a:schemeClr val="accent1">
-              <a:shade val="15000"/>
-            </a:schemeClr>
-          </a:lnRef>
-          <a:fillRef idx="1">
-            <a:schemeClr val="accent1"/>
-          </a:fillRef>
-          <a:effectRef idx="0">
-            <a:schemeClr val="accent1"/>
-          </a:effectRef>
-          <a:fontRef idx="minor">
-            <a:schemeClr val="lt1"/>
-          </a:fontRef>
-        </p:style>
-        <p:txBody>
-          <a:bodyPr rtlCol="0" anchor="ctr"/>
-          <a:lstStyle/>
-          <a:p>
-            <a:pPr algn="ctr"/>
-            <a:endParaRPr lang="en-US">
-              <a:latin typeface="Tahoma" panose="020B0604030504040204" pitchFamily="34" charset="0"/>
-              <a:ea typeface="Tahoma" panose="020B0604030504040204" pitchFamily="34" charset="0"/>
-              <a:cs typeface="Tahoma" panose="020B0604030504040204" pitchFamily="34" charset="0"/>
-            </a:endParaRPr>
-          </a:p>
-        </p:txBody>
-      </p:sp>
       <p:grpSp>
         <p:nvGrpSpPr>
           <p:cNvPr id="7" name="Group 6">
@@ -6460,66 +6410,196 @@
           </a:prstGeom>
         </p:spPr>
       </p:pic>
-      <p:pic>
-        <p:nvPicPr>
-          <p:cNvPr id="11" name="Picture 10">
+      <p:grpSp>
+        <p:nvGrpSpPr>
+          <p:cNvPr id="12" name="Group 11">
             <a:extLst>
               <a:ext uri="{FF2B5EF4-FFF2-40B4-BE49-F238E27FC236}">
-                <a16:creationId xmlns:a16="http://schemas.microsoft.com/office/drawing/2014/main" id="{64F3412E-F7C9-C639-0ED6-1E46440525F7}"/>
+                <a16:creationId xmlns:a16="http://schemas.microsoft.com/office/drawing/2014/main" id="{D802A4F1-29CE-0A77-5041-10619696FB4A}"/>
               </a:ext>
             </a:extLst>
           </p:cNvPr>
-          <p:cNvPicPr>
-            <a:picLocks noChangeAspect="1"/>
-          </p:cNvPicPr>
+          <p:cNvGrpSpPr/>
           <p:nvPr/>
-        </p:nvPicPr>
-        <p:blipFill>
-          <a:blip r:embed="rId3"/>
-          <a:stretch>
-            <a:fillRect/>
-          </a:stretch>
-        </p:blipFill>
-        <p:spPr>
+        </p:nvGrpSpPr>
+        <p:grpSpPr>
           <a:xfrm>
-            <a:off x="6055302" y="0"/>
-            <a:ext cx="6136698" cy="3296181"/>
+            <a:off x="6055300" y="-12699"/>
+            <a:ext cx="6141462" cy="6870699"/>
+            <a:chOff x="6055300" y="-12699"/>
+            <a:chExt cx="6141462" cy="6870699"/>
           </a:xfrm>
-          <a:prstGeom prst="rect">
-            <a:avLst/>
-          </a:prstGeom>
-        </p:spPr>
-      </p:pic>
-      <p:pic>
-        <p:nvPicPr>
-          <p:cNvPr id="13" name="Picture 12">
-            <a:extLst>
-              <a:ext uri="{FF2B5EF4-FFF2-40B4-BE49-F238E27FC236}">
-                <a16:creationId xmlns:a16="http://schemas.microsoft.com/office/drawing/2014/main" id="{4A8DC541-A25E-AA8D-BD7D-EB517DCC8B39}"/>
-              </a:ext>
-            </a:extLst>
-          </p:cNvPr>
-          <p:cNvPicPr>
-            <a:picLocks noChangeAspect="1"/>
-          </p:cNvPicPr>
-          <p:nvPr/>
-        </p:nvPicPr>
-        <p:blipFill>
-          <a:blip r:embed="rId4"/>
-          <a:stretch>
-            <a:fillRect/>
-          </a:stretch>
-        </p:blipFill>
-        <p:spPr>
-          <a:xfrm>
-            <a:off x="6055300" y="3188368"/>
-            <a:ext cx="6136700" cy="3643096"/>
-          </a:xfrm>
-          <a:prstGeom prst="rect">
-            <a:avLst/>
-          </a:prstGeom>
-        </p:spPr>
-      </p:pic>
+        </p:grpSpPr>
+        <p:sp>
+          <p:nvSpPr>
+            <p:cNvPr id="2" name="Rectangle 1">
+              <a:extLst>
+                <a:ext uri="{FF2B5EF4-FFF2-40B4-BE49-F238E27FC236}">
+                  <a16:creationId xmlns:a16="http://schemas.microsoft.com/office/drawing/2014/main" id="{3D8D90D8-042E-4CF9-5789-EDEB831FF41C}"/>
+                </a:ext>
+              </a:extLst>
+            </p:cNvPr>
+            <p:cNvSpPr/>
+            <p:nvPr/>
+          </p:nvSpPr>
+          <p:spPr>
+            <a:xfrm>
+              <a:off x="6055301" y="0"/>
+              <a:ext cx="6136699" cy="6858000"/>
+            </a:xfrm>
+            <a:prstGeom prst="rect">
+              <a:avLst/>
+            </a:prstGeom>
+          </p:spPr>
+          <p:style>
+            <a:lnRef idx="2">
+              <a:schemeClr val="accent1">
+                <a:shade val="15000"/>
+              </a:schemeClr>
+            </a:lnRef>
+            <a:fillRef idx="1">
+              <a:schemeClr val="accent1"/>
+            </a:fillRef>
+            <a:effectRef idx="0">
+              <a:schemeClr val="accent1"/>
+            </a:effectRef>
+            <a:fontRef idx="minor">
+              <a:schemeClr val="lt1"/>
+            </a:fontRef>
+          </p:style>
+          <p:txBody>
+            <a:bodyPr rtlCol="0" anchor="ctr"/>
+            <a:lstStyle/>
+            <a:p>
+              <a:pPr algn="ctr"/>
+              <a:endParaRPr lang="en-US">
+                <a:latin typeface="Tahoma" panose="020B0604030504040204" pitchFamily="34" charset="0"/>
+                <a:ea typeface="Tahoma" panose="020B0604030504040204" pitchFamily="34" charset="0"/>
+                <a:cs typeface="Tahoma" panose="020B0604030504040204" pitchFamily="34" charset="0"/>
+              </a:endParaRPr>
+            </a:p>
+          </p:txBody>
+        </p:sp>
+        <p:pic>
+          <p:nvPicPr>
+            <p:cNvPr id="11" name="Picture 10">
+              <a:extLst>
+                <a:ext uri="{FF2B5EF4-FFF2-40B4-BE49-F238E27FC236}">
+                  <a16:creationId xmlns:a16="http://schemas.microsoft.com/office/drawing/2014/main" id="{64F3412E-F7C9-C639-0ED6-1E46440525F7}"/>
+                </a:ext>
+              </a:extLst>
+            </p:cNvPr>
+            <p:cNvPicPr>
+              <a:picLocks noChangeAspect="1"/>
+            </p:cNvPicPr>
+            <p:nvPr/>
+          </p:nvPicPr>
+          <p:blipFill>
+            <a:blip r:embed="rId3"/>
+            <a:stretch>
+              <a:fillRect/>
+            </a:stretch>
+          </p:blipFill>
+          <p:spPr>
+            <a:xfrm>
+              <a:off x="6055302" y="0"/>
+              <a:ext cx="6136698" cy="3296181"/>
+            </a:xfrm>
+            <a:prstGeom prst="rect">
+              <a:avLst/>
+            </a:prstGeom>
+          </p:spPr>
+        </p:pic>
+        <p:pic>
+          <p:nvPicPr>
+            <p:cNvPr id="13" name="Picture 12">
+              <a:extLst>
+                <a:ext uri="{FF2B5EF4-FFF2-40B4-BE49-F238E27FC236}">
+                  <a16:creationId xmlns:a16="http://schemas.microsoft.com/office/drawing/2014/main" id="{4A8DC541-A25E-AA8D-BD7D-EB517DCC8B39}"/>
+                </a:ext>
+              </a:extLst>
+            </p:cNvPr>
+            <p:cNvPicPr>
+              <a:picLocks noChangeAspect="1"/>
+            </p:cNvPicPr>
+            <p:nvPr/>
+          </p:nvPicPr>
+          <p:blipFill>
+            <a:blip r:embed="rId4"/>
+            <a:stretch>
+              <a:fillRect/>
+            </a:stretch>
+          </p:blipFill>
+          <p:spPr>
+            <a:xfrm>
+              <a:off x="6055300" y="3188368"/>
+              <a:ext cx="6136700" cy="3643096"/>
+            </a:xfrm>
+            <a:prstGeom prst="rect">
+              <a:avLst/>
+            </a:prstGeom>
+          </p:spPr>
+        </p:pic>
+        <p:pic>
+          <p:nvPicPr>
+            <p:cNvPr id="5" name="Picture 4">
+              <a:extLst>
+                <a:ext uri="{FF2B5EF4-FFF2-40B4-BE49-F238E27FC236}">
+                  <a16:creationId xmlns:a16="http://schemas.microsoft.com/office/drawing/2014/main" id="{AEA430DD-3743-C808-E3EE-4DE7124C38B5}"/>
+                </a:ext>
+              </a:extLst>
+            </p:cNvPr>
+            <p:cNvPicPr>
+              <a:picLocks noChangeAspect="1"/>
+            </p:cNvPicPr>
+            <p:nvPr/>
+          </p:nvPicPr>
+          <p:blipFill>
+            <a:blip r:embed="rId5"/>
+            <a:stretch>
+              <a:fillRect/>
+            </a:stretch>
+          </p:blipFill>
+          <p:spPr>
+            <a:xfrm>
+              <a:off x="6060062" y="-12699"/>
+              <a:ext cx="6136700" cy="388978"/>
+            </a:xfrm>
+            <a:prstGeom prst="rect">
+              <a:avLst/>
+            </a:prstGeom>
+          </p:spPr>
+        </p:pic>
+        <p:pic>
+          <p:nvPicPr>
+            <p:cNvPr id="10" name="Picture 9">
+              <a:extLst>
+                <a:ext uri="{FF2B5EF4-FFF2-40B4-BE49-F238E27FC236}">
+                  <a16:creationId xmlns:a16="http://schemas.microsoft.com/office/drawing/2014/main" id="{6E78AC73-0C41-F981-9784-B98DFC608055}"/>
+                </a:ext>
+              </a:extLst>
+            </p:cNvPr>
+            <p:cNvPicPr>
+              <a:picLocks noChangeAspect="1"/>
+            </p:cNvPicPr>
+            <p:nvPr/>
+          </p:nvPicPr>
+          <p:blipFill rotWithShape="1">
+            <a:blip r:embed="rId6"/>
+            <a:srcRect r="78"/>
+            <a:stretch/>
+          </p:blipFill>
+          <p:spPr>
+            <a:xfrm>
+              <a:off x="6060064" y="6467464"/>
+              <a:ext cx="6136698" cy="390444"/>
+            </a:xfrm>
+            <a:prstGeom prst="rect">
+              <a:avLst/>
+            </a:prstGeom>
+          </p:spPr>
+        </p:pic>
+      </p:grpSp>
     </p:spTree>
     <p:extLst>
       <p:ext uri="{BB962C8B-B14F-4D97-AF65-F5344CB8AC3E}">
